--- a/docs/ppt/WiE SF TSC Performance Glibc-bench in TDX.pptx
+++ b/docs/ppt/WiE SF TSC Performance Glibc-bench in TDX.pptx
@@ -5,10 +5,10 @@
     <p:sldMasterId id="2147483648" r:id="rId4"/>
   </p:sldMasterIdLst>
   <p:notesMasterIdLst>
-    <p:notesMasterId r:id="rId15"/>
+    <p:notesMasterId r:id="rId18"/>
   </p:notesMasterIdLst>
   <p:handoutMasterIdLst>
-    <p:handoutMasterId r:id="rId16"/>
+    <p:handoutMasterId r:id="rId19"/>
   </p:handoutMasterIdLst>
   <p:sldIdLst>
     <p:sldId id="256" r:id="rId5"/>
@@ -19,8 +19,11 @@
     <p:sldId id="2147308794" r:id="rId10"/>
     <p:sldId id="2147308795" r:id="rId11"/>
     <p:sldId id="2147308798" r:id="rId12"/>
-    <p:sldId id="2147308616" r:id="rId13"/>
-    <p:sldId id="287" r:id="rId14"/>
+    <p:sldId id="2147308799" r:id="rId13"/>
+    <p:sldId id="2147308800" r:id="rId14"/>
+    <p:sldId id="2147308801" r:id="rId15"/>
+    <p:sldId id="2147308616" r:id="rId16"/>
+    <p:sldId id="287" r:id="rId17"/>
   </p:sldIdLst>
   <p:sldSz cx="12192000" cy="6858000"/>
   <p:notesSz cx="6858000" cy="9144000"/>
@@ -3148,6 +3151,312 @@
 </c:chartSpace>
 </file>
 
+<file path=ppt/charts/chart4.xml><?xml version="1.0" encoding="utf-8"?>
+<c:chartSpace xmlns:c="http://schemas.openxmlformats.org/drawingml/2006/chart" xmlns:a="http://schemas.openxmlformats.org/drawingml/2006/main" xmlns:r="http://schemas.openxmlformats.org/officeDocument/2006/relationships" xmlns:c16r2="http://schemas.microsoft.com/office/drawing/2015/06/chart">
+  <c:date1904 val="0"/>
+  <c:lang val="en-US"/>
+  <c:roundedCorners val="0"/>
+  <mc:AlternateContent xmlns:mc="http://schemas.openxmlformats.org/markup-compatibility/2006">
+    <mc:Choice xmlns:c14="http://schemas.microsoft.com/office/drawing/2007/8/2/chart" Requires="c14">
+      <c14:style val="102"/>
+    </mc:Choice>
+    <mc:Fallback>
+      <c:style val="2"/>
+    </mc:Fallback>
+  </mc:AlternateContent>
+  <c:chart>
+    <c:title>
+      <c:overlay val="0"/>
+      <c:spPr>
+        <a:noFill/>
+        <a:ln>
+          <a:noFill/>
+        </a:ln>
+        <a:effectLst/>
+      </c:spPr>
+      <c:txPr>
+        <a:bodyPr rot="0" spcFirstLastPara="1" vertOverflow="ellipsis" vert="horz" wrap="square" anchor="ctr" anchorCtr="1"/>
+        <a:lstStyle/>
+        <a:p>
+          <a:pPr>
+            <a:defRPr sz="1400" b="0" i="0" u="none" strike="noStrike" kern="1200" spc="0" baseline="0">
+              <a:solidFill>
+                <a:schemeClr val="tx1">
+                  <a:lumMod val="65000"/>
+                  <a:lumOff val="35000"/>
+                </a:schemeClr>
+              </a:solidFill>
+              <a:latin typeface="+mn-lt"/>
+              <a:ea typeface="+mn-ea"/>
+              <a:cs typeface="+mn-cs"/>
+            </a:defRPr>
+          </a:pPr>
+          <a:endParaRPr lang="en-US"/>
+        </a:p>
+      </c:txPr>
+    </c:title>
+    <c:autoTitleDeleted val="0"/>
+    <c:plotArea>
+      <c:layout/>
+      <c:barChart>
+        <c:barDir val="col"/>
+        <c:grouping val="clustered"/>
+        <c:varyColors val="0"/>
+        <c:ser>
+          <c:idx val="0"/>
+          <c:order val="0"/>
+          <c:spPr>
+            <a:solidFill>
+              <a:schemeClr val="accent1"/>
+            </a:solidFill>
+            <a:ln>
+              <a:noFill/>
+            </a:ln>
+            <a:effectLst/>
+          </c:spPr>
+          <c:invertIfNegative val="0"/>
+          <c:val>
+            <c:numRef>
+              <c:f>Sheet3!$W$2:$W$25</c:f>
+              <c:numCache>
+                <c:formatCode>_(* #,##0.00_);_(* \(#,##0.00\);_(* "-"??_);_(@_)</c:formatCode>
+                <c:ptCount val="24"/>
+                <c:pt idx="0">
+                  <c:v>195710.5</c:v>
+                </c:pt>
+                <c:pt idx="1">
+                  <c:v>149323</c:v>
+                </c:pt>
+                <c:pt idx="2">
+                  <c:v>42586.45</c:v>
+                </c:pt>
+                <c:pt idx="3">
+                  <c:v>410457</c:v>
+                </c:pt>
+                <c:pt idx="4">
+                  <c:v>325633</c:v>
+                </c:pt>
+                <c:pt idx="5">
+                  <c:v>83098.55</c:v>
+                </c:pt>
+                <c:pt idx="6">
+                  <c:v>627252.5</c:v>
+                </c:pt>
+                <c:pt idx="7">
+                  <c:v>520271</c:v>
+                </c:pt>
+                <c:pt idx="8">
+                  <c:v>108074.5</c:v>
+                </c:pt>
+                <c:pt idx="9">
+                  <c:v>821757.5</c:v>
+                </c:pt>
+                <c:pt idx="10">
+                  <c:v>694979</c:v>
+                </c:pt>
+                <c:pt idx="11">
+                  <c:v>124130.5</c:v>
+                </c:pt>
+                <c:pt idx="12">
+                  <c:v>1023695</c:v>
+                </c:pt>
+                <c:pt idx="13">
+                  <c:v>879888.5</c:v>
+                </c:pt>
+                <c:pt idx="14">
+                  <c:v>144504.5</c:v>
+                </c:pt>
+                <c:pt idx="15">
+                  <c:v>1213050</c:v>
+                </c:pt>
+                <c:pt idx="16">
+                  <c:v>1054710</c:v>
+                </c:pt>
+                <c:pt idx="17">
+                  <c:v>160623</c:v>
+                </c:pt>
+                <c:pt idx="18">
+                  <c:v>1411325</c:v>
+                </c:pt>
+                <c:pt idx="19">
+                  <c:v>1234350</c:v>
+                </c:pt>
+                <c:pt idx="20">
+                  <c:v>171518.5</c:v>
+                </c:pt>
+                <c:pt idx="21">
+                  <c:v>1606300</c:v>
+                </c:pt>
+                <c:pt idx="22">
+                  <c:v>1413895</c:v>
+                </c:pt>
+                <c:pt idx="23">
+                  <c:v>193020.5</c:v>
+                </c:pt>
+              </c:numCache>
+            </c:numRef>
+          </c:val>
+          <c:extLst>
+            <c:ext xmlns:c16="http://schemas.microsoft.com/office/drawing/2014/chart" uri="{C3380CC4-5D6E-409C-BE32-E72D297353CC}">
+              <c16:uniqueId val="{00000000-173C-4D5B-89F8-28D5A927BEA2}"/>
+            </c:ext>
+          </c:extLst>
+        </c:ser>
+        <c:dLbls>
+          <c:showLegendKey val="0"/>
+          <c:showVal val="0"/>
+          <c:showCatName val="0"/>
+          <c:showSerName val="0"/>
+          <c:showPercent val="0"/>
+          <c:showBubbleSize val="0"/>
+        </c:dLbls>
+        <c:gapWidth val="219"/>
+        <c:overlap val="-27"/>
+        <c:axId val="738664544"/>
+        <c:axId val="738662248"/>
+      </c:barChart>
+      <c:catAx>
+        <c:axId val="738664544"/>
+        <c:scaling>
+          <c:orientation val="minMax"/>
+        </c:scaling>
+        <c:delete val="0"/>
+        <c:axPos val="b"/>
+        <c:numFmt formatCode="General" sourceLinked="1"/>
+        <c:majorTickMark val="none"/>
+        <c:minorTickMark val="none"/>
+        <c:tickLblPos val="nextTo"/>
+        <c:spPr>
+          <a:noFill/>
+          <a:ln w="9525" cap="flat" cmpd="sng" algn="ctr">
+            <a:solidFill>
+              <a:schemeClr val="tx1">
+                <a:lumMod val="15000"/>
+                <a:lumOff val="85000"/>
+              </a:schemeClr>
+            </a:solidFill>
+            <a:round/>
+          </a:ln>
+          <a:effectLst/>
+        </c:spPr>
+        <c:txPr>
+          <a:bodyPr rot="-60000000" spcFirstLastPara="1" vertOverflow="ellipsis" vert="horz" wrap="square" anchor="ctr" anchorCtr="1"/>
+          <a:lstStyle/>
+          <a:p>
+            <a:pPr>
+              <a:defRPr sz="900" b="0" i="0" u="none" strike="noStrike" kern="1200" baseline="0">
+                <a:solidFill>
+                  <a:schemeClr val="tx1">
+                    <a:lumMod val="65000"/>
+                    <a:lumOff val="35000"/>
+                  </a:schemeClr>
+                </a:solidFill>
+                <a:latin typeface="+mn-lt"/>
+                <a:ea typeface="+mn-ea"/>
+                <a:cs typeface="+mn-cs"/>
+              </a:defRPr>
+            </a:pPr>
+            <a:endParaRPr lang="en-US"/>
+          </a:p>
+        </c:txPr>
+        <c:crossAx val="738662248"/>
+        <c:crosses val="autoZero"/>
+        <c:auto val="1"/>
+        <c:lblAlgn val="ctr"/>
+        <c:lblOffset val="100"/>
+        <c:noMultiLvlLbl val="0"/>
+      </c:catAx>
+      <c:valAx>
+        <c:axId val="738662248"/>
+        <c:scaling>
+          <c:orientation val="minMax"/>
+        </c:scaling>
+        <c:delete val="0"/>
+        <c:axPos val="l"/>
+        <c:majorGridlines>
+          <c:spPr>
+            <a:ln w="9525" cap="flat" cmpd="sng" algn="ctr">
+              <a:solidFill>
+                <a:schemeClr val="tx1">
+                  <a:lumMod val="15000"/>
+                  <a:lumOff val="85000"/>
+                </a:schemeClr>
+              </a:solidFill>
+              <a:round/>
+            </a:ln>
+            <a:effectLst/>
+          </c:spPr>
+        </c:majorGridlines>
+        <c:numFmt formatCode="_(* #,##0.00_);_(* \(#,##0.00\);_(* &quot;-&quot;??_);_(@_)" sourceLinked="1"/>
+        <c:majorTickMark val="none"/>
+        <c:minorTickMark val="none"/>
+        <c:tickLblPos val="nextTo"/>
+        <c:spPr>
+          <a:noFill/>
+          <a:ln>
+            <a:noFill/>
+          </a:ln>
+          <a:effectLst/>
+        </c:spPr>
+        <c:txPr>
+          <a:bodyPr rot="-60000000" spcFirstLastPara="1" vertOverflow="ellipsis" vert="horz" wrap="square" anchor="ctr" anchorCtr="1"/>
+          <a:lstStyle/>
+          <a:p>
+            <a:pPr>
+              <a:defRPr sz="900" b="0" i="0" u="none" strike="noStrike" kern="1200" baseline="0">
+                <a:solidFill>
+                  <a:schemeClr val="tx1">
+                    <a:lumMod val="65000"/>
+                    <a:lumOff val="35000"/>
+                  </a:schemeClr>
+                </a:solidFill>
+                <a:latin typeface="+mn-lt"/>
+                <a:ea typeface="+mn-ea"/>
+                <a:cs typeface="+mn-cs"/>
+              </a:defRPr>
+            </a:pPr>
+            <a:endParaRPr lang="en-US"/>
+          </a:p>
+        </c:txPr>
+        <c:crossAx val="738664544"/>
+        <c:crosses val="autoZero"/>
+        <c:crossBetween val="between"/>
+      </c:valAx>
+      <c:spPr>
+        <a:noFill/>
+        <a:ln>
+          <a:noFill/>
+        </a:ln>
+        <a:effectLst/>
+      </c:spPr>
+    </c:plotArea>
+    <c:plotVisOnly val="1"/>
+    <c:dispBlanksAs val="gap"/>
+    <c:showDLblsOverMax val="0"/>
+  </c:chart>
+  <c:spPr>
+    <a:noFill/>
+    <a:ln>
+      <a:noFill/>
+    </a:ln>
+    <a:effectLst/>
+  </c:spPr>
+  <c:txPr>
+    <a:bodyPr/>
+    <a:lstStyle/>
+    <a:p>
+      <a:pPr>
+        <a:defRPr/>
+      </a:pPr>
+      <a:endParaRPr lang="en-US"/>
+    </a:p>
+  </c:txPr>
+  <c:externalData r:id="rId3">
+    <c:autoUpdate val="0"/>
+  </c:externalData>
+</c:chartSpace>
+</file>
+
 <file path=ppt/charts/colors1.xml><?xml version="1.0" encoding="utf-8"?>
 <cs:colorStyle xmlns:cs="http://schemas.microsoft.com/office/drawing/2012/chartStyle" xmlns:a="http://schemas.openxmlformats.org/drawingml/2006/main" meth="cycle" id="10">
   <a:schemeClr val="accent1"/>
@@ -3189,6 +3498,46 @@
 </file>
 
 <file path=ppt/charts/colors2.xml><?xml version="1.0" encoding="utf-8"?>
+<cs:colorStyle xmlns:cs="http://schemas.microsoft.com/office/drawing/2012/chartStyle" xmlns:a="http://schemas.openxmlformats.org/drawingml/2006/main" meth="cycle" id="10">
+  <a:schemeClr val="accent1"/>
+  <a:schemeClr val="accent2"/>
+  <a:schemeClr val="accent3"/>
+  <a:schemeClr val="accent4"/>
+  <a:schemeClr val="accent5"/>
+  <a:schemeClr val="accent6"/>
+  <cs:variation/>
+  <cs:variation>
+    <a:lumMod val="60000"/>
+  </cs:variation>
+  <cs:variation>
+    <a:lumMod val="80000"/>
+    <a:lumOff val="20000"/>
+  </cs:variation>
+  <cs:variation>
+    <a:lumMod val="80000"/>
+  </cs:variation>
+  <cs:variation>
+    <a:lumMod val="60000"/>
+    <a:lumOff val="40000"/>
+  </cs:variation>
+  <cs:variation>
+    <a:lumMod val="50000"/>
+  </cs:variation>
+  <cs:variation>
+    <a:lumMod val="70000"/>
+    <a:lumOff val="30000"/>
+  </cs:variation>
+  <cs:variation>
+    <a:lumMod val="70000"/>
+  </cs:variation>
+  <cs:variation>
+    <a:lumMod val="50000"/>
+    <a:lumOff val="50000"/>
+  </cs:variation>
+</cs:colorStyle>
+</file>
+
+<file path=ppt/charts/colors3.xml><?xml version="1.0" encoding="utf-8"?>
 <cs:colorStyle xmlns:cs="http://schemas.microsoft.com/office/drawing/2012/chartStyle" xmlns:a="http://schemas.openxmlformats.org/drawingml/2006/main" meth="cycle" id="10">
   <a:schemeClr val="accent1"/>
   <a:schemeClr val="accent2"/>
@@ -4216,6 +4565,509 @@
     <cs:fontRef idx="minor">
       <a:schemeClr val="tx1"/>
     </cs:fontRef>
+  </cs:wall>
+</cs:chartStyle>
+</file>
+
+<file path=ppt/charts/style3.xml><?xml version="1.0" encoding="utf-8"?>
+<cs:chartStyle xmlns:cs="http://schemas.microsoft.com/office/drawing/2012/chartStyle" xmlns:a="http://schemas.openxmlformats.org/drawingml/2006/main" id="201">
+  <cs:axisTitle>
+    <cs:lnRef idx="0"/>
+    <cs:fillRef idx="0"/>
+    <cs:effectRef idx="0"/>
+    <cs:fontRef idx="minor">
+      <a:schemeClr val="tx1">
+        <a:lumMod val="65000"/>
+        <a:lumOff val="35000"/>
+      </a:schemeClr>
+    </cs:fontRef>
+    <cs:defRPr sz="1000" kern="1200"/>
+  </cs:axisTitle>
+  <cs:categoryAxis>
+    <cs:lnRef idx="0"/>
+    <cs:fillRef idx="0"/>
+    <cs:effectRef idx="0"/>
+    <cs:fontRef idx="minor">
+      <a:schemeClr val="tx1">
+        <a:lumMod val="65000"/>
+        <a:lumOff val="35000"/>
+      </a:schemeClr>
+    </cs:fontRef>
+    <cs:spPr>
+      <a:ln w="9525" cap="flat" cmpd="sng" algn="ctr">
+        <a:solidFill>
+          <a:schemeClr val="tx1">
+            <a:lumMod val="15000"/>
+            <a:lumOff val="85000"/>
+          </a:schemeClr>
+        </a:solidFill>
+        <a:round/>
+      </a:ln>
+    </cs:spPr>
+    <cs:defRPr sz="900" kern="1200"/>
+  </cs:categoryAxis>
+  <cs:chartArea mods="allowNoFillOverride allowNoLineOverride">
+    <cs:lnRef idx="0"/>
+    <cs:fillRef idx="0"/>
+    <cs:effectRef idx="0"/>
+    <cs:fontRef idx="minor">
+      <a:schemeClr val="tx1"/>
+    </cs:fontRef>
+    <cs:spPr>
+      <a:solidFill>
+        <a:schemeClr val="bg1"/>
+      </a:solidFill>
+      <a:ln w="9525" cap="flat" cmpd="sng" algn="ctr">
+        <a:solidFill>
+          <a:schemeClr val="tx1">
+            <a:lumMod val="15000"/>
+            <a:lumOff val="85000"/>
+          </a:schemeClr>
+        </a:solidFill>
+        <a:round/>
+      </a:ln>
+    </cs:spPr>
+    <cs:defRPr sz="1000" kern="1200"/>
+  </cs:chartArea>
+  <cs:dataLabel>
+    <cs:lnRef idx="0"/>
+    <cs:fillRef idx="0"/>
+    <cs:effectRef idx="0"/>
+    <cs:fontRef idx="minor">
+      <a:schemeClr val="tx1">
+        <a:lumMod val="75000"/>
+        <a:lumOff val="25000"/>
+      </a:schemeClr>
+    </cs:fontRef>
+    <cs:defRPr sz="900" kern="1200"/>
+  </cs:dataLabel>
+  <cs:dataLabelCallout>
+    <cs:lnRef idx="0"/>
+    <cs:fillRef idx="0"/>
+    <cs:effectRef idx="0"/>
+    <cs:fontRef idx="minor">
+      <a:schemeClr val="dk1">
+        <a:lumMod val="65000"/>
+        <a:lumOff val="35000"/>
+      </a:schemeClr>
+    </cs:fontRef>
+    <cs:spPr>
+      <a:solidFill>
+        <a:schemeClr val="lt1"/>
+      </a:solidFill>
+      <a:ln>
+        <a:solidFill>
+          <a:schemeClr val="dk1">
+            <a:lumMod val="25000"/>
+            <a:lumOff val="75000"/>
+          </a:schemeClr>
+        </a:solidFill>
+      </a:ln>
+    </cs:spPr>
+    <cs:defRPr sz="900" kern="1200"/>
+    <cs:bodyPr rot="0" spcFirstLastPara="1" vertOverflow="clip" horzOverflow="clip" vert="horz" wrap="square" lIns="36576" tIns="18288" rIns="36576" bIns="18288" anchor="ctr" anchorCtr="1">
+      <a:spAutoFit/>
+    </cs:bodyPr>
+  </cs:dataLabelCallout>
+  <cs:dataPoint>
+    <cs:lnRef idx="0"/>
+    <cs:fillRef idx="1">
+      <cs:styleClr val="auto"/>
+    </cs:fillRef>
+    <cs:effectRef idx="0"/>
+    <cs:fontRef idx="minor">
+      <a:schemeClr val="tx1"/>
+    </cs:fontRef>
+  </cs:dataPoint>
+  <cs:dataPoint3D>
+    <cs:lnRef idx="0"/>
+    <cs:fillRef idx="1">
+      <cs:styleClr val="auto"/>
+    </cs:fillRef>
+    <cs:effectRef idx="0"/>
+    <cs:fontRef idx="minor">
+      <a:schemeClr val="tx1"/>
+    </cs:fontRef>
+  </cs:dataPoint3D>
+  <cs:dataPointLine>
+    <cs:lnRef idx="0">
+      <cs:styleClr val="auto"/>
+    </cs:lnRef>
+    <cs:fillRef idx="1"/>
+    <cs:effectRef idx="0"/>
+    <cs:fontRef idx="minor">
+      <a:schemeClr val="tx1"/>
+    </cs:fontRef>
+    <cs:spPr>
+      <a:ln w="28575" cap="rnd">
+        <a:solidFill>
+          <a:schemeClr val="phClr"/>
+        </a:solidFill>
+        <a:round/>
+      </a:ln>
+    </cs:spPr>
+  </cs:dataPointLine>
+  <cs:dataPointMarker>
+    <cs:lnRef idx="0">
+      <cs:styleClr val="auto"/>
+    </cs:lnRef>
+    <cs:fillRef idx="1">
+      <cs:styleClr val="auto"/>
+    </cs:fillRef>
+    <cs:effectRef idx="0"/>
+    <cs:fontRef idx="minor">
+      <a:schemeClr val="tx1"/>
+    </cs:fontRef>
+    <cs:spPr>
+      <a:ln w="9525">
+        <a:solidFill>
+          <a:schemeClr val="phClr"/>
+        </a:solidFill>
+      </a:ln>
+    </cs:spPr>
+  </cs:dataPointMarker>
+  <cs:dataPointMarkerLayout symbol="circle" size="5"/>
+  <cs:dataPointWireframe>
+    <cs:lnRef idx="0">
+      <cs:styleClr val="auto"/>
+    </cs:lnRef>
+    <cs:fillRef idx="1"/>
+    <cs:effectRef idx="0"/>
+    <cs:fontRef idx="minor">
+      <a:schemeClr val="tx1"/>
+    </cs:fontRef>
+    <cs:spPr>
+      <a:ln w="9525" cap="rnd">
+        <a:solidFill>
+          <a:schemeClr val="phClr"/>
+        </a:solidFill>
+        <a:round/>
+      </a:ln>
+    </cs:spPr>
+  </cs:dataPointWireframe>
+  <cs:dataTable>
+    <cs:lnRef idx="0"/>
+    <cs:fillRef idx="0"/>
+    <cs:effectRef idx="0"/>
+    <cs:fontRef idx="minor">
+      <a:schemeClr val="tx1">
+        <a:lumMod val="65000"/>
+        <a:lumOff val="35000"/>
+      </a:schemeClr>
+    </cs:fontRef>
+    <cs:spPr>
+      <a:noFill/>
+      <a:ln w="9525" cap="flat" cmpd="sng" algn="ctr">
+        <a:solidFill>
+          <a:schemeClr val="tx1">
+            <a:lumMod val="15000"/>
+            <a:lumOff val="85000"/>
+          </a:schemeClr>
+        </a:solidFill>
+        <a:round/>
+      </a:ln>
+    </cs:spPr>
+    <cs:defRPr sz="900" kern="1200"/>
+  </cs:dataTable>
+  <cs:downBar>
+    <cs:lnRef idx="0"/>
+    <cs:fillRef idx="0"/>
+    <cs:effectRef idx="0"/>
+    <cs:fontRef idx="minor">
+      <a:schemeClr val="dk1"/>
+    </cs:fontRef>
+    <cs:spPr>
+      <a:solidFill>
+        <a:schemeClr val="dk1">
+          <a:lumMod val="65000"/>
+          <a:lumOff val="35000"/>
+        </a:schemeClr>
+      </a:solidFill>
+      <a:ln w="9525">
+        <a:solidFill>
+          <a:schemeClr val="tx1">
+            <a:lumMod val="65000"/>
+            <a:lumOff val="35000"/>
+          </a:schemeClr>
+        </a:solidFill>
+      </a:ln>
+    </cs:spPr>
+  </cs:downBar>
+  <cs:dropLine>
+    <cs:lnRef idx="0"/>
+    <cs:fillRef idx="0"/>
+    <cs:effectRef idx="0"/>
+    <cs:fontRef idx="minor">
+      <a:schemeClr val="tx1"/>
+    </cs:fontRef>
+    <cs:spPr>
+      <a:ln w="9525" cap="flat" cmpd="sng" algn="ctr">
+        <a:solidFill>
+          <a:schemeClr val="tx1">
+            <a:lumMod val="35000"/>
+            <a:lumOff val="65000"/>
+          </a:schemeClr>
+        </a:solidFill>
+        <a:round/>
+      </a:ln>
+    </cs:spPr>
+  </cs:dropLine>
+  <cs:errorBar>
+    <cs:lnRef idx="0"/>
+    <cs:fillRef idx="0"/>
+    <cs:effectRef idx="0"/>
+    <cs:fontRef idx="minor">
+      <a:schemeClr val="tx1"/>
+    </cs:fontRef>
+    <cs:spPr>
+      <a:ln w="9525" cap="flat" cmpd="sng" algn="ctr">
+        <a:solidFill>
+          <a:schemeClr val="tx1">
+            <a:lumMod val="65000"/>
+            <a:lumOff val="35000"/>
+          </a:schemeClr>
+        </a:solidFill>
+        <a:round/>
+      </a:ln>
+    </cs:spPr>
+  </cs:errorBar>
+  <cs:floor>
+    <cs:lnRef idx="0"/>
+    <cs:fillRef idx="0"/>
+    <cs:effectRef idx="0"/>
+    <cs:fontRef idx="minor">
+      <a:schemeClr val="tx1"/>
+    </cs:fontRef>
+    <cs:spPr>
+      <a:noFill/>
+      <a:ln>
+        <a:noFill/>
+      </a:ln>
+    </cs:spPr>
+  </cs:floor>
+  <cs:gridlineMajor>
+    <cs:lnRef idx="0"/>
+    <cs:fillRef idx="0"/>
+    <cs:effectRef idx="0"/>
+    <cs:fontRef idx="minor">
+      <a:schemeClr val="tx1"/>
+    </cs:fontRef>
+    <cs:spPr>
+      <a:ln w="9525" cap="flat" cmpd="sng" algn="ctr">
+        <a:solidFill>
+          <a:schemeClr val="tx1">
+            <a:lumMod val="15000"/>
+            <a:lumOff val="85000"/>
+          </a:schemeClr>
+        </a:solidFill>
+        <a:round/>
+      </a:ln>
+    </cs:spPr>
+  </cs:gridlineMajor>
+  <cs:gridlineMinor>
+    <cs:lnRef idx="0"/>
+    <cs:fillRef idx="0"/>
+    <cs:effectRef idx="0"/>
+    <cs:fontRef idx="minor">
+      <a:schemeClr val="tx1"/>
+    </cs:fontRef>
+    <cs:spPr>
+      <a:ln w="9525" cap="flat" cmpd="sng" algn="ctr">
+        <a:solidFill>
+          <a:schemeClr val="tx1">
+            <a:lumMod val="5000"/>
+            <a:lumOff val="95000"/>
+          </a:schemeClr>
+        </a:solidFill>
+        <a:round/>
+      </a:ln>
+    </cs:spPr>
+  </cs:gridlineMinor>
+  <cs:hiLoLine>
+    <cs:lnRef idx="0"/>
+    <cs:fillRef idx="0"/>
+    <cs:effectRef idx="0"/>
+    <cs:fontRef idx="minor">
+      <a:schemeClr val="tx1"/>
+    </cs:fontRef>
+    <cs:spPr>
+      <a:ln w="9525" cap="flat" cmpd="sng" algn="ctr">
+        <a:solidFill>
+          <a:schemeClr val="tx1">
+            <a:lumMod val="75000"/>
+            <a:lumOff val="25000"/>
+          </a:schemeClr>
+        </a:solidFill>
+        <a:round/>
+      </a:ln>
+    </cs:spPr>
+  </cs:hiLoLine>
+  <cs:leaderLine>
+    <cs:lnRef idx="0"/>
+    <cs:fillRef idx="0"/>
+    <cs:effectRef idx="0"/>
+    <cs:fontRef idx="minor">
+      <a:schemeClr val="tx1"/>
+    </cs:fontRef>
+    <cs:spPr>
+      <a:ln w="9525" cap="flat" cmpd="sng" algn="ctr">
+        <a:solidFill>
+          <a:schemeClr val="tx1">
+            <a:lumMod val="35000"/>
+            <a:lumOff val="65000"/>
+          </a:schemeClr>
+        </a:solidFill>
+        <a:round/>
+      </a:ln>
+    </cs:spPr>
+  </cs:leaderLine>
+  <cs:legend>
+    <cs:lnRef idx="0"/>
+    <cs:fillRef idx="0"/>
+    <cs:effectRef idx="0"/>
+    <cs:fontRef idx="minor">
+      <a:schemeClr val="tx1">
+        <a:lumMod val="65000"/>
+        <a:lumOff val="35000"/>
+      </a:schemeClr>
+    </cs:fontRef>
+    <cs:defRPr sz="900" kern="1200"/>
+  </cs:legend>
+  <cs:plotArea mods="allowNoFillOverride allowNoLineOverride">
+    <cs:lnRef idx="0"/>
+    <cs:fillRef idx="0"/>
+    <cs:effectRef idx="0"/>
+    <cs:fontRef idx="minor">
+      <a:schemeClr val="tx1"/>
+    </cs:fontRef>
+  </cs:plotArea>
+  <cs:plotArea3D mods="allowNoFillOverride allowNoLineOverride">
+    <cs:lnRef idx="0"/>
+    <cs:fillRef idx="0"/>
+    <cs:effectRef idx="0"/>
+    <cs:fontRef idx="minor">
+      <a:schemeClr val="tx1"/>
+    </cs:fontRef>
+  </cs:plotArea3D>
+  <cs:seriesAxis>
+    <cs:lnRef idx="0"/>
+    <cs:fillRef idx="0"/>
+    <cs:effectRef idx="0"/>
+    <cs:fontRef idx="minor">
+      <a:schemeClr val="tx1">
+        <a:lumMod val="65000"/>
+        <a:lumOff val="35000"/>
+      </a:schemeClr>
+    </cs:fontRef>
+    <cs:defRPr sz="900" kern="1200"/>
+  </cs:seriesAxis>
+  <cs:seriesLine>
+    <cs:lnRef idx="0"/>
+    <cs:fillRef idx="0"/>
+    <cs:effectRef idx="0"/>
+    <cs:fontRef idx="minor">
+      <a:schemeClr val="tx1"/>
+    </cs:fontRef>
+    <cs:spPr>
+      <a:ln w="9525" cap="flat" cmpd="sng" algn="ctr">
+        <a:solidFill>
+          <a:schemeClr val="tx1">
+            <a:lumMod val="35000"/>
+            <a:lumOff val="65000"/>
+          </a:schemeClr>
+        </a:solidFill>
+        <a:round/>
+      </a:ln>
+    </cs:spPr>
+  </cs:seriesLine>
+  <cs:title>
+    <cs:lnRef idx="0"/>
+    <cs:fillRef idx="0"/>
+    <cs:effectRef idx="0"/>
+    <cs:fontRef idx="minor">
+      <a:schemeClr val="tx1">
+        <a:lumMod val="65000"/>
+        <a:lumOff val="35000"/>
+      </a:schemeClr>
+    </cs:fontRef>
+    <cs:defRPr sz="1400" b="0" kern="1200" spc="0" baseline="0"/>
+  </cs:title>
+  <cs:trendline>
+    <cs:lnRef idx="0">
+      <cs:styleClr val="auto"/>
+    </cs:lnRef>
+    <cs:fillRef idx="0"/>
+    <cs:effectRef idx="0"/>
+    <cs:fontRef idx="minor">
+      <a:schemeClr val="tx1"/>
+    </cs:fontRef>
+    <cs:spPr>
+      <a:ln w="19050" cap="rnd">
+        <a:solidFill>
+          <a:schemeClr val="phClr"/>
+        </a:solidFill>
+        <a:prstDash val="sysDot"/>
+      </a:ln>
+    </cs:spPr>
+  </cs:trendline>
+  <cs:trendlineLabel>
+    <cs:lnRef idx="0"/>
+    <cs:fillRef idx="0"/>
+    <cs:effectRef idx="0"/>
+    <cs:fontRef idx="minor">
+      <a:schemeClr val="tx1">
+        <a:lumMod val="65000"/>
+        <a:lumOff val="35000"/>
+      </a:schemeClr>
+    </cs:fontRef>
+    <cs:defRPr sz="900" kern="1200"/>
+  </cs:trendlineLabel>
+  <cs:upBar>
+    <cs:lnRef idx="0"/>
+    <cs:fillRef idx="0"/>
+    <cs:effectRef idx="0"/>
+    <cs:fontRef idx="minor">
+      <a:schemeClr val="dk1"/>
+    </cs:fontRef>
+    <cs:spPr>
+      <a:solidFill>
+        <a:schemeClr val="lt1"/>
+      </a:solidFill>
+      <a:ln w="9525">
+        <a:solidFill>
+          <a:schemeClr val="tx1">
+            <a:lumMod val="15000"/>
+            <a:lumOff val="85000"/>
+          </a:schemeClr>
+        </a:solidFill>
+      </a:ln>
+    </cs:spPr>
+  </cs:upBar>
+  <cs:valueAxis>
+    <cs:lnRef idx="0"/>
+    <cs:fillRef idx="0"/>
+    <cs:effectRef idx="0"/>
+    <cs:fontRef idx="minor">
+      <a:schemeClr val="tx1">
+        <a:lumMod val="65000"/>
+        <a:lumOff val="35000"/>
+      </a:schemeClr>
+    </cs:fontRef>
+    <cs:defRPr sz="900" kern="1200"/>
+  </cs:valueAxis>
+  <cs:wall>
+    <cs:lnRef idx="0"/>
+    <cs:fillRef idx="0"/>
+    <cs:effectRef idx="0"/>
+    <cs:fontRef idx="minor">
+      <a:schemeClr val="tx1"/>
+    </cs:fontRef>
+    <cs:spPr>
+      <a:noFill/>
+      <a:ln>
+        <a:noFill/>
+      </a:ln>
+    </cs:spPr>
   </cs:wall>
 </cs:chartStyle>
 </file>
@@ -22369,6 +23221,3701 @@
           <p:cNvPr id="2" name="Title 1">
             <a:extLst>
               <a:ext uri="{FF2B5EF4-FFF2-40B4-BE49-F238E27FC236}">
+                <a16:creationId xmlns:a16="http://schemas.microsoft.com/office/drawing/2014/main" id="{D7390A5D-F6E1-4664-8CF3-9E50885D9BDB}"/>
+              </a:ext>
+            </a:extLst>
+          </p:cNvPr>
+          <p:cNvSpPr>
+            <a:spLocks noGrp="1"/>
+          </p:cNvSpPr>
+          <p:nvPr>
+            <p:ph type="title"/>
+          </p:nvPr>
+        </p:nvSpPr>
+        <p:spPr>
+          <a:xfrm>
+            <a:off x="611717" y="252406"/>
+            <a:ext cx="10972800" cy="618862"/>
+          </a:xfrm>
+        </p:spPr>
+        <p:txBody>
+          <a:bodyPr/>
+          <a:lstStyle/>
+          <a:p>
+            <a:r>
+              <a:rPr lang="en-US" altLang="zh-CN" sz="4000" dirty="0"/>
+              <a:t>Performance Data: </a:t>
+            </a:r>
+            <a:r>
+              <a:rPr lang="en-US" altLang="zh-CN" dirty="0"/>
+              <a:t>Analysis 2</a:t>
+            </a:r>
+            <a:endParaRPr lang="en-US" dirty="0"/>
+          </a:p>
+        </p:txBody>
+      </p:sp>
+      <p:sp>
+        <p:nvSpPr>
+          <p:cNvPr id="4" name="Slide Number Placeholder 4">
+            <a:extLst>
+              <a:ext uri="{FF2B5EF4-FFF2-40B4-BE49-F238E27FC236}">
+                <a16:creationId xmlns:a16="http://schemas.microsoft.com/office/drawing/2014/main" id="{4F4EE8EB-261B-4564-8313-A5A6CAFCA12A}"/>
+              </a:ext>
+            </a:extLst>
+          </p:cNvPr>
+          <p:cNvSpPr txBox="1">
+            <a:spLocks/>
+          </p:cNvSpPr>
+          <p:nvPr/>
+        </p:nvSpPr>
+        <p:spPr>
+          <a:xfrm>
+            <a:off x="11717893" y="6441840"/>
+            <a:ext cx="536700" cy="416160"/>
+          </a:xfrm>
+          <a:prstGeom prst="rect">
+            <a:avLst/>
+          </a:prstGeom>
+        </p:spPr>
+        <p:txBody>
+          <a:bodyPr lIns="91440" tIns="45720" rIns="91440" bIns="45720" anchor="t"/>
+          <a:lstStyle>
+            <a:defPPr marL="0" marR="0" indent="0" algn="l" defTabSz="457200" rtl="0" fontAlgn="auto" latinLnBrk="1" hangingPunct="0">
+              <a:lnSpc>
+                <a:spcPct val="100000"/>
+              </a:lnSpc>
+              <a:spcBef>
+                <a:spcPts val="0"/>
+              </a:spcBef>
+              <a:spcAft>
+                <a:spcPts val="0"/>
+              </a:spcAft>
+              <a:buClrTx/>
+              <a:buSzTx/>
+              <a:buFontTx/>
+              <a:buNone/>
+              <a:tabLst/>
+              <a:defRPr kumimoji="0" sz="900" b="0" i="0" u="none" strike="noStrike" cap="none" spc="0" normalizeH="0" baseline="0">
+                <a:ln>
+                  <a:noFill/>
+                </a:ln>
+                <a:solidFill>
+                  <a:srgbClr val="000000"/>
+                </a:solidFill>
+                <a:effectLst/>
+                <a:uFillTx/>
+              </a:defRPr>
+            </a:defPPr>
+            <a:lvl1pPr marL="0" marR="0" indent="0" algn="l" defTabSz="1219169" rtl="0" fontAlgn="auto" latinLnBrk="0" hangingPunct="0">
+              <a:lnSpc>
+                <a:spcPct val="90000"/>
+              </a:lnSpc>
+              <a:spcBef>
+                <a:spcPts val="2250"/>
+              </a:spcBef>
+              <a:spcAft>
+                <a:spcPts val="0"/>
+              </a:spcAft>
+              <a:buClrTx/>
+              <a:buSzTx/>
+              <a:buFontTx/>
+              <a:buNone/>
+              <a:tabLst/>
+              <a:defRPr kumimoji="0" sz="2400" b="0" i="0" u="none" strike="noStrike" cap="none" spc="0" normalizeH="0" baseline="0">
+                <a:ln>
+                  <a:noFill/>
+                </a:ln>
+                <a:solidFill>
+                  <a:srgbClr val="000000"/>
+                </a:solidFill>
+                <a:effectLst/>
+                <a:uFillTx/>
+                <a:latin typeface="+mn-lt"/>
+                <a:ea typeface="+mn-ea"/>
+                <a:cs typeface="+mn-cs"/>
+                <a:sym typeface="Helvetica Neue"/>
+              </a:defRPr>
+            </a:lvl1pPr>
+            <a:lvl2pPr marL="0" marR="0" indent="0" algn="l" defTabSz="1219169" rtl="0" fontAlgn="auto" latinLnBrk="0" hangingPunct="0">
+              <a:lnSpc>
+                <a:spcPct val="90000"/>
+              </a:lnSpc>
+              <a:spcBef>
+                <a:spcPts val="2250"/>
+              </a:spcBef>
+              <a:spcAft>
+                <a:spcPts val="0"/>
+              </a:spcAft>
+              <a:buClrTx/>
+              <a:buSzTx/>
+              <a:buFontTx/>
+              <a:buNone/>
+              <a:tabLst/>
+              <a:defRPr kumimoji="0" sz="2400" b="0" i="0" u="none" strike="noStrike" cap="none" spc="0" normalizeH="0" baseline="0">
+                <a:ln>
+                  <a:noFill/>
+                </a:ln>
+                <a:solidFill>
+                  <a:srgbClr val="000000"/>
+                </a:solidFill>
+                <a:effectLst/>
+                <a:uFillTx/>
+                <a:latin typeface="+mn-lt"/>
+                <a:ea typeface="+mn-ea"/>
+                <a:cs typeface="+mn-cs"/>
+                <a:sym typeface="Helvetica Neue"/>
+              </a:defRPr>
+            </a:lvl2pPr>
+            <a:lvl3pPr marL="0" marR="0" indent="0" algn="l" defTabSz="1219169" rtl="0" fontAlgn="auto" latinLnBrk="0" hangingPunct="0">
+              <a:lnSpc>
+                <a:spcPct val="90000"/>
+              </a:lnSpc>
+              <a:spcBef>
+                <a:spcPts val="2250"/>
+              </a:spcBef>
+              <a:spcAft>
+                <a:spcPts val="0"/>
+              </a:spcAft>
+              <a:buClrTx/>
+              <a:buSzTx/>
+              <a:buFontTx/>
+              <a:buNone/>
+              <a:tabLst/>
+              <a:defRPr kumimoji="0" sz="2400" b="0" i="0" u="none" strike="noStrike" cap="none" spc="0" normalizeH="0" baseline="0">
+                <a:ln>
+                  <a:noFill/>
+                </a:ln>
+                <a:solidFill>
+                  <a:srgbClr val="000000"/>
+                </a:solidFill>
+                <a:effectLst/>
+                <a:uFillTx/>
+                <a:latin typeface="+mn-lt"/>
+                <a:ea typeface="+mn-ea"/>
+                <a:cs typeface="+mn-cs"/>
+                <a:sym typeface="Helvetica Neue"/>
+              </a:defRPr>
+            </a:lvl3pPr>
+            <a:lvl4pPr marL="0" marR="0" indent="0" algn="l" defTabSz="1219169" rtl="0" fontAlgn="auto" latinLnBrk="0" hangingPunct="0">
+              <a:lnSpc>
+                <a:spcPct val="90000"/>
+              </a:lnSpc>
+              <a:spcBef>
+                <a:spcPts val="2250"/>
+              </a:spcBef>
+              <a:spcAft>
+                <a:spcPts val="0"/>
+              </a:spcAft>
+              <a:buClrTx/>
+              <a:buSzTx/>
+              <a:buFontTx/>
+              <a:buNone/>
+              <a:tabLst/>
+              <a:defRPr kumimoji="0" sz="2400" b="0" i="0" u="none" strike="noStrike" cap="none" spc="0" normalizeH="0" baseline="0">
+                <a:ln>
+                  <a:noFill/>
+                </a:ln>
+                <a:solidFill>
+                  <a:srgbClr val="000000"/>
+                </a:solidFill>
+                <a:effectLst/>
+                <a:uFillTx/>
+                <a:latin typeface="+mn-lt"/>
+                <a:ea typeface="+mn-ea"/>
+                <a:cs typeface="+mn-cs"/>
+                <a:sym typeface="Helvetica Neue"/>
+              </a:defRPr>
+            </a:lvl4pPr>
+            <a:lvl5pPr marL="0" marR="0" indent="0" algn="l" defTabSz="1219169" rtl="0" fontAlgn="auto" latinLnBrk="0" hangingPunct="0">
+              <a:lnSpc>
+                <a:spcPct val="90000"/>
+              </a:lnSpc>
+              <a:spcBef>
+                <a:spcPts val="2250"/>
+              </a:spcBef>
+              <a:spcAft>
+                <a:spcPts val="0"/>
+              </a:spcAft>
+              <a:buClrTx/>
+              <a:buSzTx/>
+              <a:buFontTx/>
+              <a:buNone/>
+              <a:tabLst/>
+              <a:defRPr kumimoji="0" sz="2400" b="0" i="0" u="none" strike="noStrike" cap="none" spc="0" normalizeH="0" baseline="0">
+                <a:ln>
+                  <a:noFill/>
+                </a:ln>
+                <a:solidFill>
+                  <a:srgbClr val="000000"/>
+                </a:solidFill>
+                <a:effectLst/>
+                <a:uFillTx/>
+                <a:latin typeface="+mn-lt"/>
+                <a:ea typeface="+mn-ea"/>
+                <a:cs typeface="+mn-cs"/>
+                <a:sym typeface="Helvetica Neue"/>
+              </a:defRPr>
+            </a:lvl5pPr>
+            <a:lvl6pPr marL="0" marR="0" indent="0" algn="l" defTabSz="1219169" rtl="0" fontAlgn="auto" latinLnBrk="0" hangingPunct="0">
+              <a:lnSpc>
+                <a:spcPct val="90000"/>
+              </a:lnSpc>
+              <a:spcBef>
+                <a:spcPts val="2250"/>
+              </a:spcBef>
+              <a:spcAft>
+                <a:spcPts val="0"/>
+              </a:spcAft>
+              <a:buClrTx/>
+              <a:buSzTx/>
+              <a:buFontTx/>
+              <a:buNone/>
+              <a:tabLst/>
+              <a:defRPr kumimoji="0" sz="2400" b="0" i="0" u="none" strike="noStrike" cap="none" spc="0" normalizeH="0" baseline="0">
+                <a:ln>
+                  <a:noFill/>
+                </a:ln>
+                <a:solidFill>
+                  <a:srgbClr val="000000"/>
+                </a:solidFill>
+                <a:effectLst/>
+                <a:uFillTx/>
+                <a:latin typeface="+mn-lt"/>
+                <a:ea typeface="+mn-ea"/>
+                <a:cs typeface="+mn-cs"/>
+                <a:sym typeface="Helvetica Neue"/>
+              </a:defRPr>
+            </a:lvl6pPr>
+            <a:lvl7pPr marL="0" marR="0" indent="0" algn="l" defTabSz="1219169" rtl="0" fontAlgn="auto" latinLnBrk="0" hangingPunct="0">
+              <a:lnSpc>
+                <a:spcPct val="90000"/>
+              </a:lnSpc>
+              <a:spcBef>
+                <a:spcPts val="2250"/>
+              </a:spcBef>
+              <a:spcAft>
+                <a:spcPts val="0"/>
+              </a:spcAft>
+              <a:buClrTx/>
+              <a:buSzTx/>
+              <a:buFontTx/>
+              <a:buNone/>
+              <a:tabLst/>
+              <a:defRPr kumimoji="0" sz="2400" b="0" i="0" u="none" strike="noStrike" cap="none" spc="0" normalizeH="0" baseline="0">
+                <a:ln>
+                  <a:noFill/>
+                </a:ln>
+                <a:solidFill>
+                  <a:srgbClr val="000000"/>
+                </a:solidFill>
+                <a:effectLst/>
+                <a:uFillTx/>
+                <a:latin typeface="+mn-lt"/>
+                <a:ea typeface="+mn-ea"/>
+                <a:cs typeface="+mn-cs"/>
+                <a:sym typeface="Helvetica Neue"/>
+              </a:defRPr>
+            </a:lvl7pPr>
+            <a:lvl8pPr marL="0" marR="0" indent="0" algn="l" defTabSz="1219169" rtl="0" fontAlgn="auto" latinLnBrk="0" hangingPunct="0">
+              <a:lnSpc>
+                <a:spcPct val="90000"/>
+              </a:lnSpc>
+              <a:spcBef>
+                <a:spcPts val="2250"/>
+              </a:spcBef>
+              <a:spcAft>
+                <a:spcPts val="0"/>
+              </a:spcAft>
+              <a:buClrTx/>
+              <a:buSzTx/>
+              <a:buFontTx/>
+              <a:buNone/>
+              <a:tabLst/>
+              <a:defRPr kumimoji="0" sz="2400" b="0" i="0" u="none" strike="noStrike" cap="none" spc="0" normalizeH="0" baseline="0">
+                <a:ln>
+                  <a:noFill/>
+                </a:ln>
+                <a:solidFill>
+                  <a:srgbClr val="000000"/>
+                </a:solidFill>
+                <a:effectLst/>
+                <a:uFillTx/>
+                <a:latin typeface="+mn-lt"/>
+                <a:ea typeface="+mn-ea"/>
+                <a:cs typeface="+mn-cs"/>
+                <a:sym typeface="Helvetica Neue"/>
+              </a:defRPr>
+            </a:lvl8pPr>
+            <a:lvl9pPr marL="0" marR="0" indent="0" algn="l" defTabSz="1219169" rtl="0" fontAlgn="auto" latinLnBrk="0" hangingPunct="0">
+              <a:lnSpc>
+                <a:spcPct val="90000"/>
+              </a:lnSpc>
+              <a:spcBef>
+                <a:spcPts val="2250"/>
+              </a:spcBef>
+              <a:spcAft>
+                <a:spcPts val="0"/>
+              </a:spcAft>
+              <a:buClrTx/>
+              <a:buSzTx/>
+              <a:buFontTx/>
+              <a:buNone/>
+              <a:tabLst/>
+              <a:defRPr kumimoji="0" sz="2400" b="0" i="0" u="none" strike="noStrike" cap="none" spc="0" normalizeH="0" baseline="0">
+                <a:ln>
+                  <a:noFill/>
+                </a:ln>
+                <a:solidFill>
+                  <a:srgbClr val="000000"/>
+                </a:solidFill>
+                <a:effectLst/>
+                <a:uFillTx/>
+                <a:latin typeface="+mn-lt"/>
+                <a:ea typeface="+mn-ea"/>
+                <a:cs typeface="+mn-cs"/>
+                <a:sym typeface="Helvetica Neue"/>
+              </a:defRPr>
+            </a:lvl9pPr>
+          </a:lstStyle>
+          <a:p>
+            <a:fld id="{EE2556C5-CE8C-6547-B838-EA80C61A4AF7}" type="slidenum">
+              <a:rPr lang="en-US" sz="2000" dirty="0" smtClean="0">
+                <a:solidFill>
+                  <a:schemeClr val="bg1"/>
+                </a:solidFill>
+                <a:latin typeface="Intel Clear"/>
+                <a:cs typeface="Intel Clear"/>
+              </a:rPr>
+              <a:pPr/>
+              <a:t>10</a:t>
+            </a:fld>
+            <a:endParaRPr lang="en-US" sz="2000" dirty="0">
+              <a:solidFill>
+                <a:schemeClr val="bg1"/>
+              </a:solidFill>
+              <a:latin typeface="Intel Clear"/>
+              <a:cs typeface="Intel Clear"/>
+            </a:endParaRPr>
+          </a:p>
+        </p:txBody>
+      </p:sp>
+      <p:pic>
+        <p:nvPicPr>
+          <p:cNvPr id="5" name="Picture 4">
+            <a:extLst>
+              <a:ext uri="{FF2B5EF4-FFF2-40B4-BE49-F238E27FC236}">
+                <a16:creationId xmlns:a16="http://schemas.microsoft.com/office/drawing/2014/main" id="{8610B524-124F-4C2E-BC5D-BCF4057C1E8A}"/>
+              </a:ext>
+            </a:extLst>
+          </p:cNvPr>
+          <p:cNvPicPr>
+            <a:picLocks noChangeAspect="1"/>
+          </p:cNvPicPr>
+          <p:nvPr/>
+        </p:nvPicPr>
+        <p:blipFill>
+          <a:blip r:embed="rId2"/>
+          <a:stretch>
+            <a:fillRect/>
+          </a:stretch>
+        </p:blipFill>
+        <p:spPr>
+          <a:xfrm>
+            <a:off x="6937696" y="1113185"/>
+            <a:ext cx="4078226" cy="3843608"/>
+          </a:xfrm>
+          <a:prstGeom prst="rect">
+            <a:avLst/>
+          </a:prstGeom>
+        </p:spPr>
+      </p:pic>
+      <p:graphicFrame>
+        <p:nvGraphicFramePr>
+          <p:cNvPr id="6" name="Chart 5">
+            <a:extLst>
+              <a:ext uri="{FF2B5EF4-FFF2-40B4-BE49-F238E27FC236}">
+                <a16:creationId xmlns:a16="http://schemas.microsoft.com/office/drawing/2014/main" id="{16EAB455-A0DC-4103-AB9F-2738BE1F5734}"/>
+              </a:ext>
+            </a:extLst>
+          </p:cNvPr>
+          <p:cNvGraphicFramePr>
+            <a:graphicFrameLocks/>
+          </p:cNvGraphicFramePr>
+          <p:nvPr>
+            <p:extLst>
+              <p:ext uri="{D42A27DB-BD31-4B8C-83A1-F6EECF244321}">
+                <p14:modId xmlns:p14="http://schemas.microsoft.com/office/powerpoint/2010/main" val="679014315"/>
+              </p:ext>
+            </p:extLst>
+          </p:nvPr>
+        </p:nvGraphicFramePr>
+        <p:xfrm>
+          <a:off x="1018017" y="1307282"/>
+          <a:ext cx="3251980" cy="3455413"/>
+        </p:xfrm>
+        <a:graphic>
+          <a:graphicData uri="http://schemas.openxmlformats.org/drawingml/2006/chart">
+            <c:chart xmlns:c="http://schemas.openxmlformats.org/drawingml/2006/chart" xmlns:r="http://schemas.openxmlformats.org/officeDocument/2006/relationships" r:id="rId3"/>
+          </a:graphicData>
+        </a:graphic>
+      </p:graphicFrame>
+    </p:spTree>
+    <p:extLst>
+      <p:ext uri="{BB962C8B-B14F-4D97-AF65-F5344CB8AC3E}">
+        <p14:creationId xmlns:p14="http://schemas.microsoft.com/office/powerpoint/2010/main" val="2493404828"/>
+      </p:ext>
+    </p:extLst>
+  </p:cSld>
+  <p:clrMapOvr>
+    <a:masterClrMapping/>
+  </p:clrMapOvr>
+</p:sld>
+</file>
+
+<file path=ppt/slides/slide11.xml><?xml version="1.0" encoding="utf-8"?>
+<p:sld xmlns:a="http://schemas.openxmlformats.org/drawingml/2006/main" xmlns:r="http://schemas.openxmlformats.org/officeDocument/2006/relationships" xmlns:p="http://schemas.openxmlformats.org/presentationml/2006/main">
+  <p:cSld>
+    <p:spTree>
+      <p:nvGrpSpPr>
+        <p:cNvPr id="1" name=""/>
+        <p:cNvGrpSpPr/>
+        <p:nvPr/>
+      </p:nvGrpSpPr>
+      <p:grpSpPr>
+        <a:xfrm>
+          <a:off x="0" y="0"/>
+          <a:ext cx="0" cy="0"/>
+          <a:chOff x="0" y="0"/>
+          <a:chExt cx="0" cy="0"/>
+        </a:xfrm>
+      </p:grpSpPr>
+      <p:sp>
+        <p:nvSpPr>
+          <p:cNvPr id="2" name="Title 1">
+            <a:extLst>
+              <a:ext uri="{FF2B5EF4-FFF2-40B4-BE49-F238E27FC236}">
+                <a16:creationId xmlns:a16="http://schemas.microsoft.com/office/drawing/2014/main" id="{D7390A5D-F6E1-4664-8CF3-9E50885D9BDB}"/>
+              </a:ext>
+            </a:extLst>
+          </p:cNvPr>
+          <p:cNvSpPr>
+            <a:spLocks noGrp="1"/>
+          </p:cNvSpPr>
+          <p:nvPr>
+            <p:ph type="title"/>
+          </p:nvPr>
+        </p:nvSpPr>
+        <p:spPr>
+          <a:xfrm>
+            <a:off x="611717" y="252406"/>
+            <a:ext cx="10972800" cy="618862"/>
+          </a:xfrm>
+        </p:spPr>
+        <p:txBody>
+          <a:bodyPr/>
+          <a:lstStyle/>
+          <a:p>
+            <a:r>
+              <a:rPr lang="en-US" altLang="zh-CN" sz="4000" dirty="0"/>
+              <a:t>Performance Data: </a:t>
+            </a:r>
+            <a:r>
+              <a:rPr lang="en-US" altLang="zh-CN" dirty="0"/>
+              <a:t>Analysis 3</a:t>
+            </a:r>
+            <a:endParaRPr lang="en-US" dirty="0"/>
+          </a:p>
+        </p:txBody>
+      </p:sp>
+      <p:sp>
+        <p:nvSpPr>
+          <p:cNvPr id="4" name="Slide Number Placeholder 4">
+            <a:extLst>
+              <a:ext uri="{FF2B5EF4-FFF2-40B4-BE49-F238E27FC236}">
+                <a16:creationId xmlns:a16="http://schemas.microsoft.com/office/drawing/2014/main" id="{4F4EE8EB-261B-4564-8313-A5A6CAFCA12A}"/>
+              </a:ext>
+            </a:extLst>
+          </p:cNvPr>
+          <p:cNvSpPr txBox="1">
+            <a:spLocks/>
+          </p:cNvSpPr>
+          <p:nvPr/>
+        </p:nvSpPr>
+        <p:spPr>
+          <a:xfrm>
+            <a:off x="11717893" y="6441840"/>
+            <a:ext cx="536700" cy="416160"/>
+          </a:xfrm>
+          <a:prstGeom prst="rect">
+            <a:avLst/>
+          </a:prstGeom>
+        </p:spPr>
+        <p:txBody>
+          <a:bodyPr lIns="91440" tIns="45720" rIns="91440" bIns="45720" anchor="t"/>
+          <a:lstStyle>
+            <a:defPPr marL="0" marR="0" indent="0" algn="l" defTabSz="457200" rtl="0" fontAlgn="auto" latinLnBrk="1" hangingPunct="0">
+              <a:lnSpc>
+                <a:spcPct val="100000"/>
+              </a:lnSpc>
+              <a:spcBef>
+                <a:spcPts val="0"/>
+              </a:spcBef>
+              <a:spcAft>
+                <a:spcPts val="0"/>
+              </a:spcAft>
+              <a:buClrTx/>
+              <a:buSzTx/>
+              <a:buFontTx/>
+              <a:buNone/>
+              <a:tabLst/>
+              <a:defRPr kumimoji="0" sz="900" b="0" i="0" u="none" strike="noStrike" cap="none" spc="0" normalizeH="0" baseline="0">
+                <a:ln>
+                  <a:noFill/>
+                </a:ln>
+                <a:solidFill>
+                  <a:srgbClr val="000000"/>
+                </a:solidFill>
+                <a:effectLst/>
+                <a:uFillTx/>
+              </a:defRPr>
+            </a:defPPr>
+            <a:lvl1pPr marL="0" marR="0" indent="0" algn="l" defTabSz="1219169" rtl="0" fontAlgn="auto" latinLnBrk="0" hangingPunct="0">
+              <a:lnSpc>
+                <a:spcPct val="90000"/>
+              </a:lnSpc>
+              <a:spcBef>
+                <a:spcPts val="2250"/>
+              </a:spcBef>
+              <a:spcAft>
+                <a:spcPts val="0"/>
+              </a:spcAft>
+              <a:buClrTx/>
+              <a:buSzTx/>
+              <a:buFontTx/>
+              <a:buNone/>
+              <a:tabLst/>
+              <a:defRPr kumimoji="0" sz="2400" b="0" i="0" u="none" strike="noStrike" cap="none" spc="0" normalizeH="0" baseline="0">
+                <a:ln>
+                  <a:noFill/>
+                </a:ln>
+                <a:solidFill>
+                  <a:srgbClr val="000000"/>
+                </a:solidFill>
+                <a:effectLst/>
+                <a:uFillTx/>
+                <a:latin typeface="+mn-lt"/>
+                <a:ea typeface="+mn-ea"/>
+                <a:cs typeface="+mn-cs"/>
+                <a:sym typeface="Helvetica Neue"/>
+              </a:defRPr>
+            </a:lvl1pPr>
+            <a:lvl2pPr marL="0" marR="0" indent="0" algn="l" defTabSz="1219169" rtl="0" fontAlgn="auto" latinLnBrk="0" hangingPunct="0">
+              <a:lnSpc>
+                <a:spcPct val="90000"/>
+              </a:lnSpc>
+              <a:spcBef>
+                <a:spcPts val="2250"/>
+              </a:spcBef>
+              <a:spcAft>
+                <a:spcPts val="0"/>
+              </a:spcAft>
+              <a:buClrTx/>
+              <a:buSzTx/>
+              <a:buFontTx/>
+              <a:buNone/>
+              <a:tabLst/>
+              <a:defRPr kumimoji="0" sz="2400" b="0" i="0" u="none" strike="noStrike" cap="none" spc="0" normalizeH="0" baseline="0">
+                <a:ln>
+                  <a:noFill/>
+                </a:ln>
+                <a:solidFill>
+                  <a:srgbClr val="000000"/>
+                </a:solidFill>
+                <a:effectLst/>
+                <a:uFillTx/>
+                <a:latin typeface="+mn-lt"/>
+                <a:ea typeface="+mn-ea"/>
+                <a:cs typeface="+mn-cs"/>
+                <a:sym typeface="Helvetica Neue"/>
+              </a:defRPr>
+            </a:lvl2pPr>
+            <a:lvl3pPr marL="0" marR="0" indent="0" algn="l" defTabSz="1219169" rtl="0" fontAlgn="auto" latinLnBrk="0" hangingPunct="0">
+              <a:lnSpc>
+                <a:spcPct val="90000"/>
+              </a:lnSpc>
+              <a:spcBef>
+                <a:spcPts val="2250"/>
+              </a:spcBef>
+              <a:spcAft>
+                <a:spcPts val="0"/>
+              </a:spcAft>
+              <a:buClrTx/>
+              <a:buSzTx/>
+              <a:buFontTx/>
+              <a:buNone/>
+              <a:tabLst/>
+              <a:defRPr kumimoji="0" sz="2400" b="0" i="0" u="none" strike="noStrike" cap="none" spc="0" normalizeH="0" baseline="0">
+                <a:ln>
+                  <a:noFill/>
+                </a:ln>
+                <a:solidFill>
+                  <a:srgbClr val="000000"/>
+                </a:solidFill>
+                <a:effectLst/>
+                <a:uFillTx/>
+                <a:latin typeface="+mn-lt"/>
+                <a:ea typeface="+mn-ea"/>
+                <a:cs typeface="+mn-cs"/>
+                <a:sym typeface="Helvetica Neue"/>
+              </a:defRPr>
+            </a:lvl3pPr>
+            <a:lvl4pPr marL="0" marR="0" indent="0" algn="l" defTabSz="1219169" rtl="0" fontAlgn="auto" latinLnBrk="0" hangingPunct="0">
+              <a:lnSpc>
+                <a:spcPct val="90000"/>
+              </a:lnSpc>
+              <a:spcBef>
+                <a:spcPts val="2250"/>
+              </a:spcBef>
+              <a:spcAft>
+                <a:spcPts val="0"/>
+              </a:spcAft>
+              <a:buClrTx/>
+              <a:buSzTx/>
+              <a:buFontTx/>
+              <a:buNone/>
+              <a:tabLst/>
+              <a:defRPr kumimoji="0" sz="2400" b="0" i="0" u="none" strike="noStrike" cap="none" spc="0" normalizeH="0" baseline="0">
+                <a:ln>
+                  <a:noFill/>
+                </a:ln>
+                <a:solidFill>
+                  <a:srgbClr val="000000"/>
+                </a:solidFill>
+                <a:effectLst/>
+                <a:uFillTx/>
+                <a:latin typeface="+mn-lt"/>
+                <a:ea typeface="+mn-ea"/>
+                <a:cs typeface="+mn-cs"/>
+                <a:sym typeface="Helvetica Neue"/>
+              </a:defRPr>
+            </a:lvl4pPr>
+            <a:lvl5pPr marL="0" marR="0" indent="0" algn="l" defTabSz="1219169" rtl="0" fontAlgn="auto" latinLnBrk="0" hangingPunct="0">
+              <a:lnSpc>
+                <a:spcPct val="90000"/>
+              </a:lnSpc>
+              <a:spcBef>
+                <a:spcPts val="2250"/>
+              </a:spcBef>
+              <a:spcAft>
+                <a:spcPts val="0"/>
+              </a:spcAft>
+              <a:buClrTx/>
+              <a:buSzTx/>
+              <a:buFontTx/>
+              <a:buNone/>
+              <a:tabLst/>
+              <a:defRPr kumimoji="0" sz="2400" b="0" i="0" u="none" strike="noStrike" cap="none" spc="0" normalizeH="0" baseline="0">
+                <a:ln>
+                  <a:noFill/>
+                </a:ln>
+                <a:solidFill>
+                  <a:srgbClr val="000000"/>
+                </a:solidFill>
+                <a:effectLst/>
+                <a:uFillTx/>
+                <a:latin typeface="+mn-lt"/>
+                <a:ea typeface="+mn-ea"/>
+                <a:cs typeface="+mn-cs"/>
+                <a:sym typeface="Helvetica Neue"/>
+              </a:defRPr>
+            </a:lvl5pPr>
+            <a:lvl6pPr marL="0" marR="0" indent="0" algn="l" defTabSz="1219169" rtl="0" fontAlgn="auto" latinLnBrk="0" hangingPunct="0">
+              <a:lnSpc>
+                <a:spcPct val="90000"/>
+              </a:lnSpc>
+              <a:spcBef>
+                <a:spcPts val="2250"/>
+              </a:spcBef>
+              <a:spcAft>
+                <a:spcPts val="0"/>
+              </a:spcAft>
+              <a:buClrTx/>
+              <a:buSzTx/>
+              <a:buFontTx/>
+              <a:buNone/>
+              <a:tabLst/>
+              <a:defRPr kumimoji="0" sz="2400" b="0" i="0" u="none" strike="noStrike" cap="none" spc="0" normalizeH="0" baseline="0">
+                <a:ln>
+                  <a:noFill/>
+                </a:ln>
+                <a:solidFill>
+                  <a:srgbClr val="000000"/>
+                </a:solidFill>
+                <a:effectLst/>
+                <a:uFillTx/>
+                <a:latin typeface="+mn-lt"/>
+                <a:ea typeface="+mn-ea"/>
+                <a:cs typeface="+mn-cs"/>
+                <a:sym typeface="Helvetica Neue"/>
+              </a:defRPr>
+            </a:lvl6pPr>
+            <a:lvl7pPr marL="0" marR="0" indent="0" algn="l" defTabSz="1219169" rtl="0" fontAlgn="auto" latinLnBrk="0" hangingPunct="0">
+              <a:lnSpc>
+                <a:spcPct val="90000"/>
+              </a:lnSpc>
+              <a:spcBef>
+                <a:spcPts val="2250"/>
+              </a:spcBef>
+              <a:spcAft>
+                <a:spcPts val="0"/>
+              </a:spcAft>
+              <a:buClrTx/>
+              <a:buSzTx/>
+              <a:buFontTx/>
+              <a:buNone/>
+              <a:tabLst/>
+              <a:defRPr kumimoji="0" sz="2400" b="0" i="0" u="none" strike="noStrike" cap="none" spc="0" normalizeH="0" baseline="0">
+                <a:ln>
+                  <a:noFill/>
+                </a:ln>
+                <a:solidFill>
+                  <a:srgbClr val="000000"/>
+                </a:solidFill>
+                <a:effectLst/>
+                <a:uFillTx/>
+                <a:latin typeface="+mn-lt"/>
+                <a:ea typeface="+mn-ea"/>
+                <a:cs typeface="+mn-cs"/>
+                <a:sym typeface="Helvetica Neue"/>
+              </a:defRPr>
+            </a:lvl7pPr>
+            <a:lvl8pPr marL="0" marR="0" indent="0" algn="l" defTabSz="1219169" rtl="0" fontAlgn="auto" latinLnBrk="0" hangingPunct="0">
+              <a:lnSpc>
+                <a:spcPct val="90000"/>
+              </a:lnSpc>
+              <a:spcBef>
+                <a:spcPts val="2250"/>
+              </a:spcBef>
+              <a:spcAft>
+                <a:spcPts val="0"/>
+              </a:spcAft>
+              <a:buClrTx/>
+              <a:buSzTx/>
+              <a:buFontTx/>
+              <a:buNone/>
+              <a:tabLst/>
+              <a:defRPr kumimoji="0" sz="2400" b="0" i="0" u="none" strike="noStrike" cap="none" spc="0" normalizeH="0" baseline="0">
+                <a:ln>
+                  <a:noFill/>
+                </a:ln>
+                <a:solidFill>
+                  <a:srgbClr val="000000"/>
+                </a:solidFill>
+                <a:effectLst/>
+                <a:uFillTx/>
+                <a:latin typeface="+mn-lt"/>
+                <a:ea typeface="+mn-ea"/>
+                <a:cs typeface="+mn-cs"/>
+                <a:sym typeface="Helvetica Neue"/>
+              </a:defRPr>
+            </a:lvl8pPr>
+            <a:lvl9pPr marL="0" marR="0" indent="0" algn="l" defTabSz="1219169" rtl="0" fontAlgn="auto" latinLnBrk="0" hangingPunct="0">
+              <a:lnSpc>
+                <a:spcPct val="90000"/>
+              </a:lnSpc>
+              <a:spcBef>
+                <a:spcPts val="2250"/>
+              </a:spcBef>
+              <a:spcAft>
+                <a:spcPts val="0"/>
+              </a:spcAft>
+              <a:buClrTx/>
+              <a:buSzTx/>
+              <a:buFontTx/>
+              <a:buNone/>
+              <a:tabLst/>
+              <a:defRPr kumimoji="0" sz="2400" b="0" i="0" u="none" strike="noStrike" cap="none" spc="0" normalizeH="0" baseline="0">
+                <a:ln>
+                  <a:noFill/>
+                </a:ln>
+                <a:solidFill>
+                  <a:srgbClr val="000000"/>
+                </a:solidFill>
+                <a:effectLst/>
+                <a:uFillTx/>
+                <a:latin typeface="+mn-lt"/>
+                <a:ea typeface="+mn-ea"/>
+                <a:cs typeface="+mn-cs"/>
+                <a:sym typeface="Helvetica Neue"/>
+              </a:defRPr>
+            </a:lvl9pPr>
+          </a:lstStyle>
+          <a:p>
+            <a:fld id="{EE2556C5-CE8C-6547-B838-EA80C61A4AF7}" type="slidenum">
+              <a:rPr lang="en-US" sz="2000" dirty="0" smtClean="0">
+                <a:solidFill>
+                  <a:schemeClr val="bg1"/>
+                </a:solidFill>
+                <a:latin typeface="Intel Clear"/>
+                <a:cs typeface="Intel Clear"/>
+              </a:rPr>
+              <a:pPr/>
+              <a:t>11</a:t>
+            </a:fld>
+            <a:endParaRPr lang="en-US" sz="2000" dirty="0">
+              <a:solidFill>
+                <a:schemeClr val="bg1"/>
+              </a:solidFill>
+              <a:latin typeface="Intel Clear"/>
+              <a:cs typeface="Intel Clear"/>
+            </a:endParaRPr>
+          </a:p>
+        </p:txBody>
+      </p:sp>
+      <p:graphicFrame>
+        <p:nvGraphicFramePr>
+          <p:cNvPr id="8" name="Table 7">
+            <a:extLst>
+              <a:ext uri="{FF2B5EF4-FFF2-40B4-BE49-F238E27FC236}">
+                <a16:creationId xmlns:a16="http://schemas.microsoft.com/office/drawing/2014/main" id="{9CB3283F-8804-4248-B467-7B716BE0F762}"/>
+              </a:ext>
+            </a:extLst>
+          </p:cNvPr>
+          <p:cNvGraphicFramePr>
+            <a:graphicFrameLocks noGrp="1"/>
+          </p:cNvGraphicFramePr>
+          <p:nvPr/>
+        </p:nvGraphicFramePr>
+        <p:xfrm>
+          <a:off x="172055" y="776189"/>
+          <a:ext cx="4495739" cy="2258800"/>
+        </p:xfrm>
+        <a:graphic>
+          <a:graphicData uri="http://schemas.openxmlformats.org/drawingml/2006/table">
+            <a:tbl>
+              <a:tblPr/>
+              <a:tblGrid>
+                <a:gridCol w="700340">
+                  <a:extLst>
+                    <a:ext uri="{9D8B030D-6E8A-4147-A177-3AD203B41FA5}">
+                      <a16:colId xmlns:a16="http://schemas.microsoft.com/office/drawing/2014/main" val="2004813658"/>
+                    </a:ext>
+                  </a:extLst>
+                </a:gridCol>
+                <a:gridCol w="881075">
+                  <a:extLst>
+                    <a:ext uri="{9D8B030D-6E8A-4147-A177-3AD203B41FA5}">
+                      <a16:colId xmlns:a16="http://schemas.microsoft.com/office/drawing/2014/main" val="1805104464"/>
+                    </a:ext>
+                  </a:extLst>
+                </a:gridCol>
+                <a:gridCol w="542200">
+                  <a:extLst>
+                    <a:ext uri="{9D8B030D-6E8A-4147-A177-3AD203B41FA5}">
+                      <a16:colId xmlns:a16="http://schemas.microsoft.com/office/drawing/2014/main" val="660432672"/>
+                    </a:ext>
+                  </a:extLst>
+                </a:gridCol>
+                <a:gridCol w="881075">
+                  <a:extLst>
+                    <a:ext uri="{9D8B030D-6E8A-4147-A177-3AD203B41FA5}">
+                      <a16:colId xmlns:a16="http://schemas.microsoft.com/office/drawing/2014/main" val="3585667297"/>
+                    </a:ext>
+                  </a:extLst>
+                </a:gridCol>
+                <a:gridCol w="542200">
+                  <a:extLst>
+                    <a:ext uri="{9D8B030D-6E8A-4147-A177-3AD203B41FA5}">
+                      <a16:colId xmlns:a16="http://schemas.microsoft.com/office/drawing/2014/main" val="1164886371"/>
+                    </a:ext>
+                  </a:extLst>
+                </a:gridCol>
+                <a:gridCol w="948849">
+                  <a:extLst>
+                    <a:ext uri="{9D8B030D-6E8A-4147-A177-3AD203B41FA5}">
+                      <a16:colId xmlns:a16="http://schemas.microsoft.com/office/drawing/2014/main" val="1021286991"/>
+                    </a:ext>
+                  </a:extLst>
+                </a:gridCol>
+              </a:tblGrid>
+              <a:tr h="277499">
+                <a:tc>
+                  <a:txBody>
+                    <a:bodyPr/>
+                    <a:lstStyle/>
+                    <a:p>
+                      <a:pPr algn="l" fontAlgn="b"/>
+                      <a:endParaRPr lang="en-US" sz="800" b="0" i="0" u="none" strike="noStrike" dirty="0">
+                        <a:solidFill>
+                          <a:srgbClr val="000000"/>
+                        </a:solidFill>
+                        <a:effectLst/>
+                        <a:latin typeface="Calibri" panose="020F0502020204030204" pitchFamily="34" charset="0"/>
+                      </a:endParaRPr>
+                    </a:p>
+                  </a:txBody>
+                  <a:tcPr marL="9525" marR="9525" marT="9525" marB="0" anchor="b">
+                    <a:lnL>
+                      <a:noFill/>
+                    </a:lnL>
+                    <a:lnR>
+                      <a:noFill/>
+                    </a:lnR>
+                    <a:lnT>
+                      <a:noFill/>
+                    </a:lnT>
+                    <a:lnB>
+                      <a:noFill/>
+                    </a:lnB>
+                  </a:tcPr>
+                </a:tc>
+                <a:tc>
+                  <a:txBody>
+                    <a:bodyPr/>
+                    <a:lstStyle/>
+                    <a:p>
+                      <a:pPr algn="l" fontAlgn="b"/>
+                      <a:r>
+                        <a:rPr lang="en-US" sz="800" b="0" i="0" u="none" strike="noStrike" dirty="0">
+                          <a:solidFill>
+                            <a:srgbClr val="000000"/>
+                          </a:solidFill>
+                          <a:effectLst/>
+                          <a:latin typeface="Calibri" panose="020F0502020204030204" pitchFamily="34" charset="0"/>
+                        </a:rPr>
+                        <a:t> </a:t>
+                      </a:r>
+                      <a:r>
+                        <a:rPr lang="en-US" sz="800" b="0" i="0" u="none" strike="noStrike" dirty="0" err="1">
+                          <a:solidFill>
+                            <a:srgbClr val="000000"/>
+                          </a:solidFill>
+                          <a:effectLst/>
+                          <a:latin typeface="Calibri" panose="020F0502020204030204" pitchFamily="34" charset="0"/>
+                        </a:rPr>
+                        <a:t>nof_bindcore</a:t>
+                      </a:r>
+                      <a:r>
+                        <a:rPr lang="en-US" sz="800" b="0" i="0" u="none" strike="noStrike" dirty="0">
+                          <a:solidFill>
+                            <a:srgbClr val="000000"/>
+                          </a:solidFill>
+                          <a:effectLst/>
+                          <a:latin typeface="Calibri" panose="020F0502020204030204" pitchFamily="34" charset="0"/>
+                        </a:rPr>
+                        <a:t>=1 </a:t>
+                      </a:r>
+                    </a:p>
+                  </a:txBody>
+                  <a:tcPr marL="9525" marR="9525" marT="9525" marB="0" anchor="b">
+                    <a:lnL>
+                      <a:noFill/>
+                    </a:lnL>
+                    <a:lnR>
+                      <a:noFill/>
+                    </a:lnR>
+                    <a:lnT>
+                      <a:noFill/>
+                    </a:lnT>
+                    <a:lnB>
+                      <a:noFill/>
+                    </a:lnB>
+                  </a:tcPr>
+                </a:tc>
+                <a:tc>
+                  <a:txBody>
+                    <a:bodyPr/>
+                    <a:lstStyle/>
+                    <a:p>
+                      <a:pPr algn="l" fontAlgn="b"/>
+                      <a:endParaRPr lang="en-US" sz="800" b="0" i="0" u="none" strike="noStrike">
+                        <a:solidFill>
+                          <a:srgbClr val="000000"/>
+                        </a:solidFill>
+                        <a:effectLst/>
+                        <a:latin typeface="Calibri" panose="020F0502020204030204" pitchFamily="34" charset="0"/>
+                      </a:endParaRPr>
+                    </a:p>
+                  </a:txBody>
+                  <a:tcPr marL="9525" marR="9525" marT="9525" marB="0" anchor="b">
+                    <a:lnL>
+                      <a:noFill/>
+                    </a:lnL>
+                    <a:lnR>
+                      <a:noFill/>
+                    </a:lnR>
+                    <a:lnT>
+                      <a:noFill/>
+                    </a:lnT>
+                    <a:lnB>
+                      <a:noFill/>
+                    </a:lnB>
+                  </a:tcPr>
+                </a:tc>
+                <a:tc>
+                  <a:txBody>
+                    <a:bodyPr/>
+                    <a:lstStyle/>
+                    <a:p>
+                      <a:pPr algn="l" fontAlgn="b"/>
+                      <a:r>
+                        <a:rPr lang="en-US" sz="800" b="0" i="0" u="none" strike="noStrike">
+                          <a:solidFill>
+                            <a:srgbClr val="000000"/>
+                          </a:solidFill>
+                          <a:effectLst/>
+                          <a:latin typeface="Calibri" panose="020F0502020204030204" pitchFamily="34" charset="0"/>
+                        </a:rPr>
+                        <a:t> nof_bindcore=4 </a:t>
+                      </a:r>
+                    </a:p>
+                  </a:txBody>
+                  <a:tcPr marL="9525" marR="9525" marT="9525" marB="0" anchor="b">
+                    <a:lnL>
+                      <a:noFill/>
+                    </a:lnL>
+                    <a:lnR>
+                      <a:noFill/>
+                    </a:lnR>
+                    <a:lnT>
+                      <a:noFill/>
+                    </a:lnT>
+                    <a:lnB>
+                      <a:noFill/>
+                    </a:lnB>
+                  </a:tcPr>
+                </a:tc>
+                <a:tc>
+                  <a:txBody>
+                    <a:bodyPr/>
+                    <a:lstStyle/>
+                    <a:p>
+                      <a:pPr algn="l" fontAlgn="b"/>
+                      <a:endParaRPr lang="en-US" sz="800" b="0" i="0" u="none" strike="noStrike">
+                        <a:solidFill>
+                          <a:srgbClr val="000000"/>
+                        </a:solidFill>
+                        <a:effectLst/>
+                        <a:latin typeface="Calibri" panose="020F0502020204030204" pitchFamily="34" charset="0"/>
+                      </a:endParaRPr>
+                    </a:p>
+                  </a:txBody>
+                  <a:tcPr marL="9525" marR="9525" marT="9525" marB="0" anchor="b">
+                    <a:lnL>
+                      <a:noFill/>
+                    </a:lnL>
+                    <a:lnR>
+                      <a:noFill/>
+                    </a:lnR>
+                    <a:lnT>
+                      <a:noFill/>
+                    </a:lnT>
+                    <a:lnB>
+                      <a:noFill/>
+                    </a:lnB>
+                  </a:tcPr>
+                </a:tc>
+                <a:tc>
+                  <a:txBody>
+                    <a:bodyPr/>
+                    <a:lstStyle/>
+                    <a:p>
+                      <a:pPr algn="l" fontAlgn="b"/>
+                      <a:r>
+                        <a:rPr lang="en-US" sz="800" b="0" i="0" u="none" strike="noStrike">
+                          <a:solidFill>
+                            <a:srgbClr val="000000"/>
+                          </a:solidFill>
+                          <a:effectLst/>
+                          <a:latin typeface="Calibri" panose="020F0502020204030204" pitchFamily="34" charset="0"/>
+                        </a:rPr>
+                        <a:t> nof_bindcore=8 </a:t>
+                      </a:r>
+                    </a:p>
+                  </a:txBody>
+                  <a:tcPr marL="9525" marR="9525" marT="9525" marB="0" anchor="b">
+                    <a:lnL>
+                      <a:noFill/>
+                    </a:lnL>
+                    <a:lnR>
+                      <a:noFill/>
+                    </a:lnR>
+                    <a:lnT>
+                      <a:noFill/>
+                    </a:lnT>
+                    <a:lnB>
+                      <a:noFill/>
+                    </a:lnB>
+                  </a:tcPr>
+                </a:tc>
+                <a:extLst>
+                  <a:ext uri="{0D108BD9-81ED-4DB2-BD59-A6C34878D82A}">
+                    <a16:rowId xmlns:a16="http://schemas.microsoft.com/office/drawing/2014/main" val="2617253875"/>
+                  </a:ext>
+                </a:extLst>
+              </a:tr>
+              <a:tr h="127039">
+                <a:tc>
+                  <a:txBody>
+                    <a:bodyPr/>
+                    <a:lstStyle/>
+                    <a:p>
+                      <a:pPr algn="l" fontAlgn="b"/>
+                      <a:r>
+                        <a:rPr lang="en-US" sz="800" b="0" i="0" u="none" strike="noStrike">
+                          <a:solidFill>
+                            <a:srgbClr val="000000"/>
+                          </a:solidFill>
+                          <a:effectLst/>
+                          <a:latin typeface="Calibri" panose="020F0502020204030204" pitchFamily="34" charset="0"/>
+                        </a:rPr>
+                        <a:t>nof_threads</a:t>
+                      </a:r>
+                    </a:p>
+                  </a:txBody>
+                  <a:tcPr marL="9525" marR="9525" marT="9525" marB="0" anchor="b">
+                    <a:lnL>
+                      <a:noFill/>
+                    </a:lnL>
+                    <a:lnR>
+                      <a:noFill/>
+                    </a:lnR>
+                    <a:lnT>
+                      <a:noFill/>
+                    </a:lnT>
+                    <a:lnB w="12700" cap="flat" cmpd="sng" algn="ctr">
+                      <a:solidFill>
+                        <a:srgbClr val="000000"/>
+                      </a:solidFill>
+                      <a:prstDash val="solid"/>
+                      <a:round/>
+                      <a:headEnd type="none" w="med" len="med"/>
+                      <a:tailEnd type="none" w="med" len="med"/>
+                    </a:lnB>
+                  </a:tcPr>
+                </a:tc>
+                <a:tc>
+                  <a:txBody>
+                    <a:bodyPr/>
+                    <a:lstStyle/>
+                    <a:p>
+                      <a:pPr algn="l" fontAlgn="b"/>
+                      <a:r>
+                        <a:rPr lang="en-US" sz="800" b="0" i="0" u="none" strike="noStrike" dirty="0">
+                          <a:solidFill>
+                            <a:srgbClr val="000000"/>
+                          </a:solidFill>
+                          <a:effectLst/>
+                          <a:latin typeface="Calibri" panose="020F0502020204030204" pitchFamily="34" charset="0"/>
+                        </a:rPr>
+                        <a:t> median </a:t>
+                      </a:r>
+                    </a:p>
+                  </a:txBody>
+                  <a:tcPr marL="9525" marR="9525" marT="9525" marB="0" anchor="b">
+                    <a:lnL>
+                      <a:noFill/>
+                    </a:lnL>
+                    <a:lnR>
+                      <a:noFill/>
+                    </a:lnR>
+                    <a:lnT>
+                      <a:noFill/>
+                    </a:lnT>
+                    <a:lnB w="12700" cap="flat" cmpd="sng" algn="ctr">
+                      <a:solidFill>
+                        <a:srgbClr val="000000"/>
+                      </a:solidFill>
+                      <a:prstDash val="solid"/>
+                      <a:round/>
+                      <a:headEnd type="none" w="med" len="med"/>
+                      <a:tailEnd type="none" w="med" len="med"/>
+                    </a:lnB>
+                  </a:tcPr>
+                </a:tc>
+                <a:tc>
+                  <a:txBody>
+                    <a:bodyPr/>
+                    <a:lstStyle/>
+                    <a:p>
+                      <a:pPr algn="l" fontAlgn="b"/>
+                      <a:endParaRPr lang="en-US" sz="800" b="0" i="0" u="none" strike="noStrike" dirty="0">
+                        <a:solidFill>
+                          <a:srgbClr val="000000"/>
+                        </a:solidFill>
+                        <a:effectLst/>
+                        <a:latin typeface="Calibri" panose="020F0502020204030204" pitchFamily="34" charset="0"/>
+                      </a:endParaRPr>
+                    </a:p>
+                  </a:txBody>
+                  <a:tcPr marL="9525" marR="9525" marT="9525" marB="0" anchor="b">
+                    <a:lnL>
+                      <a:noFill/>
+                    </a:lnL>
+                    <a:lnR>
+                      <a:noFill/>
+                    </a:lnR>
+                    <a:lnT>
+                      <a:noFill/>
+                    </a:lnT>
+                    <a:lnB w="12700" cap="flat" cmpd="sng" algn="ctr">
+                      <a:solidFill>
+                        <a:srgbClr val="000000"/>
+                      </a:solidFill>
+                      <a:prstDash val="solid"/>
+                      <a:round/>
+                      <a:headEnd type="none" w="med" len="med"/>
+                      <a:tailEnd type="none" w="med" len="med"/>
+                    </a:lnB>
+                  </a:tcPr>
+                </a:tc>
+                <a:tc>
+                  <a:txBody>
+                    <a:bodyPr/>
+                    <a:lstStyle/>
+                    <a:p>
+                      <a:pPr algn="l" fontAlgn="b"/>
+                      <a:r>
+                        <a:rPr lang="en-US" sz="800" b="0" i="0" u="none" strike="noStrike">
+                          <a:solidFill>
+                            <a:srgbClr val="000000"/>
+                          </a:solidFill>
+                          <a:effectLst/>
+                          <a:latin typeface="Calibri" panose="020F0502020204030204" pitchFamily="34" charset="0"/>
+                        </a:rPr>
+                        <a:t> median </a:t>
+                      </a:r>
+                    </a:p>
+                  </a:txBody>
+                  <a:tcPr marL="9525" marR="9525" marT="9525" marB="0" anchor="b">
+                    <a:lnL>
+                      <a:noFill/>
+                    </a:lnL>
+                    <a:lnR>
+                      <a:noFill/>
+                    </a:lnR>
+                    <a:lnT>
+                      <a:noFill/>
+                    </a:lnT>
+                    <a:lnB w="12700" cap="flat" cmpd="sng" algn="ctr">
+                      <a:solidFill>
+                        <a:srgbClr val="000000"/>
+                      </a:solidFill>
+                      <a:prstDash val="solid"/>
+                      <a:round/>
+                      <a:headEnd type="none" w="med" len="med"/>
+                      <a:tailEnd type="none" w="med" len="med"/>
+                    </a:lnB>
+                  </a:tcPr>
+                </a:tc>
+                <a:tc>
+                  <a:txBody>
+                    <a:bodyPr/>
+                    <a:lstStyle/>
+                    <a:p>
+                      <a:pPr algn="l" fontAlgn="b"/>
+                      <a:endParaRPr lang="en-US" sz="800" b="0" i="0" u="none" strike="noStrike">
+                        <a:solidFill>
+                          <a:srgbClr val="000000"/>
+                        </a:solidFill>
+                        <a:effectLst/>
+                        <a:latin typeface="Calibri" panose="020F0502020204030204" pitchFamily="34" charset="0"/>
+                      </a:endParaRPr>
+                    </a:p>
+                  </a:txBody>
+                  <a:tcPr marL="9525" marR="9525" marT="9525" marB="0" anchor="b">
+                    <a:lnL>
+                      <a:noFill/>
+                    </a:lnL>
+                    <a:lnR>
+                      <a:noFill/>
+                    </a:lnR>
+                    <a:lnT>
+                      <a:noFill/>
+                    </a:lnT>
+                    <a:lnB w="12700" cap="flat" cmpd="sng" algn="ctr">
+                      <a:solidFill>
+                        <a:srgbClr val="000000"/>
+                      </a:solidFill>
+                      <a:prstDash val="solid"/>
+                      <a:round/>
+                      <a:headEnd type="none" w="med" len="med"/>
+                      <a:tailEnd type="none" w="med" len="med"/>
+                    </a:lnB>
+                  </a:tcPr>
+                </a:tc>
+                <a:tc>
+                  <a:txBody>
+                    <a:bodyPr/>
+                    <a:lstStyle/>
+                    <a:p>
+                      <a:pPr algn="l" fontAlgn="b"/>
+                      <a:r>
+                        <a:rPr lang="en-US" sz="800" b="0" i="0" u="none" strike="noStrike">
+                          <a:solidFill>
+                            <a:srgbClr val="000000"/>
+                          </a:solidFill>
+                          <a:effectLst/>
+                          <a:latin typeface="Calibri" panose="020F0502020204030204" pitchFamily="34" charset="0"/>
+                        </a:rPr>
+                        <a:t> median </a:t>
+                      </a:r>
+                    </a:p>
+                  </a:txBody>
+                  <a:tcPr marL="9525" marR="9525" marT="9525" marB="0" anchor="b">
+                    <a:lnL>
+                      <a:noFill/>
+                    </a:lnL>
+                    <a:lnR>
+                      <a:noFill/>
+                    </a:lnR>
+                    <a:lnT>
+                      <a:noFill/>
+                    </a:lnT>
+                    <a:lnB w="12700" cap="flat" cmpd="sng" algn="ctr">
+                      <a:solidFill>
+                        <a:srgbClr val="000000"/>
+                      </a:solidFill>
+                      <a:prstDash val="solid"/>
+                      <a:round/>
+                      <a:headEnd type="none" w="med" len="med"/>
+                      <a:tailEnd type="none" w="med" len="med"/>
+                    </a:lnB>
+                  </a:tcPr>
+                </a:tc>
+                <a:extLst>
+                  <a:ext uri="{0D108BD9-81ED-4DB2-BD59-A6C34878D82A}">
+                    <a16:rowId xmlns:a16="http://schemas.microsoft.com/office/drawing/2014/main" val="1409038736"/>
+                  </a:ext>
+                </a:extLst>
+              </a:tr>
+              <a:tr h="231232">
+                <a:tc>
+                  <a:txBody>
+                    <a:bodyPr/>
+                    <a:lstStyle/>
+                    <a:p>
+                      <a:pPr algn="r" fontAlgn="b"/>
+                      <a:r>
+                        <a:rPr lang="en-US" sz="800" b="0" i="0" u="none" strike="noStrike" dirty="0">
+                          <a:solidFill>
+                            <a:srgbClr val="000000"/>
+                          </a:solidFill>
+                          <a:effectLst/>
+                          <a:latin typeface="Calibri" panose="020F0502020204030204" pitchFamily="34" charset="0"/>
+                        </a:rPr>
+                        <a:t>4</a:t>
+                      </a:r>
+                    </a:p>
+                  </a:txBody>
+                  <a:tcPr marL="9525" marR="9525" marT="9525" marB="0" anchor="b">
+                    <a:lnL>
+                      <a:noFill/>
+                    </a:lnL>
+                    <a:lnR>
+                      <a:noFill/>
+                    </a:lnR>
+                    <a:lnT w="12700" cap="flat" cmpd="sng" algn="ctr">
+                      <a:solidFill>
+                        <a:srgbClr val="000000"/>
+                      </a:solidFill>
+                      <a:prstDash val="solid"/>
+                      <a:round/>
+                      <a:headEnd type="none" w="med" len="med"/>
+                      <a:tailEnd type="none" w="med" len="med"/>
+                    </a:lnT>
+                    <a:lnB>
+                      <a:noFill/>
+                    </a:lnB>
+                  </a:tcPr>
+                </a:tc>
+                <a:tc>
+                  <a:txBody>
+                    <a:bodyPr/>
+                    <a:lstStyle/>
+                    <a:p>
+                      <a:pPr algn="l" fontAlgn="b"/>
+                      <a:r>
+                        <a:rPr lang="en-US" sz="800" b="0" i="0" u="none" strike="noStrike" dirty="0">
+                          <a:solidFill>
+                            <a:srgbClr val="000000"/>
+                          </a:solidFill>
+                          <a:effectLst/>
+                          <a:latin typeface="Calibri" panose="020F0502020204030204" pitchFamily="34" charset="0"/>
+                        </a:rPr>
+                        <a:t>             52,347.55 </a:t>
+                      </a:r>
+                    </a:p>
+                  </a:txBody>
+                  <a:tcPr marL="9525" marR="9525" marT="9525" marB="0" anchor="b">
+                    <a:lnL>
+                      <a:noFill/>
+                    </a:lnL>
+                    <a:lnR>
+                      <a:noFill/>
+                    </a:lnR>
+                    <a:lnT w="12700" cap="flat" cmpd="sng" algn="ctr">
+                      <a:solidFill>
+                        <a:srgbClr val="000000"/>
+                      </a:solidFill>
+                      <a:prstDash val="solid"/>
+                      <a:round/>
+                      <a:headEnd type="none" w="med" len="med"/>
+                      <a:tailEnd type="none" w="med" len="med"/>
+                    </a:lnT>
+                    <a:lnB>
+                      <a:noFill/>
+                    </a:lnB>
+                  </a:tcPr>
+                </a:tc>
+                <a:tc>
+                  <a:txBody>
+                    <a:bodyPr/>
+                    <a:lstStyle/>
+                    <a:p>
+                      <a:pPr algn="l" fontAlgn="b"/>
+                      <a:r>
+                        <a:rPr lang="en-US" sz="800" b="0" i="0" u="none" strike="noStrike" dirty="0">
+                          <a:solidFill>
+                            <a:srgbClr val="000000"/>
+                          </a:solidFill>
+                          <a:effectLst/>
+                          <a:latin typeface="Calibri" panose="020F0502020204030204" pitchFamily="34" charset="0"/>
+                        </a:rPr>
+                        <a:t> </a:t>
+                      </a:r>
+                    </a:p>
+                  </a:txBody>
+                  <a:tcPr marL="9525" marR="9525" marT="9525" marB="0" anchor="b">
+                    <a:lnL>
+                      <a:noFill/>
+                    </a:lnL>
+                    <a:lnR>
+                      <a:noFill/>
+                    </a:lnR>
+                    <a:lnT w="12700" cap="flat" cmpd="sng" algn="ctr">
+                      <a:solidFill>
+                        <a:srgbClr val="000000"/>
+                      </a:solidFill>
+                      <a:prstDash val="solid"/>
+                      <a:round/>
+                      <a:headEnd type="none" w="med" len="med"/>
+                      <a:tailEnd type="none" w="med" len="med"/>
+                    </a:lnT>
+                    <a:lnB>
+                      <a:noFill/>
+                    </a:lnB>
+                  </a:tcPr>
+                </a:tc>
+                <a:tc>
+                  <a:txBody>
+                    <a:bodyPr/>
+                    <a:lstStyle/>
+                    <a:p>
+                      <a:pPr algn="l" fontAlgn="b"/>
+                      <a:r>
+                        <a:rPr lang="en-US" sz="800" b="0" i="0" u="none" strike="noStrike" dirty="0">
+                          <a:solidFill>
+                            <a:srgbClr val="000000"/>
+                          </a:solidFill>
+                          <a:effectLst/>
+                          <a:latin typeface="Calibri" panose="020F0502020204030204" pitchFamily="34" charset="0"/>
+                        </a:rPr>
+                        <a:t>             99,032.05 </a:t>
+                      </a:r>
+                    </a:p>
+                  </a:txBody>
+                  <a:tcPr marL="9525" marR="9525" marT="9525" marB="0" anchor="b">
+                    <a:lnL>
+                      <a:noFill/>
+                    </a:lnL>
+                    <a:lnR>
+                      <a:noFill/>
+                    </a:lnR>
+                    <a:lnT w="12700" cap="flat" cmpd="sng" algn="ctr">
+                      <a:solidFill>
+                        <a:srgbClr val="000000"/>
+                      </a:solidFill>
+                      <a:prstDash val="solid"/>
+                      <a:round/>
+                      <a:headEnd type="none" w="med" len="med"/>
+                      <a:tailEnd type="none" w="med" len="med"/>
+                    </a:lnT>
+                    <a:lnB>
+                      <a:noFill/>
+                    </a:lnB>
+                  </a:tcPr>
+                </a:tc>
+                <a:tc>
+                  <a:txBody>
+                    <a:bodyPr/>
+                    <a:lstStyle/>
+                    <a:p>
+                      <a:pPr algn="l" fontAlgn="b"/>
+                      <a:r>
+                        <a:rPr lang="en-US" sz="800" b="0" i="0" u="none" strike="noStrike">
+                          <a:solidFill>
+                            <a:srgbClr val="000000"/>
+                          </a:solidFill>
+                          <a:effectLst/>
+                          <a:latin typeface="Calibri" panose="020F0502020204030204" pitchFamily="34" charset="0"/>
+                        </a:rPr>
+                        <a:t> </a:t>
+                      </a:r>
+                    </a:p>
+                  </a:txBody>
+                  <a:tcPr marL="9525" marR="9525" marT="9525" marB="0" anchor="b">
+                    <a:lnL>
+                      <a:noFill/>
+                    </a:lnL>
+                    <a:lnR>
+                      <a:noFill/>
+                    </a:lnR>
+                    <a:lnT w="12700" cap="flat" cmpd="sng" algn="ctr">
+                      <a:solidFill>
+                        <a:srgbClr val="000000"/>
+                      </a:solidFill>
+                      <a:prstDash val="solid"/>
+                      <a:round/>
+                      <a:headEnd type="none" w="med" len="med"/>
+                      <a:tailEnd type="none" w="med" len="med"/>
+                    </a:lnT>
+                    <a:lnB>
+                      <a:noFill/>
+                    </a:lnB>
+                  </a:tcPr>
+                </a:tc>
+                <a:tc>
+                  <a:txBody>
+                    <a:bodyPr/>
+                    <a:lstStyle/>
+                    <a:p>
+                      <a:pPr algn="l" fontAlgn="b"/>
+                      <a:r>
+                        <a:rPr lang="en-US" sz="800" b="0" i="0" u="none" strike="noStrike">
+                          <a:solidFill>
+                            <a:srgbClr val="000000"/>
+                          </a:solidFill>
+                          <a:effectLst/>
+                          <a:latin typeface="Calibri" panose="020F0502020204030204" pitchFamily="34" charset="0"/>
+                        </a:rPr>
+                        <a:t>             102,473.00 </a:t>
+                      </a:r>
+                    </a:p>
+                  </a:txBody>
+                  <a:tcPr marL="9525" marR="9525" marT="9525" marB="0" anchor="b">
+                    <a:lnL>
+                      <a:noFill/>
+                    </a:lnL>
+                    <a:lnR w="12700" cap="flat" cmpd="sng" algn="ctr">
+                      <a:solidFill>
+                        <a:srgbClr val="000000"/>
+                      </a:solidFill>
+                      <a:prstDash val="solid"/>
+                      <a:round/>
+                      <a:headEnd type="none" w="med" len="med"/>
+                      <a:tailEnd type="none" w="med" len="med"/>
+                    </a:lnR>
+                    <a:lnT w="12700" cap="flat" cmpd="sng" algn="ctr">
+                      <a:solidFill>
+                        <a:srgbClr val="000000"/>
+                      </a:solidFill>
+                      <a:prstDash val="solid"/>
+                      <a:round/>
+                      <a:headEnd type="none" w="med" len="med"/>
+                      <a:tailEnd type="none" w="med" len="med"/>
+                    </a:lnT>
+                    <a:lnB>
+                      <a:noFill/>
+                    </a:lnB>
+                  </a:tcPr>
+                </a:tc>
+                <a:extLst>
+                  <a:ext uri="{0D108BD9-81ED-4DB2-BD59-A6C34878D82A}">
+                    <a16:rowId xmlns:a16="http://schemas.microsoft.com/office/drawing/2014/main" val="1621376792"/>
+                  </a:ext>
+                </a:extLst>
+              </a:tr>
+              <a:tr h="231232">
+                <a:tc>
+                  <a:txBody>
+                    <a:bodyPr/>
+                    <a:lstStyle/>
+                    <a:p>
+                      <a:pPr algn="r" fontAlgn="b"/>
+                      <a:r>
+                        <a:rPr lang="en-US" sz="800" b="0" i="0" u="none" strike="noStrike">
+                          <a:solidFill>
+                            <a:srgbClr val="000000"/>
+                          </a:solidFill>
+                          <a:effectLst/>
+                          <a:latin typeface="Calibri" panose="020F0502020204030204" pitchFamily="34" charset="0"/>
+                        </a:rPr>
+                        <a:t>8</a:t>
+                      </a:r>
+                    </a:p>
+                  </a:txBody>
+                  <a:tcPr marL="9525" marR="9525" marT="9525" marB="0" anchor="b">
+                    <a:lnL>
+                      <a:noFill/>
+                    </a:lnL>
+                    <a:lnR>
+                      <a:noFill/>
+                    </a:lnR>
+                    <a:lnT>
+                      <a:noFill/>
+                    </a:lnT>
+                    <a:lnB>
+                      <a:noFill/>
+                    </a:lnB>
+                  </a:tcPr>
+                </a:tc>
+                <a:tc>
+                  <a:txBody>
+                    <a:bodyPr/>
+                    <a:lstStyle/>
+                    <a:p>
+                      <a:pPr algn="l" fontAlgn="b"/>
+                      <a:r>
+                        <a:rPr lang="en-US" sz="800" b="0" i="0" u="none" strike="noStrike">
+                          <a:solidFill>
+                            <a:srgbClr val="000000"/>
+                          </a:solidFill>
+                          <a:effectLst/>
+                          <a:latin typeface="Calibri" panose="020F0502020204030204" pitchFamily="34" charset="0"/>
+                        </a:rPr>
+                        <a:t>          138,584.00 </a:t>
+                      </a:r>
+                    </a:p>
+                  </a:txBody>
+                  <a:tcPr marL="9525" marR="9525" marT="9525" marB="0" anchor="b">
+                    <a:lnL>
+                      <a:noFill/>
+                    </a:lnL>
+                    <a:lnR>
+                      <a:noFill/>
+                    </a:lnR>
+                    <a:lnT>
+                      <a:noFill/>
+                    </a:lnT>
+                    <a:lnB>
+                      <a:noFill/>
+                    </a:lnB>
+                  </a:tcPr>
+                </a:tc>
+                <a:tc>
+                  <a:txBody>
+                    <a:bodyPr/>
+                    <a:lstStyle/>
+                    <a:p>
+                      <a:pPr algn="l" fontAlgn="b"/>
+                      <a:endParaRPr lang="en-US" sz="800" b="0" i="0" u="none" strike="noStrike">
+                        <a:solidFill>
+                          <a:srgbClr val="000000"/>
+                        </a:solidFill>
+                        <a:effectLst/>
+                        <a:latin typeface="Calibri" panose="020F0502020204030204" pitchFamily="34" charset="0"/>
+                      </a:endParaRPr>
+                    </a:p>
+                  </a:txBody>
+                  <a:tcPr marL="9525" marR="9525" marT="9525" marB="0" anchor="b">
+                    <a:lnL>
+                      <a:noFill/>
+                    </a:lnL>
+                    <a:lnR>
+                      <a:noFill/>
+                    </a:lnR>
+                    <a:lnT>
+                      <a:noFill/>
+                    </a:lnT>
+                    <a:lnB>
+                      <a:noFill/>
+                    </a:lnB>
+                  </a:tcPr>
+                </a:tc>
+                <a:tc>
+                  <a:txBody>
+                    <a:bodyPr/>
+                    <a:lstStyle/>
+                    <a:p>
+                      <a:pPr algn="l" fontAlgn="b"/>
+                      <a:r>
+                        <a:rPr lang="en-US" sz="800" b="0" i="0" u="none" strike="noStrike" dirty="0">
+                          <a:solidFill>
+                            <a:srgbClr val="000000"/>
+                          </a:solidFill>
+                          <a:effectLst/>
+                          <a:latin typeface="Calibri" panose="020F0502020204030204" pitchFamily="34" charset="0"/>
+                        </a:rPr>
+                        <a:t>          220,246.00 </a:t>
+                      </a:r>
+                    </a:p>
+                  </a:txBody>
+                  <a:tcPr marL="9525" marR="9525" marT="9525" marB="0" anchor="b">
+                    <a:lnL>
+                      <a:noFill/>
+                    </a:lnL>
+                    <a:lnR>
+                      <a:noFill/>
+                    </a:lnR>
+                    <a:lnT>
+                      <a:noFill/>
+                    </a:lnT>
+                    <a:lnB>
+                      <a:noFill/>
+                    </a:lnB>
+                  </a:tcPr>
+                </a:tc>
+                <a:tc>
+                  <a:txBody>
+                    <a:bodyPr/>
+                    <a:lstStyle/>
+                    <a:p>
+                      <a:pPr algn="l" fontAlgn="b"/>
+                      <a:endParaRPr lang="en-US" sz="800" b="0" i="0" u="none" strike="noStrike" dirty="0">
+                        <a:solidFill>
+                          <a:srgbClr val="000000"/>
+                        </a:solidFill>
+                        <a:effectLst/>
+                        <a:latin typeface="Calibri" panose="020F0502020204030204" pitchFamily="34" charset="0"/>
+                      </a:endParaRPr>
+                    </a:p>
+                  </a:txBody>
+                  <a:tcPr marL="9525" marR="9525" marT="9525" marB="0" anchor="b">
+                    <a:lnL>
+                      <a:noFill/>
+                    </a:lnL>
+                    <a:lnR>
+                      <a:noFill/>
+                    </a:lnR>
+                    <a:lnT>
+                      <a:noFill/>
+                    </a:lnT>
+                    <a:lnB>
+                      <a:noFill/>
+                    </a:lnB>
+                  </a:tcPr>
+                </a:tc>
+                <a:tc>
+                  <a:txBody>
+                    <a:bodyPr/>
+                    <a:lstStyle/>
+                    <a:p>
+                      <a:pPr algn="l" fontAlgn="b"/>
+                      <a:r>
+                        <a:rPr lang="en-US" sz="800" b="0" i="0" u="none" strike="noStrike" dirty="0">
+                          <a:solidFill>
+                            <a:srgbClr val="000000"/>
+                          </a:solidFill>
+                          <a:effectLst/>
+                          <a:latin typeface="Calibri" panose="020F0502020204030204" pitchFamily="34" charset="0"/>
+                        </a:rPr>
+                        <a:t>             232,641.00 </a:t>
+                      </a:r>
+                    </a:p>
+                  </a:txBody>
+                  <a:tcPr marL="9525" marR="9525" marT="9525" marB="0" anchor="b">
+                    <a:lnL>
+                      <a:noFill/>
+                    </a:lnL>
+                    <a:lnR w="12700" cap="flat" cmpd="sng" algn="ctr">
+                      <a:solidFill>
+                        <a:srgbClr val="000000"/>
+                      </a:solidFill>
+                      <a:prstDash val="solid"/>
+                      <a:round/>
+                      <a:headEnd type="none" w="med" len="med"/>
+                      <a:tailEnd type="none" w="med" len="med"/>
+                    </a:lnR>
+                    <a:lnT>
+                      <a:noFill/>
+                    </a:lnT>
+                    <a:lnB>
+                      <a:noFill/>
+                    </a:lnB>
+                  </a:tcPr>
+                </a:tc>
+                <a:extLst>
+                  <a:ext uri="{0D108BD9-81ED-4DB2-BD59-A6C34878D82A}">
+                    <a16:rowId xmlns:a16="http://schemas.microsoft.com/office/drawing/2014/main" val="3491458379"/>
+                  </a:ext>
+                </a:extLst>
+              </a:tr>
+              <a:tr h="231232">
+                <a:tc>
+                  <a:txBody>
+                    <a:bodyPr/>
+                    <a:lstStyle/>
+                    <a:p>
+                      <a:pPr algn="r" fontAlgn="b"/>
+                      <a:r>
+                        <a:rPr lang="en-US" sz="800" b="0" i="0" u="none" strike="noStrike">
+                          <a:solidFill>
+                            <a:srgbClr val="000000"/>
+                          </a:solidFill>
+                          <a:effectLst/>
+                          <a:latin typeface="Calibri" panose="020F0502020204030204" pitchFamily="34" charset="0"/>
+                        </a:rPr>
+                        <a:t>12</a:t>
+                      </a:r>
+                    </a:p>
+                  </a:txBody>
+                  <a:tcPr marL="9525" marR="9525" marT="9525" marB="0" anchor="b">
+                    <a:lnL>
+                      <a:noFill/>
+                    </a:lnL>
+                    <a:lnR>
+                      <a:noFill/>
+                    </a:lnR>
+                    <a:lnT>
+                      <a:noFill/>
+                    </a:lnT>
+                    <a:lnB>
+                      <a:noFill/>
+                    </a:lnB>
+                  </a:tcPr>
+                </a:tc>
+                <a:tc>
+                  <a:txBody>
+                    <a:bodyPr/>
+                    <a:lstStyle/>
+                    <a:p>
+                      <a:pPr algn="l" fontAlgn="b"/>
+                      <a:r>
+                        <a:rPr lang="en-US" sz="800" b="0" i="0" u="none" strike="noStrike">
+                          <a:solidFill>
+                            <a:srgbClr val="000000"/>
+                          </a:solidFill>
+                          <a:effectLst/>
+                          <a:latin typeface="Calibri" panose="020F0502020204030204" pitchFamily="34" charset="0"/>
+                        </a:rPr>
+                        <a:t>          226,708.50 </a:t>
+                      </a:r>
+                    </a:p>
+                  </a:txBody>
+                  <a:tcPr marL="9525" marR="9525" marT="9525" marB="0" anchor="b">
+                    <a:lnL>
+                      <a:noFill/>
+                    </a:lnL>
+                    <a:lnR>
+                      <a:noFill/>
+                    </a:lnR>
+                    <a:lnT>
+                      <a:noFill/>
+                    </a:lnT>
+                    <a:lnB>
+                      <a:noFill/>
+                    </a:lnB>
+                  </a:tcPr>
+                </a:tc>
+                <a:tc>
+                  <a:txBody>
+                    <a:bodyPr/>
+                    <a:lstStyle/>
+                    <a:p>
+                      <a:pPr algn="l" fontAlgn="b"/>
+                      <a:endParaRPr lang="en-US" sz="800" b="0" i="0" u="none" strike="noStrike">
+                        <a:solidFill>
+                          <a:srgbClr val="000000"/>
+                        </a:solidFill>
+                        <a:effectLst/>
+                        <a:latin typeface="Calibri" panose="020F0502020204030204" pitchFamily="34" charset="0"/>
+                      </a:endParaRPr>
+                    </a:p>
+                  </a:txBody>
+                  <a:tcPr marL="9525" marR="9525" marT="9525" marB="0" anchor="b">
+                    <a:lnL>
+                      <a:noFill/>
+                    </a:lnL>
+                    <a:lnR>
+                      <a:noFill/>
+                    </a:lnR>
+                    <a:lnT>
+                      <a:noFill/>
+                    </a:lnT>
+                    <a:lnB>
+                      <a:noFill/>
+                    </a:lnB>
+                  </a:tcPr>
+                </a:tc>
+                <a:tc>
+                  <a:txBody>
+                    <a:bodyPr/>
+                    <a:lstStyle/>
+                    <a:p>
+                      <a:pPr algn="l" fontAlgn="b"/>
+                      <a:r>
+                        <a:rPr lang="en-US" sz="800" b="0" i="0" u="none" strike="noStrike" dirty="0">
+                          <a:solidFill>
+                            <a:srgbClr val="000000"/>
+                          </a:solidFill>
+                          <a:effectLst/>
+                          <a:latin typeface="Calibri" panose="020F0502020204030204" pitchFamily="34" charset="0"/>
+                        </a:rPr>
+                        <a:t>          347,155.50 </a:t>
+                      </a:r>
+                    </a:p>
+                  </a:txBody>
+                  <a:tcPr marL="9525" marR="9525" marT="9525" marB="0" anchor="b">
+                    <a:lnL>
+                      <a:noFill/>
+                    </a:lnL>
+                    <a:lnR>
+                      <a:noFill/>
+                    </a:lnR>
+                    <a:lnT>
+                      <a:noFill/>
+                    </a:lnT>
+                    <a:lnB>
+                      <a:noFill/>
+                    </a:lnB>
+                  </a:tcPr>
+                </a:tc>
+                <a:tc>
+                  <a:txBody>
+                    <a:bodyPr/>
+                    <a:lstStyle/>
+                    <a:p>
+                      <a:pPr algn="l" fontAlgn="b"/>
+                      <a:endParaRPr lang="en-US" sz="800" b="0" i="0" u="none" strike="noStrike" dirty="0">
+                        <a:solidFill>
+                          <a:srgbClr val="000000"/>
+                        </a:solidFill>
+                        <a:effectLst/>
+                        <a:latin typeface="Calibri" panose="020F0502020204030204" pitchFamily="34" charset="0"/>
+                      </a:endParaRPr>
+                    </a:p>
+                  </a:txBody>
+                  <a:tcPr marL="9525" marR="9525" marT="9525" marB="0" anchor="b">
+                    <a:lnL>
+                      <a:noFill/>
+                    </a:lnL>
+                    <a:lnR>
+                      <a:noFill/>
+                    </a:lnR>
+                    <a:lnT>
+                      <a:noFill/>
+                    </a:lnT>
+                    <a:lnB>
+                      <a:noFill/>
+                    </a:lnB>
+                  </a:tcPr>
+                </a:tc>
+                <a:tc>
+                  <a:txBody>
+                    <a:bodyPr/>
+                    <a:lstStyle/>
+                    <a:p>
+                      <a:pPr algn="l" fontAlgn="b"/>
+                      <a:r>
+                        <a:rPr lang="en-US" sz="800" b="0" i="0" u="none" strike="noStrike" dirty="0">
+                          <a:solidFill>
+                            <a:srgbClr val="000000"/>
+                          </a:solidFill>
+                          <a:effectLst/>
+                          <a:latin typeface="Calibri" panose="020F0502020204030204" pitchFamily="34" charset="0"/>
+                        </a:rPr>
+                        <a:t>             360,995.00 </a:t>
+                      </a:r>
+                    </a:p>
+                  </a:txBody>
+                  <a:tcPr marL="9525" marR="9525" marT="9525" marB="0" anchor="b">
+                    <a:lnL>
+                      <a:noFill/>
+                    </a:lnL>
+                    <a:lnR w="12700" cap="flat" cmpd="sng" algn="ctr">
+                      <a:solidFill>
+                        <a:srgbClr val="000000"/>
+                      </a:solidFill>
+                      <a:prstDash val="solid"/>
+                      <a:round/>
+                      <a:headEnd type="none" w="med" len="med"/>
+                      <a:tailEnd type="none" w="med" len="med"/>
+                    </a:lnR>
+                    <a:lnT>
+                      <a:noFill/>
+                    </a:lnT>
+                    <a:lnB>
+                      <a:noFill/>
+                    </a:lnB>
+                  </a:tcPr>
+                </a:tc>
+                <a:extLst>
+                  <a:ext uri="{0D108BD9-81ED-4DB2-BD59-A6C34878D82A}">
+                    <a16:rowId xmlns:a16="http://schemas.microsoft.com/office/drawing/2014/main" val="2416977165"/>
+                  </a:ext>
+                </a:extLst>
+              </a:tr>
+              <a:tr h="231232">
+                <a:tc>
+                  <a:txBody>
+                    <a:bodyPr/>
+                    <a:lstStyle/>
+                    <a:p>
+                      <a:pPr algn="r" fontAlgn="b"/>
+                      <a:r>
+                        <a:rPr lang="en-US" sz="800" b="0" i="0" u="none" strike="noStrike">
+                          <a:solidFill>
+                            <a:srgbClr val="000000"/>
+                          </a:solidFill>
+                          <a:effectLst/>
+                          <a:latin typeface="Calibri" panose="020F0502020204030204" pitchFamily="34" charset="0"/>
+                        </a:rPr>
+                        <a:t>16</a:t>
+                      </a:r>
+                    </a:p>
+                  </a:txBody>
+                  <a:tcPr marL="9525" marR="9525" marT="9525" marB="0" anchor="b">
+                    <a:lnL>
+                      <a:noFill/>
+                    </a:lnL>
+                    <a:lnR>
+                      <a:noFill/>
+                    </a:lnR>
+                    <a:lnT>
+                      <a:noFill/>
+                    </a:lnT>
+                    <a:lnB>
+                      <a:noFill/>
+                    </a:lnB>
+                  </a:tcPr>
+                </a:tc>
+                <a:tc>
+                  <a:txBody>
+                    <a:bodyPr/>
+                    <a:lstStyle/>
+                    <a:p>
+                      <a:pPr algn="l" fontAlgn="b"/>
+                      <a:r>
+                        <a:rPr lang="en-US" sz="800" b="0" i="0" u="none" strike="noStrike">
+                          <a:solidFill>
+                            <a:srgbClr val="000000"/>
+                          </a:solidFill>
+                          <a:effectLst/>
+                          <a:latin typeface="Calibri" panose="020F0502020204030204" pitchFamily="34" charset="0"/>
+                        </a:rPr>
+                        <a:t>          314,668.50 </a:t>
+                      </a:r>
+                    </a:p>
+                  </a:txBody>
+                  <a:tcPr marL="9525" marR="9525" marT="9525" marB="0" anchor="b">
+                    <a:lnL>
+                      <a:noFill/>
+                    </a:lnL>
+                    <a:lnR>
+                      <a:noFill/>
+                    </a:lnR>
+                    <a:lnT>
+                      <a:noFill/>
+                    </a:lnT>
+                    <a:lnB>
+                      <a:noFill/>
+                    </a:lnB>
+                  </a:tcPr>
+                </a:tc>
+                <a:tc>
+                  <a:txBody>
+                    <a:bodyPr/>
+                    <a:lstStyle/>
+                    <a:p>
+                      <a:pPr algn="l" fontAlgn="b"/>
+                      <a:endParaRPr lang="en-US" sz="800" b="0" i="0" u="none" strike="noStrike">
+                        <a:solidFill>
+                          <a:srgbClr val="000000"/>
+                        </a:solidFill>
+                        <a:effectLst/>
+                        <a:latin typeface="Calibri" panose="020F0502020204030204" pitchFamily="34" charset="0"/>
+                      </a:endParaRPr>
+                    </a:p>
+                  </a:txBody>
+                  <a:tcPr marL="9525" marR="9525" marT="9525" marB="0" anchor="b">
+                    <a:lnL>
+                      <a:noFill/>
+                    </a:lnL>
+                    <a:lnR>
+                      <a:noFill/>
+                    </a:lnR>
+                    <a:lnT>
+                      <a:noFill/>
+                    </a:lnT>
+                    <a:lnB>
+                      <a:noFill/>
+                    </a:lnB>
+                  </a:tcPr>
+                </a:tc>
+                <a:tc>
+                  <a:txBody>
+                    <a:bodyPr/>
+                    <a:lstStyle/>
+                    <a:p>
+                      <a:pPr algn="l" fontAlgn="b"/>
+                      <a:r>
+                        <a:rPr lang="en-US" sz="800" b="0" i="0" u="none" strike="noStrike">
+                          <a:solidFill>
+                            <a:srgbClr val="000000"/>
+                          </a:solidFill>
+                          <a:effectLst/>
+                          <a:latin typeface="Calibri" panose="020F0502020204030204" pitchFamily="34" charset="0"/>
+                        </a:rPr>
+                        <a:t>          473,527.00 </a:t>
+                      </a:r>
+                    </a:p>
+                  </a:txBody>
+                  <a:tcPr marL="9525" marR="9525" marT="9525" marB="0" anchor="b">
+                    <a:lnL>
+                      <a:noFill/>
+                    </a:lnL>
+                    <a:lnR>
+                      <a:noFill/>
+                    </a:lnR>
+                    <a:lnT>
+                      <a:noFill/>
+                    </a:lnT>
+                    <a:lnB>
+                      <a:noFill/>
+                    </a:lnB>
+                  </a:tcPr>
+                </a:tc>
+                <a:tc>
+                  <a:txBody>
+                    <a:bodyPr/>
+                    <a:lstStyle/>
+                    <a:p>
+                      <a:pPr algn="l" fontAlgn="b"/>
+                      <a:endParaRPr lang="en-US" sz="800" b="0" i="0" u="none" strike="noStrike" dirty="0">
+                        <a:solidFill>
+                          <a:srgbClr val="000000"/>
+                        </a:solidFill>
+                        <a:effectLst/>
+                        <a:latin typeface="Calibri" panose="020F0502020204030204" pitchFamily="34" charset="0"/>
+                      </a:endParaRPr>
+                    </a:p>
+                  </a:txBody>
+                  <a:tcPr marL="9525" marR="9525" marT="9525" marB="0" anchor="b">
+                    <a:lnL>
+                      <a:noFill/>
+                    </a:lnL>
+                    <a:lnR>
+                      <a:noFill/>
+                    </a:lnR>
+                    <a:lnT>
+                      <a:noFill/>
+                    </a:lnT>
+                    <a:lnB>
+                      <a:noFill/>
+                    </a:lnB>
+                  </a:tcPr>
+                </a:tc>
+                <a:tc>
+                  <a:txBody>
+                    <a:bodyPr/>
+                    <a:lstStyle/>
+                    <a:p>
+                      <a:pPr algn="l" fontAlgn="b"/>
+                      <a:r>
+                        <a:rPr lang="en-US" sz="800" b="0" i="0" u="none" strike="noStrike" dirty="0">
+                          <a:solidFill>
+                            <a:srgbClr val="000000"/>
+                          </a:solidFill>
+                          <a:effectLst/>
+                          <a:latin typeface="Calibri" panose="020F0502020204030204" pitchFamily="34" charset="0"/>
+                        </a:rPr>
+                        <a:t>             489,675.50 </a:t>
+                      </a:r>
+                    </a:p>
+                  </a:txBody>
+                  <a:tcPr marL="9525" marR="9525" marT="9525" marB="0" anchor="b">
+                    <a:lnL>
+                      <a:noFill/>
+                    </a:lnL>
+                    <a:lnR w="12700" cap="flat" cmpd="sng" algn="ctr">
+                      <a:solidFill>
+                        <a:srgbClr val="000000"/>
+                      </a:solidFill>
+                      <a:prstDash val="solid"/>
+                      <a:round/>
+                      <a:headEnd type="none" w="med" len="med"/>
+                      <a:tailEnd type="none" w="med" len="med"/>
+                    </a:lnR>
+                    <a:lnT>
+                      <a:noFill/>
+                    </a:lnT>
+                    <a:lnB>
+                      <a:noFill/>
+                    </a:lnB>
+                  </a:tcPr>
+                </a:tc>
+                <a:extLst>
+                  <a:ext uri="{0D108BD9-81ED-4DB2-BD59-A6C34878D82A}">
+                    <a16:rowId xmlns:a16="http://schemas.microsoft.com/office/drawing/2014/main" val="3693426018"/>
+                  </a:ext>
+                </a:extLst>
+              </a:tr>
+              <a:tr h="231232">
+                <a:tc>
+                  <a:txBody>
+                    <a:bodyPr/>
+                    <a:lstStyle/>
+                    <a:p>
+                      <a:pPr algn="r" fontAlgn="b"/>
+                      <a:r>
+                        <a:rPr lang="en-US" sz="800" b="0" i="0" u="none" strike="noStrike">
+                          <a:solidFill>
+                            <a:srgbClr val="000000"/>
+                          </a:solidFill>
+                          <a:effectLst/>
+                          <a:latin typeface="Calibri" panose="020F0502020204030204" pitchFamily="34" charset="0"/>
+                        </a:rPr>
+                        <a:t>20</a:t>
+                      </a:r>
+                    </a:p>
+                  </a:txBody>
+                  <a:tcPr marL="9525" marR="9525" marT="9525" marB="0" anchor="b">
+                    <a:lnL>
+                      <a:noFill/>
+                    </a:lnL>
+                    <a:lnR>
+                      <a:noFill/>
+                    </a:lnR>
+                    <a:lnT>
+                      <a:noFill/>
+                    </a:lnT>
+                    <a:lnB>
+                      <a:noFill/>
+                    </a:lnB>
+                  </a:tcPr>
+                </a:tc>
+                <a:tc>
+                  <a:txBody>
+                    <a:bodyPr/>
+                    <a:lstStyle/>
+                    <a:p>
+                      <a:pPr algn="l" fontAlgn="b"/>
+                      <a:r>
+                        <a:rPr lang="en-US" sz="800" b="0" i="0" u="none" strike="noStrike">
+                          <a:solidFill>
+                            <a:srgbClr val="000000"/>
+                          </a:solidFill>
+                          <a:effectLst/>
+                          <a:latin typeface="Calibri" panose="020F0502020204030204" pitchFamily="34" charset="0"/>
+                        </a:rPr>
+                        <a:t>          406,371.50 </a:t>
+                      </a:r>
+                    </a:p>
+                  </a:txBody>
+                  <a:tcPr marL="9525" marR="9525" marT="9525" marB="0" anchor="b">
+                    <a:lnL>
+                      <a:noFill/>
+                    </a:lnL>
+                    <a:lnR>
+                      <a:noFill/>
+                    </a:lnR>
+                    <a:lnT>
+                      <a:noFill/>
+                    </a:lnT>
+                    <a:lnB>
+                      <a:noFill/>
+                    </a:lnB>
+                  </a:tcPr>
+                </a:tc>
+                <a:tc>
+                  <a:txBody>
+                    <a:bodyPr/>
+                    <a:lstStyle/>
+                    <a:p>
+                      <a:pPr algn="l" fontAlgn="b"/>
+                      <a:endParaRPr lang="en-US" sz="800" b="0" i="0" u="none" strike="noStrike" dirty="0">
+                        <a:solidFill>
+                          <a:srgbClr val="000000"/>
+                        </a:solidFill>
+                        <a:effectLst/>
+                        <a:latin typeface="Calibri" panose="020F0502020204030204" pitchFamily="34" charset="0"/>
+                      </a:endParaRPr>
+                    </a:p>
+                  </a:txBody>
+                  <a:tcPr marL="9525" marR="9525" marT="9525" marB="0" anchor="b">
+                    <a:lnL>
+                      <a:noFill/>
+                    </a:lnL>
+                    <a:lnR>
+                      <a:noFill/>
+                    </a:lnR>
+                    <a:lnT>
+                      <a:noFill/>
+                    </a:lnT>
+                    <a:lnB>
+                      <a:noFill/>
+                    </a:lnB>
+                  </a:tcPr>
+                </a:tc>
+                <a:tc>
+                  <a:txBody>
+                    <a:bodyPr/>
+                    <a:lstStyle/>
+                    <a:p>
+                      <a:pPr algn="l" fontAlgn="b"/>
+                      <a:r>
+                        <a:rPr lang="en-US" sz="800" b="0" i="0" u="none" strike="noStrike">
+                          <a:solidFill>
+                            <a:srgbClr val="000000"/>
+                          </a:solidFill>
+                          <a:effectLst/>
+                          <a:latin typeface="Calibri" panose="020F0502020204030204" pitchFamily="34" charset="0"/>
+                        </a:rPr>
+                        <a:t>          596,557.50 </a:t>
+                      </a:r>
+                    </a:p>
+                  </a:txBody>
+                  <a:tcPr marL="9525" marR="9525" marT="9525" marB="0" anchor="b">
+                    <a:lnL>
+                      <a:noFill/>
+                    </a:lnL>
+                    <a:lnR>
+                      <a:noFill/>
+                    </a:lnR>
+                    <a:lnT>
+                      <a:noFill/>
+                    </a:lnT>
+                    <a:lnB>
+                      <a:noFill/>
+                    </a:lnB>
+                  </a:tcPr>
+                </a:tc>
+                <a:tc>
+                  <a:txBody>
+                    <a:bodyPr/>
+                    <a:lstStyle/>
+                    <a:p>
+                      <a:pPr algn="l" fontAlgn="b"/>
+                      <a:endParaRPr lang="en-US" sz="800" b="0" i="0" u="none" strike="noStrike">
+                        <a:solidFill>
+                          <a:srgbClr val="000000"/>
+                        </a:solidFill>
+                        <a:effectLst/>
+                        <a:latin typeface="Calibri" panose="020F0502020204030204" pitchFamily="34" charset="0"/>
+                      </a:endParaRPr>
+                    </a:p>
+                  </a:txBody>
+                  <a:tcPr marL="9525" marR="9525" marT="9525" marB="0" anchor="b">
+                    <a:lnL>
+                      <a:noFill/>
+                    </a:lnL>
+                    <a:lnR>
+                      <a:noFill/>
+                    </a:lnR>
+                    <a:lnT>
+                      <a:noFill/>
+                    </a:lnT>
+                    <a:lnB>
+                      <a:noFill/>
+                    </a:lnB>
+                  </a:tcPr>
+                </a:tc>
+                <a:tc>
+                  <a:txBody>
+                    <a:bodyPr/>
+                    <a:lstStyle/>
+                    <a:p>
+                      <a:pPr algn="l" fontAlgn="b"/>
+                      <a:r>
+                        <a:rPr lang="en-US" sz="800" b="0" i="0" u="none" strike="noStrike" dirty="0">
+                          <a:solidFill>
+                            <a:srgbClr val="000000"/>
+                          </a:solidFill>
+                          <a:effectLst/>
+                          <a:latin typeface="Calibri" panose="020F0502020204030204" pitchFamily="34" charset="0"/>
+                        </a:rPr>
+                        <a:t>             616,779.50 </a:t>
+                      </a:r>
+                    </a:p>
+                  </a:txBody>
+                  <a:tcPr marL="9525" marR="9525" marT="9525" marB="0" anchor="b">
+                    <a:lnL>
+                      <a:noFill/>
+                    </a:lnL>
+                    <a:lnR w="12700" cap="flat" cmpd="sng" algn="ctr">
+                      <a:solidFill>
+                        <a:srgbClr val="000000"/>
+                      </a:solidFill>
+                      <a:prstDash val="solid"/>
+                      <a:round/>
+                      <a:headEnd type="none" w="med" len="med"/>
+                      <a:tailEnd type="none" w="med" len="med"/>
+                    </a:lnR>
+                    <a:lnT>
+                      <a:noFill/>
+                    </a:lnT>
+                    <a:lnB>
+                      <a:noFill/>
+                    </a:lnB>
+                  </a:tcPr>
+                </a:tc>
+                <a:extLst>
+                  <a:ext uri="{0D108BD9-81ED-4DB2-BD59-A6C34878D82A}">
+                    <a16:rowId xmlns:a16="http://schemas.microsoft.com/office/drawing/2014/main" val="1416961017"/>
+                  </a:ext>
+                </a:extLst>
+              </a:tr>
+              <a:tr h="231232">
+                <a:tc>
+                  <a:txBody>
+                    <a:bodyPr/>
+                    <a:lstStyle/>
+                    <a:p>
+                      <a:pPr algn="r" fontAlgn="b"/>
+                      <a:r>
+                        <a:rPr lang="en-US" sz="800" b="0" i="0" u="none" strike="noStrike">
+                          <a:solidFill>
+                            <a:srgbClr val="000000"/>
+                          </a:solidFill>
+                          <a:effectLst/>
+                          <a:latin typeface="Calibri" panose="020F0502020204030204" pitchFamily="34" charset="0"/>
+                        </a:rPr>
+                        <a:t>24</a:t>
+                      </a:r>
+                    </a:p>
+                  </a:txBody>
+                  <a:tcPr marL="9525" marR="9525" marT="9525" marB="0" anchor="b">
+                    <a:lnL>
+                      <a:noFill/>
+                    </a:lnL>
+                    <a:lnR>
+                      <a:noFill/>
+                    </a:lnR>
+                    <a:lnT>
+                      <a:noFill/>
+                    </a:lnT>
+                    <a:lnB>
+                      <a:noFill/>
+                    </a:lnB>
+                  </a:tcPr>
+                </a:tc>
+                <a:tc>
+                  <a:txBody>
+                    <a:bodyPr/>
+                    <a:lstStyle/>
+                    <a:p>
+                      <a:pPr algn="l" fontAlgn="b"/>
+                      <a:r>
+                        <a:rPr lang="en-US" sz="800" b="0" i="0" u="none" strike="noStrike">
+                          <a:solidFill>
+                            <a:srgbClr val="000000"/>
+                          </a:solidFill>
+                          <a:effectLst/>
+                          <a:latin typeface="Calibri" panose="020F0502020204030204" pitchFamily="34" charset="0"/>
+                        </a:rPr>
+                        <a:t>          498,563.50 </a:t>
+                      </a:r>
+                    </a:p>
+                  </a:txBody>
+                  <a:tcPr marL="9525" marR="9525" marT="9525" marB="0" anchor="b">
+                    <a:lnL>
+                      <a:noFill/>
+                    </a:lnL>
+                    <a:lnR>
+                      <a:noFill/>
+                    </a:lnR>
+                    <a:lnT>
+                      <a:noFill/>
+                    </a:lnT>
+                    <a:lnB>
+                      <a:noFill/>
+                    </a:lnB>
+                  </a:tcPr>
+                </a:tc>
+                <a:tc>
+                  <a:txBody>
+                    <a:bodyPr/>
+                    <a:lstStyle/>
+                    <a:p>
+                      <a:pPr algn="l" fontAlgn="b"/>
+                      <a:endParaRPr lang="en-US" sz="800" b="0" i="0" u="none" strike="noStrike">
+                        <a:solidFill>
+                          <a:srgbClr val="000000"/>
+                        </a:solidFill>
+                        <a:effectLst/>
+                        <a:latin typeface="Calibri" panose="020F0502020204030204" pitchFamily="34" charset="0"/>
+                      </a:endParaRPr>
+                    </a:p>
+                  </a:txBody>
+                  <a:tcPr marL="9525" marR="9525" marT="9525" marB="0" anchor="b">
+                    <a:lnL>
+                      <a:noFill/>
+                    </a:lnL>
+                    <a:lnR>
+                      <a:noFill/>
+                    </a:lnR>
+                    <a:lnT>
+                      <a:noFill/>
+                    </a:lnT>
+                    <a:lnB>
+                      <a:noFill/>
+                    </a:lnB>
+                  </a:tcPr>
+                </a:tc>
+                <a:tc>
+                  <a:txBody>
+                    <a:bodyPr/>
+                    <a:lstStyle/>
+                    <a:p>
+                      <a:pPr algn="l" fontAlgn="b"/>
+                      <a:r>
+                        <a:rPr lang="en-US" sz="800" b="0" i="0" u="none" strike="noStrike">
+                          <a:solidFill>
+                            <a:srgbClr val="000000"/>
+                          </a:solidFill>
+                          <a:effectLst/>
+                          <a:latin typeface="Calibri" panose="020F0502020204030204" pitchFamily="34" charset="0"/>
+                        </a:rPr>
+                        <a:t>          729,188.50 </a:t>
+                      </a:r>
+                    </a:p>
+                  </a:txBody>
+                  <a:tcPr marL="9525" marR="9525" marT="9525" marB="0" anchor="b">
+                    <a:lnL>
+                      <a:noFill/>
+                    </a:lnL>
+                    <a:lnR>
+                      <a:noFill/>
+                    </a:lnR>
+                    <a:lnT>
+                      <a:noFill/>
+                    </a:lnT>
+                    <a:lnB>
+                      <a:noFill/>
+                    </a:lnB>
+                  </a:tcPr>
+                </a:tc>
+                <a:tc>
+                  <a:txBody>
+                    <a:bodyPr/>
+                    <a:lstStyle/>
+                    <a:p>
+                      <a:pPr algn="l" fontAlgn="b"/>
+                      <a:endParaRPr lang="en-US" sz="800" b="0" i="0" u="none" strike="noStrike">
+                        <a:solidFill>
+                          <a:srgbClr val="000000"/>
+                        </a:solidFill>
+                        <a:effectLst/>
+                        <a:latin typeface="Calibri" panose="020F0502020204030204" pitchFamily="34" charset="0"/>
+                      </a:endParaRPr>
+                    </a:p>
+                  </a:txBody>
+                  <a:tcPr marL="9525" marR="9525" marT="9525" marB="0" anchor="b">
+                    <a:lnL>
+                      <a:noFill/>
+                    </a:lnL>
+                    <a:lnR>
+                      <a:noFill/>
+                    </a:lnR>
+                    <a:lnT>
+                      <a:noFill/>
+                    </a:lnT>
+                    <a:lnB>
+                      <a:noFill/>
+                    </a:lnB>
+                  </a:tcPr>
+                </a:tc>
+                <a:tc>
+                  <a:txBody>
+                    <a:bodyPr/>
+                    <a:lstStyle/>
+                    <a:p>
+                      <a:pPr algn="l" fontAlgn="b"/>
+                      <a:r>
+                        <a:rPr lang="en-US" sz="800" b="0" i="0" u="none" strike="noStrike" dirty="0">
+                          <a:solidFill>
+                            <a:srgbClr val="000000"/>
+                          </a:solidFill>
+                          <a:effectLst/>
+                          <a:latin typeface="Calibri" panose="020F0502020204030204" pitchFamily="34" charset="0"/>
+                        </a:rPr>
+                        <a:t>             735,166.50 </a:t>
+                      </a:r>
+                    </a:p>
+                  </a:txBody>
+                  <a:tcPr marL="9525" marR="9525" marT="9525" marB="0" anchor="b">
+                    <a:lnL>
+                      <a:noFill/>
+                    </a:lnL>
+                    <a:lnR w="12700" cap="flat" cmpd="sng" algn="ctr">
+                      <a:solidFill>
+                        <a:srgbClr val="000000"/>
+                      </a:solidFill>
+                      <a:prstDash val="solid"/>
+                      <a:round/>
+                      <a:headEnd type="none" w="med" len="med"/>
+                      <a:tailEnd type="none" w="med" len="med"/>
+                    </a:lnR>
+                    <a:lnT>
+                      <a:noFill/>
+                    </a:lnT>
+                    <a:lnB>
+                      <a:noFill/>
+                    </a:lnB>
+                  </a:tcPr>
+                </a:tc>
+                <a:extLst>
+                  <a:ext uri="{0D108BD9-81ED-4DB2-BD59-A6C34878D82A}">
+                    <a16:rowId xmlns:a16="http://schemas.microsoft.com/office/drawing/2014/main" val="4166849019"/>
+                  </a:ext>
+                </a:extLst>
+              </a:tr>
+              <a:tr h="231232">
+                <a:tc>
+                  <a:txBody>
+                    <a:bodyPr/>
+                    <a:lstStyle/>
+                    <a:p>
+                      <a:pPr algn="r" fontAlgn="b"/>
+                      <a:r>
+                        <a:rPr lang="en-US" sz="800" b="0" i="0" u="none" strike="noStrike">
+                          <a:solidFill>
+                            <a:srgbClr val="000000"/>
+                          </a:solidFill>
+                          <a:effectLst/>
+                          <a:latin typeface="Calibri" panose="020F0502020204030204" pitchFamily="34" charset="0"/>
+                        </a:rPr>
+                        <a:t>28</a:t>
+                      </a:r>
+                    </a:p>
+                  </a:txBody>
+                  <a:tcPr marL="9525" marR="9525" marT="9525" marB="0" anchor="b">
+                    <a:lnL>
+                      <a:noFill/>
+                    </a:lnL>
+                    <a:lnR>
+                      <a:noFill/>
+                    </a:lnR>
+                    <a:lnT>
+                      <a:noFill/>
+                    </a:lnT>
+                    <a:lnB>
+                      <a:noFill/>
+                    </a:lnB>
+                  </a:tcPr>
+                </a:tc>
+                <a:tc>
+                  <a:txBody>
+                    <a:bodyPr/>
+                    <a:lstStyle/>
+                    <a:p>
+                      <a:pPr algn="l" fontAlgn="b"/>
+                      <a:r>
+                        <a:rPr lang="en-US" sz="800" b="0" i="0" u="none" strike="noStrike">
+                          <a:solidFill>
+                            <a:srgbClr val="000000"/>
+                          </a:solidFill>
+                          <a:effectLst/>
+                          <a:latin typeface="Calibri" panose="020F0502020204030204" pitchFamily="34" charset="0"/>
+                        </a:rPr>
+                        <a:t>          597,434.00 </a:t>
+                      </a:r>
+                    </a:p>
+                  </a:txBody>
+                  <a:tcPr marL="9525" marR="9525" marT="9525" marB="0" anchor="b">
+                    <a:lnL>
+                      <a:noFill/>
+                    </a:lnL>
+                    <a:lnR>
+                      <a:noFill/>
+                    </a:lnR>
+                    <a:lnT>
+                      <a:noFill/>
+                    </a:lnT>
+                    <a:lnB>
+                      <a:noFill/>
+                    </a:lnB>
+                  </a:tcPr>
+                </a:tc>
+                <a:tc>
+                  <a:txBody>
+                    <a:bodyPr/>
+                    <a:lstStyle/>
+                    <a:p>
+                      <a:pPr algn="l" fontAlgn="b"/>
+                      <a:endParaRPr lang="en-US" sz="800" b="0" i="0" u="none" strike="noStrike">
+                        <a:solidFill>
+                          <a:srgbClr val="000000"/>
+                        </a:solidFill>
+                        <a:effectLst/>
+                        <a:latin typeface="Calibri" panose="020F0502020204030204" pitchFamily="34" charset="0"/>
+                      </a:endParaRPr>
+                    </a:p>
+                  </a:txBody>
+                  <a:tcPr marL="9525" marR="9525" marT="9525" marB="0" anchor="b">
+                    <a:lnL>
+                      <a:noFill/>
+                    </a:lnL>
+                    <a:lnR>
+                      <a:noFill/>
+                    </a:lnR>
+                    <a:lnT>
+                      <a:noFill/>
+                    </a:lnT>
+                    <a:lnB>
+                      <a:noFill/>
+                    </a:lnB>
+                  </a:tcPr>
+                </a:tc>
+                <a:tc>
+                  <a:txBody>
+                    <a:bodyPr/>
+                    <a:lstStyle/>
+                    <a:p>
+                      <a:pPr algn="l" fontAlgn="b"/>
+                      <a:r>
+                        <a:rPr lang="en-US" sz="800" b="0" i="0" u="none" strike="noStrike">
+                          <a:solidFill>
+                            <a:srgbClr val="000000"/>
+                          </a:solidFill>
+                          <a:effectLst/>
+                          <a:latin typeface="Calibri" panose="020F0502020204030204" pitchFamily="34" charset="0"/>
+                        </a:rPr>
+                        <a:t>          845,836.50 </a:t>
+                      </a:r>
+                    </a:p>
+                  </a:txBody>
+                  <a:tcPr marL="9525" marR="9525" marT="9525" marB="0" anchor="b">
+                    <a:lnL>
+                      <a:noFill/>
+                    </a:lnL>
+                    <a:lnR>
+                      <a:noFill/>
+                    </a:lnR>
+                    <a:lnT>
+                      <a:noFill/>
+                    </a:lnT>
+                    <a:lnB>
+                      <a:noFill/>
+                    </a:lnB>
+                  </a:tcPr>
+                </a:tc>
+                <a:tc>
+                  <a:txBody>
+                    <a:bodyPr/>
+                    <a:lstStyle/>
+                    <a:p>
+                      <a:pPr algn="l" fontAlgn="b"/>
+                      <a:endParaRPr lang="en-US" sz="800" b="0" i="0" u="none" strike="noStrike">
+                        <a:solidFill>
+                          <a:srgbClr val="000000"/>
+                        </a:solidFill>
+                        <a:effectLst/>
+                        <a:latin typeface="Calibri" panose="020F0502020204030204" pitchFamily="34" charset="0"/>
+                      </a:endParaRPr>
+                    </a:p>
+                  </a:txBody>
+                  <a:tcPr marL="9525" marR="9525" marT="9525" marB="0" anchor="b">
+                    <a:lnL>
+                      <a:noFill/>
+                    </a:lnL>
+                    <a:lnR>
+                      <a:noFill/>
+                    </a:lnR>
+                    <a:lnT>
+                      <a:noFill/>
+                    </a:lnT>
+                    <a:lnB>
+                      <a:noFill/>
+                    </a:lnB>
+                  </a:tcPr>
+                </a:tc>
+                <a:tc>
+                  <a:txBody>
+                    <a:bodyPr/>
+                    <a:lstStyle/>
+                    <a:p>
+                      <a:pPr algn="l" fontAlgn="b"/>
+                      <a:r>
+                        <a:rPr lang="en-US" sz="800" b="0" i="0" u="none" strike="noStrike" dirty="0">
+                          <a:solidFill>
+                            <a:srgbClr val="000000"/>
+                          </a:solidFill>
+                          <a:effectLst/>
+                          <a:latin typeface="Calibri" panose="020F0502020204030204" pitchFamily="34" charset="0"/>
+                        </a:rPr>
+                        <a:t>             876,417.50 </a:t>
+                      </a:r>
+                    </a:p>
+                  </a:txBody>
+                  <a:tcPr marL="9525" marR="9525" marT="9525" marB="0" anchor="b">
+                    <a:lnL>
+                      <a:noFill/>
+                    </a:lnL>
+                    <a:lnR w="12700" cap="flat" cmpd="sng" algn="ctr">
+                      <a:solidFill>
+                        <a:srgbClr val="000000"/>
+                      </a:solidFill>
+                      <a:prstDash val="solid"/>
+                      <a:round/>
+                      <a:headEnd type="none" w="med" len="med"/>
+                      <a:tailEnd type="none" w="med" len="med"/>
+                    </a:lnR>
+                    <a:lnT>
+                      <a:noFill/>
+                    </a:lnT>
+                    <a:lnB>
+                      <a:noFill/>
+                    </a:lnB>
+                  </a:tcPr>
+                </a:tc>
+                <a:extLst>
+                  <a:ext uri="{0D108BD9-81ED-4DB2-BD59-A6C34878D82A}">
+                    <a16:rowId xmlns:a16="http://schemas.microsoft.com/office/drawing/2014/main" val="480039424"/>
+                  </a:ext>
+                </a:extLst>
+              </a:tr>
+              <a:tr h="231232">
+                <a:tc>
+                  <a:txBody>
+                    <a:bodyPr/>
+                    <a:lstStyle/>
+                    <a:p>
+                      <a:pPr algn="r" fontAlgn="b"/>
+                      <a:r>
+                        <a:rPr lang="en-US" sz="800" b="0" i="0" u="none" strike="noStrike">
+                          <a:solidFill>
+                            <a:srgbClr val="000000"/>
+                          </a:solidFill>
+                          <a:effectLst/>
+                          <a:latin typeface="Calibri" panose="020F0502020204030204" pitchFamily="34" charset="0"/>
+                        </a:rPr>
+                        <a:t>32</a:t>
+                      </a:r>
+                    </a:p>
+                  </a:txBody>
+                  <a:tcPr marL="9525" marR="9525" marT="9525" marB="0" anchor="b">
+                    <a:lnL>
+                      <a:noFill/>
+                    </a:lnL>
+                    <a:lnR>
+                      <a:noFill/>
+                    </a:lnR>
+                    <a:lnT>
+                      <a:noFill/>
+                    </a:lnT>
+                    <a:lnB w="12700" cap="flat" cmpd="sng" algn="ctr">
+                      <a:solidFill>
+                        <a:srgbClr val="000000"/>
+                      </a:solidFill>
+                      <a:prstDash val="solid"/>
+                      <a:round/>
+                      <a:headEnd type="none" w="med" len="med"/>
+                      <a:tailEnd type="none" w="med" len="med"/>
+                    </a:lnB>
+                  </a:tcPr>
+                </a:tc>
+                <a:tc>
+                  <a:txBody>
+                    <a:bodyPr/>
+                    <a:lstStyle/>
+                    <a:p>
+                      <a:pPr algn="l" fontAlgn="b"/>
+                      <a:r>
+                        <a:rPr lang="en-US" sz="800" b="0" i="0" u="none" strike="noStrike">
+                          <a:solidFill>
+                            <a:srgbClr val="000000"/>
+                          </a:solidFill>
+                          <a:effectLst/>
+                          <a:latin typeface="Calibri" panose="020F0502020204030204" pitchFamily="34" charset="0"/>
+                        </a:rPr>
+                        <a:t>          695,308.00 </a:t>
+                      </a:r>
+                    </a:p>
+                  </a:txBody>
+                  <a:tcPr marL="9525" marR="9525" marT="9525" marB="0" anchor="b">
+                    <a:lnL>
+                      <a:noFill/>
+                    </a:lnL>
+                    <a:lnR>
+                      <a:noFill/>
+                    </a:lnR>
+                    <a:lnT>
+                      <a:noFill/>
+                    </a:lnT>
+                    <a:lnB w="12700" cap="flat" cmpd="sng" algn="ctr">
+                      <a:solidFill>
+                        <a:srgbClr val="000000"/>
+                      </a:solidFill>
+                      <a:prstDash val="solid"/>
+                      <a:round/>
+                      <a:headEnd type="none" w="med" len="med"/>
+                      <a:tailEnd type="none" w="med" len="med"/>
+                    </a:lnB>
+                  </a:tcPr>
+                </a:tc>
+                <a:tc>
+                  <a:txBody>
+                    <a:bodyPr/>
+                    <a:lstStyle/>
+                    <a:p>
+                      <a:pPr algn="l" fontAlgn="b"/>
+                      <a:r>
+                        <a:rPr lang="en-US" sz="800" b="0" i="0" u="none" strike="noStrike">
+                          <a:solidFill>
+                            <a:srgbClr val="000000"/>
+                          </a:solidFill>
+                          <a:effectLst/>
+                          <a:latin typeface="Calibri" panose="020F0502020204030204" pitchFamily="34" charset="0"/>
+                        </a:rPr>
+                        <a:t> </a:t>
+                      </a:r>
+                    </a:p>
+                  </a:txBody>
+                  <a:tcPr marL="9525" marR="9525" marT="9525" marB="0" anchor="b">
+                    <a:lnL>
+                      <a:noFill/>
+                    </a:lnL>
+                    <a:lnR>
+                      <a:noFill/>
+                    </a:lnR>
+                    <a:lnT>
+                      <a:noFill/>
+                    </a:lnT>
+                    <a:lnB w="12700" cap="flat" cmpd="sng" algn="ctr">
+                      <a:solidFill>
+                        <a:srgbClr val="000000"/>
+                      </a:solidFill>
+                      <a:prstDash val="solid"/>
+                      <a:round/>
+                      <a:headEnd type="none" w="med" len="med"/>
+                      <a:tailEnd type="none" w="med" len="med"/>
+                    </a:lnB>
+                  </a:tcPr>
+                </a:tc>
+                <a:tc>
+                  <a:txBody>
+                    <a:bodyPr/>
+                    <a:lstStyle/>
+                    <a:p>
+                      <a:pPr algn="l" fontAlgn="b"/>
+                      <a:r>
+                        <a:rPr lang="en-US" sz="800" b="0" i="0" u="none" strike="noStrike">
+                          <a:solidFill>
+                            <a:srgbClr val="000000"/>
+                          </a:solidFill>
+                          <a:effectLst/>
+                          <a:latin typeface="Calibri" panose="020F0502020204030204" pitchFamily="34" charset="0"/>
+                        </a:rPr>
+                        <a:t>          975,660.00 </a:t>
+                      </a:r>
+                    </a:p>
+                  </a:txBody>
+                  <a:tcPr marL="9525" marR="9525" marT="9525" marB="0" anchor="b">
+                    <a:lnL>
+                      <a:noFill/>
+                    </a:lnL>
+                    <a:lnR>
+                      <a:noFill/>
+                    </a:lnR>
+                    <a:lnT>
+                      <a:noFill/>
+                    </a:lnT>
+                    <a:lnB w="12700" cap="flat" cmpd="sng" algn="ctr">
+                      <a:solidFill>
+                        <a:srgbClr val="000000"/>
+                      </a:solidFill>
+                      <a:prstDash val="solid"/>
+                      <a:round/>
+                      <a:headEnd type="none" w="med" len="med"/>
+                      <a:tailEnd type="none" w="med" len="med"/>
+                    </a:lnB>
+                  </a:tcPr>
+                </a:tc>
+                <a:tc>
+                  <a:txBody>
+                    <a:bodyPr/>
+                    <a:lstStyle/>
+                    <a:p>
+                      <a:pPr algn="l" fontAlgn="b"/>
+                      <a:r>
+                        <a:rPr lang="en-US" sz="800" b="0" i="0" u="none" strike="noStrike">
+                          <a:solidFill>
+                            <a:srgbClr val="000000"/>
+                          </a:solidFill>
+                          <a:effectLst/>
+                          <a:latin typeface="Calibri" panose="020F0502020204030204" pitchFamily="34" charset="0"/>
+                        </a:rPr>
+                        <a:t> </a:t>
+                      </a:r>
+                    </a:p>
+                  </a:txBody>
+                  <a:tcPr marL="9525" marR="9525" marT="9525" marB="0" anchor="b">
+                    <a:lnL>
+                      <a:noFill/>
+                    </a:lnL>
+                    <a:lnR>
+                      <a:noFill/>
+                    </a:lnR>
+                    <a:lnT>
+                      <a:noFill/>
+                    </a:lnT>
+                    <a:lnB w="12700" cap="flat" cmpd="sng" algn="ctr">
+                      <a:solidFill>
+                        <a:srgbClr val="000000"/>
+                      </a:solidFill>
+                      <a:prstDash val="solid"/>
+                      <a:round/>
+                      <a:headEnd type="none" w="med" len="med"/>
+                      <a:tailEnd type="none" w="med" len="med"/>
+                    </a:lnB>
+                  </a:tcPr>
+                </a:tc>
+                <a:tc>
+                  <a:txBody>
+                    <a:bodyPr/>
+                    <a:lstStyle/>
+                    <a:p>
+                      <a:pPr algn="l" fontAlgn="b"/>
+                      <a:r>
+                        <a:rPr lang="en-US" sz="800" b="0" i="0" u="none" strike="noStrike" dirty="0">
+                          <a:solidFill>
+                            <a:srgbClr val="ED7D31"/>
+                          </a:solidFill>
+                          <a:effectLst/>
+                          <a:latin typeface="Calibri" panose="020F0502020204030204" pitchFamily="34" charset="0"/>
+                        </a:rPr>
+                        <a:t>         1,007,395.00 </a:t>
+                      </a:r>
+                    </a:p>
+                  </a:txBody>
+                  <a:tcPr marL="9525" marR="9525" marT="9525" marB="0" anchor="b">
+                    <a:lnL>
+                      <a:noFill/>
+                    </a:lnL>
+                    <a:lnR w="12700" cap="flat" cmpd="sng" algn="ctr">
+                      <a:solidFill>
+                        <a:srgbClr val="000000"/>
+                      </a:solidFill>
+                      <a:prstDash val="solid"/>
+                      <a:round/>
+                      <a:headEnd type="none" w="med" len="med"/>
+                      <a:tailEnd type="none" w="med" len="med"/>
+                    </a:lnR>
+                    <a:lnT>
+                      <a:noFill/>
+                    </a:lnT>
+                    <a:lnB w="12700" cap="flat" cmpd="sng" algn="ctr">
+                      <a:solidFill>
+                        <a:srgbClr val="000000"/>
+                      </a:solidFill>
+                      <a:prstDash val="solid"/>
+                      <a:round/>
+                      <a:headEnd type="none" w="med" len="med"/>
+                      <a:tailEnd type="none" w="med" len="med"/>
+                    </a:lnB>
+                  </a:tcPr>
+                </a:tc>
+                <a:extLst>
+                  <a:ext uri="{0D108BD9-81ED-4DB2-BD59-A6C34878D82A}">
+                    <a16:rowId xmlns:a16="http://schemas.microsoft.com/office/drawing/2014/main" val="4161579444"/>
+                  </a:ext>
+                </a:extLst>
+              </a:tr>
+            </a:tbl>
+          </a:graphicData>
+        </a:graphic>
+      </p:graphicFrame>
+    </p:spTree>
+    <p:extLst>
+      <p:ext uri="{BB962C8B-B14F-4D97-AF65-F5344CB8AC3E}">
+        <p14:creationId xmlns:p14="http://schemas.microsoft.com/office/powerpoint/2010/main" val="4059628064"/>
+      </p:ext>
+    </p:extLst>
+  </p:cSld>
+  <p:clrMapOvr>
+    <a:masterClrMapping/>
+  </p:clrMapOvr>
+</p:sld>
+</file>
+
+<file path=ppt/slides/slide12.xml><?xml version="1.0" encoding="utf-8"?>
+<p:sld xmlns:a="http://schemas.openxmlformats.org/drawingml/2006/main" xmlns:r="http://schemas.openxmlformats.org/officeDocument/2006/relationships" xmlns:p="http://schemas.openxmlformats.org/presentationml/2006/main">
+  <p:cSld>
+    <p:spTree>
+      <p:nvGrpSpPr>
+        <p:cNvPr id="1" name=""/>
+        <p:cNvGrpSpPr/>
+        <p:nvPr/>
+      </p:nvGrpSpPr>
+      <p:grpSpPr>
+        <a:xfrm>
+          <a:off x="0" y="0"/>
+          <a:ext cx="0" cy="0"/>
+          <a:chOff x="0" y="0"/>
+          <a:chExt cx="0" cy="0"/>
+        </a:xfrm>
+      </p:grpSpPr>
+      <p:sp>
+        <p:nvSpPr>
+          <p:cNvPr id="2" name="Title 1">
+            <a:extLst>
+              <a:ext uri="{FF2B5EF4-FFF2-40B4-BE49-F238E27FC236}">
+                <a16:creationId xmlns:a16="http://schemas.microsoft.com/office/drawing/2014/main" id="{D7390A5D-F6E1-4664-8CF3-9E50885D9BDB}"/>
+              </a:ext>
+            </a:extLst>
+          </p:cNvPr>
+          <p:cNvSpPr>
+            <a:spLocks noGrp="1"/>
+          </p:cNvSpPr>
+          <p:nvPr>
+            <p:ph type="title"/>
+          </p:nvPr>
+        </p:nvSpPr>
+        <p:spPr/>
+        <p:txBody>
+          <a:bodyPr/>
+          <a:lstStyle/>
+          <a:p>
+            <a:pPr>
+              <a:lnSpc>
+                <a:spcPct val="150000"/>
+              </a:lnSpc>
+              <a:spcBef>
+                <a:spcPts val="0"/>
+              </a:spcBef>
+            </a:pPr>
+            <a:r>
+              <a:rPr lang="en-US" dirty="0"/>
+              <a:t>Conclusion </a:t>
+            </a:r>
+            <a:r>
+              <a:rPr lang="en-US" altLang="zh-CN" dirty="0"/>
+              <a:t>&amp; </a:t>
+            </a:r>
+            <a:r>
+              <a:rPr lang="en-US" dirty="0"/>
+              <a:t>Next Steps</a:t>
+            </a:r>
+          </a:p>
+        </p:txBody>
+      </p:sp>
+      <p:sp>
+        <p:nvSpPr>
+          <p:cNvPr id="3" name="Content Placeholder 2">
+            <a:extLst>
+              <a:ext uri="{FF2B5EF4-FFF2-40B4-BE49-F238E27FC236}">
+                <a16:creationId xmlns:a16="http://schemas.microsoft.com/office/drawing/2014/main" id="{22CA78A2-11A2-4E69-BC2F-0D9D4A952D53}"/>
+              </a:ext>
+            </a:extLst>
+          </p:cNvPr>
+          <p:cNvSpPr>
+            <a:spLocks noGrp="1"/>
+          </p:cNvSpPr>
+          <p:nvPr>
+            <p:ph sz="quarter" idx="13"/>
+          </p:nvPr>
+        </p:nvSpPr>
+        <p:spPr>
+          <a:xfrm>
+            <a:off x="468734" y="1796456"/>
+            <a:ext cx="10629901" cy="4266087"/>
+          </a:xfrm>
+        </p:spPr>
+        <p:txBody>
+          <a:bodyPr>
+            <a:normAutofit/>
+          </a:bodyPr>
+          <a:lstStyle/>
+          <a:p>
+            <a:pPr marL="514350" indent="-285750">
+              <a:lnSpc>
+                <a:spcPct val="150000"/>
+              </a:lnSpc>
+              <a:spcBef>
+                <a:spcPts val="100"/>
+              </a:spcBef>
+            </a:pPr>
+            <a:r>
+              <a:rPr lang="en-US" sz="1800" dirty="0">
+                <a:latin typeface="Intel Clear Light"/>
+              </a:rPr>
+              <a:t>Conclusion:</a:t>
+            </a:r>
+          </a:p>
+          <a:p>
+            <a:pPr marL="603250" lvl="1" indent="-171450">
+              <a:lnSpc>
+                <a:spcPct val="150000"/>
+              </a:lnSpc>
+              <a:spcBef>
+                <a:spcPts val="100"/>
+              </a:spcBef>
+            </a:pPr>
+            <a:r>
+              <a:rPr lang="en-US" sz="1600" dirty="0">
+                <a:solidFill>
+                  <a:srgbClr val="0071C5"/>
+                </a:solidFill>
+                <a:latin typeface="Intel Clear Light"/>
+              </a:rPr>
+              <a:t>Either compute-intensive or memory-intensive operations, TDVM has no significant performance drop compared to Legacy VM</a:t>
+            </a:r>
+          </a:p>
+          <a:p>
+            <a:pPr marL="603250" lvl="1" indent="-171450">
+              <a:lnSpc>
+                <a:spcPct val="150000"/>
+              </a:lnSpc>
+              <a:spcBef>
+                <a:spcPts val="100"/>
+              </a:spcBef>
+            </a:pPr>
+            <a:r>
+              <a:rPr lang="en-US" sz="1600" dirty="0">
+                <a:solidFill>
+                  <a:srgbClr val="0071C5"/>
+                </a:solidFill>
+                <a:latin typeface="Intel Clear Light"/>
+              </a:rPr>
+              <a:t>In multi-process switching scenarios, TDVM performance drops about 40%</a:t>
+            </a:r>
+          </a:p>
+          <a:p>
+            <a:pPr lvl="1" indent="0">
+              <a:lnSpc>
+                <a:spcPct val="150000"/>
+              </a:lnSpc>
+              <a:spcBef>
+                <a:spcPts val="100"/>
+              </a:spcBef>
+              <a:buNone/>
+            </a:pPr>
+            <a:endParaRPr lang="en-US" sz="1600" dirty="0">
+              <a:solidFill>
+                <a:srgbClr val="0071C5"/>
+              </a:solidFill>
+              <a:latin typeface="Intel Clear Light"/>
+            </a:endParaRPr>
+          </a:p>
+          <a:p>
+            <a:pPr marL="514350" indent="-285750">
+              <a:lnSpc>
+                <a:spcPct val="150000"/>
+              </a:lnSpc>
+              <a:spcBef>
+                <a:spcPts val="100"/>
+              </a:spcBef>
+            </a:pPr>
+            <a:r>
+              <a:rPr lang="en-US" sz="1800" dirty="0">
+                <a:latin typeface="Intel Clear Light"/>
+              </a:rPr>
+              <a:t>Next step: </a:t>
+            </a:r>
+          </a:p>
+          <a:p>
+            <a:pPr marL="717550" lvl="1" indent="-285750">
+              <a:lnSpc>
+                <a:spcPct val="150000"/>
+              </a:lnSpc>
+              <a:spcBef>
+                <a:spcPts val="100"/>
+              </a:spcBef>
+            </a:pPr>
+            <a:r>
+              <a:rPr lang="en-US" sz="1600" dirty="0">
+                <a:solidFill>
+                  <a:srgbClr val="0071C5"/>
+                </a:solidFill>
+                <a:latin typeface="Intel Clear Light"/>
+              </a:rPr>
+              <a:t>Research the root cause of the performance drop</a:t>
+            </a:r>
+          </a:p>
+          <a:p>
+            <a:pPr marL="228600" lvl="1" indent="0">
+              <a:buNone/>
+            </a:pPr>
+            <a:endParaRPr lang="en-US" altLang="zh-CN" dirty="0">
+              <a:solidFill>
+                <a:schemeClr val="bg2"/>
+              </a:solidFill>
+            </a:endParaRPr>
+          </a:p>
+        </p:txBody>
+      </p:sp>
+      <p:sp>
+        <p:nvSpPr>
+          <p:cNvPr id="4" name="Slide Number Placeholder 4">
+            <a:extLst>
+              <a:ext uri="{FF2B5EF4-FFF2-40B4-BE49-F238E27FC236}">
+                <a16:creationId xmlns:a16="http://schemas.microsoft.com/office/drawing/2014/main" id="{4F4EE8EB-261B-4564-8313-A5A6CAFCA12A}"/>
+              </a:ext>
+            </a:extLst>
+          </p:cNvPr>
+          <p:cNvSpPr txBox="1">
+            <a:spLocks/>
+          </p:cNvSpPr>
+          <p:nvPr/>
+        </p:nvSpPr>
+        <p:spPr>
+          <a:xfrm>
+            <a:off x="11717893" y="6441840"/>
+            <a:ext cx="536700" cy="416160"/>
+          </a:xfrm>
+          <a:prstGeom prst="rect">
+            <a:avLst/>
+          </a:prstGeom>
+        </p:spPr>
+        <p:txBody>
+          <a:bodyPr lIns="91440" tIns="45720" rIns="91440" bIns="45720" anchor="t"/>
+          <a:lstStyle>
+            <a:defPPr marL="0" marR="0" indent="0" algn="l" defTabSz="457200" rtl="0" fontAlgn="auto" latinLnBrk="1" hangingPunct="0">
+              <a:lnSpc>
+                <a:spcPct val="100000"/>
+              </a:lnSpc>
+              <a:spcBef>
+                <a:spcPts val="0"/>
+              </a:spcBef>
+              <a:spcAft>
+                <a:spcPts val="0"/>
+              </a:spcAft>
+              <a:buClrTx/>
+              <a:buSzTx/>
+              <a:buFontTx/>
+              <a:buNone/>
+              <a:tabLst/>
+              <a:defRPr kumimoji="0" sz="900" b="0" i="0" u="none" strike="noStrike" cap="none" spc="0" normalizeH="0" baseline="0">
+                <a:ln>
+                  <a:noFill/>
+                </a:ln>
+                <a:solidFill>
+                  <a:srgbClr val="000000"/>
+                </a:solidFill>
+                <a:effectLst/>
+                <a:uFillTx/>
+              </a:defRPr>
+            </a:defPPr>
+            <a:lvl1pPr marL="0" marR="0" indent="0" algn="l" defTabSz="1219169" rtl="0" fontAlgn="auto" latinLnBrk="0" hangingPunct="0">
+              <a:lnSpc>
+                <a:spcPct val="90000"/>
+              </a:lnSpc>
+              <a:spcBef>
+                <a:spcPts val="2250"/>
+              </a:spcBef>
+              <a:spcAft>
+                <a:spcPts val="0"/>
+              </a:spcAft>
+              <a:buClrTx/>
+              <a:buSzTx/>
+              <a:buFontTx/>
+              <a:buNone/>
+              <a:tabLst/>
+              <a:defRPr kumimoji="0" sz="2400" b="0" i="0" u="none" strike="noStrike" cap="none" spc="0" normalizeH="0" baseline="0">
+                <a:ln>
+                  <a:noFill/>
+                </a:ln>
+                <a:solidFill>
+                  <a:srgbClr val="000000"/>
+                </a:solidFill>
+                <a:effectLst/>
+                <a:uFillTx/>
+                <a:latin typeface="+mn-lt"/>
+                <a:ea typeface="+mn-ea"/>
+                <a:cs typeface="+mn-cs"/>
+                <a:sym typeface="Helvetica Neue"/>
+              </a:defRPr>
+            </a:lvl1pPr>
+            <a:lvl2pPr marL="0" marR="0" indent="0" algn="l" defTabSz="1219169" rtl="0" fontAlgn="auto" latinLnBrk="0" hangingPunct="0">
+              <a:lnSpc>
+                <a:spcPct val="90000"/>
+              </a:lnSpc>
+              <a:spcBef>
+                <a:spcPts val="2250"/>
+              </a:spcBef>
+              <a:spcAft>
+                <a:spcPts val="0"/>
+              </a:spcAft>
+              <a:buClrTx/>
+              <a:buSzTx/>
+              <a:buFontTx/>
+              <a:buNone/>
+              <a:tabLst/>
+              <a:defRPr kumimoji="0" sz="2400" b="0" i="0" u="none" strike="noStrike" cap="none" spc="0" normalizeH="0" baseline="0">
+                <a:ln>
+                  <a:noFill/>
+                </a:ln>
+                <a:solidFill>
+                  <a:srgbClr val="000000"/>
+                </a:solidFill>
+                <a:effectLst/>
+                <a:uFillTx/>
+                <a:latin typeface="+mn-lt"/>
+                <a:ea typeface="+mn-ea"/>
+                <a:cs typeface="+mn-cs"/>
+                <a:sym typeface="Helvetica Neue"/>
+              </a:defRPr>
+            </a:lvl2pPr>
+            <a:lvl3pPr marL="0" marR="0" indent="0" algn="l" defTabSz="1219169" rtl="0" fontAlgn="auto" latinLnBrk="0" hangingPunct="0">
+              <a:lnSpc>
+                <a:spcPct val="90000"/>
+              </a:lnSpc>
+              <a:spcBef>
+                <a:spcPts val="2250"/>
+              </a:spcBef>
+              <a:spcAft>
+                <a:spcPts val="0"/>
+              </a:spcAft>
+              <a:buClrTx/>
+              <a:buSzTx/>
+              <a:buFontTx/>
+              <a:buNone/>
+              <a:tabLst/>
+              <a:defRPr kumimoji="0" sz="2400" b="0" i="0" u="none" strike="noStrike" cap="none" spc="0" normalizeH="0" baseline="0">
+                <a:ln>
+                  <a:noFill/>
+                </a:ln>
+                <a:solidFill>
+                  <a:srgbClr val="000000"/>
+                </a:solidFill>
+                <a:effectLst/>
+                <a:uFillTx/>
+                <a:latin typeface="+mn-lt"/>
+                <a:ea typeface="+mn-ea"/>
+                <a:cs typeface="+mn-cs"/>
+                <a:sym typeface="Helvetica Neue"/>
+              </a:defRPr>
+            </a:lvl3pPr>
+            <a:lvl4pPr marL="0" marR="0" indent="0" algn="l" defTabSz="1219169" rtl="0" fontAlgn="auto" latinLnBrk="0" hangingPunct="0">
+              <a:lnSpc>
+                <a:spcPct val="90000"/>
+              </a:lnSpc>
+              <a:spcBef>
+                <a:spcPts val="2250"/>
+              </a:spcBef>
+              <a:spcAft>
+                <a:spcPts val="0"/>
+              </a:spcAft>
+              <a:buClrTx/>
+              <a:buSzTx/>
+              <a:buFontTx/>
+              <a:buNone/>
+              <a:tabLst/>
+              <a:defRPr kumimoji="0" sz="2400" b="0" i="0" u="none" strike="noStrike" cap="none" spc="0" normalizeH="0" baseline="0">
+                <a:ln>
+                  <a:noFill/>
+                </a:ln>
+                <a:solidFill>
+                  <a:srgbClr val="000000"/>
+                </a:solidFill>
+                <a:effectLst/>
+                <a:uFillTx/>
+                <a:latin typeface="+mn-lt"/>
+                <a:ea typeface="+mn-ea"/>
+                <a:cs typeface="+mn-cs"/>
+                <a:sym typeface="Helvetica Neue"/>
+              </a:defRPr>
+            </a:lvl4pPr>
+            <a:lvl5pPr marL="0" marR="0" indent="0" algn="l" defTabSz="1219169" rtl="0" fontAlgn="auto" latinLnBrk="0" hangingPunct="0">
+              <a:lnSpc>
+                <a:spcPct val="90000"/>
+              </a:lnSpc>
+              <a:spcBef>
+                <a:spcPts val="2250"/>
+              </a:spcBef>
+              <a:spcAft>
+                <a:spcPts val="0"/>
+              </a:spcAft>
+              <a:buClrTx/>
+              <a:buSzTx/>
+              <a:buFontTx/>
+              <a:buNone/>
+              <a:tabLst/>
+              <a:defRPr kumimoji="0" sz="2400" b="0" i="0" u="none" strike="noStrike" cap="none" spc="0" normalizeH="0" baseline="0">
+                <a:ln>
+                  <a:noFill/>
+                </a:ln>
+                <a:solidFill>
+                  <a:srgbClr val="000000"/>
+                </a:solidFill>
+                <a:effectLst/>
+                <a:uFillTx/>
+                <a:latin typeface="+mn-lt"/>
+                <a:ea typeface="+mn-ea"/>
+                <a:cs typeface="+mn-cs"/>
+                <a:sym typeface="Helvetica Neue"/>
+              </a:defRPr>
+            </a:lvl5pPr>
+            <a:lvl6pPr marL="0" marR="0" indent="0" algn="l" defTabSz="1219169" rtl="0" fontAlgn="auto" latinLnBrk="0" hangingPunct="0">
+              <a:lnSpc>
+                <a:spcPct val="90000"/>
+              </a:lnSpc>
+              <a:spcBef>
+                <a:spcPts val="2250"/>
+              </a:spcBef>
+              <a:spcAft>
+                <a:spcPts val="0"/>
+              </a:spcAft>
+              <a:buClrTx/>
+              <a:buSzTx/>
+              <a:buFontTx/>
+              <a:buNone/>
+              <a:tabLst/>
+              <a:defRPr kumimoji="0" sz="2400" b="0" i="0" u="none" strike="noStrike" cap="none" spc="0" normalizeH="0" baseline="0">
+                <a:ln>
+                  <a:noFill/>
+                </a:ln>
+                <a:solidFill>
+                  <a:srgbClr val="000000"/>
+                </a:solidFill>
+                <a:effectLst/>
+                <a:uFillTx/>
+                <a:latin typeface="+mn-lt"/>
+                <a:ea typeface="+mn-ea"/>
+                <a:cs typeface="+mn-cs"/>
+                <a:sym typeface="Helvetica Neue"/>
+              </a:defRPr>
+            </a:lvl6pPr>
+            <a:lvl7pPr marL="0" marR="0" indent="0" algn="l" defTabSz="1219169" rtl="0" fontAlgn="auto" latinLnBrk="0" hangingPunct="0">
+              <a:lnSpc>
+                <a:spcPct val="90000"/>
+              </a:lnSpc>
+              <a:spcBef>
+                <a:spcPts val="2250"/>
+              </a:spcBef>
+              <a:spcAft>
+                <a:spcPts val="0"/>
+              </a:spcAft>
+              <a:buClrTx/>
+              <a:buSzTx/>
+              <a:buFontTx/>
+              <a:buNone/>
+              <a:tabLst/>
+              <a:defRPr kumimoji="0" sz="2400" b="0" i="0" u="none" strike="noStrike" cap="none" spc="0" normalizeH="0" baseline="0">
+                <a:ln>
+                  <a:noFill/>
+                </a:ln>
+                <a:solidFill>
+                  <a:srgbClr val="000000"/>
+                </a:solidFill>
+                <a:effectLst/>
+                <a:uFillTx/>
+                <a:latin typeface="+mn-lt"/>
+                <a:ea typeface="+mn-ea"/>
+                <a:cs typeface="+mn-cs"/>
+                <a:sym typeface="Helvetica Neue"/>
+              </a:defRPr>
+            </a:lvl7pPr>
+            <a:lvl8pPr marL="0" marR="0" indent="0" algn="l" defTabSz="1219169" rtl="0" fontAlgn="auto" latinLnBrk="0" hangingPunct="0">
+              <a:lnSpc>
+                <a:spcPct val="90000"/>
+              </a:lnSpc>
+              <a:spcBef>
+                <a:spcPts val="2250"/>
+              </a:spcBef>
+              <a:spcAft>
+                <a:spcPts val="0"/>
+              </a:spcAft>
+              <a:buClrTx/>
+              <a:buSzTx/>
+              <a:buFontTx/>
+              <a:buNone/>
+              <a:tabLst/>
+              <a:defRPr kumimoji="0" sz="2400" b="0" i="0" u="none" strike="noStrike" cap="none" spc="0" normalizeH="0" baseline="0">
+                <a:ln>
+                  <a:noFill/>
+                </a:ln>
+                <a:solidFill>
+                  <a:srgbClr val="000000"/>
+                </a:solidFill>
+                <a:effectLst/>
+                <a:uFillTx/>
+                <a:latin typeface="+mn-lt"/>
+                <a:ea typeface="+mn-ea"/>
+                <a:cs typeface="+mn-cs"/>
+                <a:sym typeface="Helvetica Neue"/>
+              </a:defRPr>
+            </a:lvl8pPr>
+            <a:lvl9pPr marL="0" marR="0" indent="0" algn="l" defTabSz="1219169" rtl="0" fontAlgn="auto" latinLnBrk="0" hangingPunct="0">
+              <a:lnSpc>
+                <a:spcPct val="90000"/>
+              </a:lnSpc>
+              <a:spcBef>
+                <a:spcPts val="2250"/>
+              </a:spcBef>
+              <a:spcAft>
+                <a:spcPts val="0"/>
+              </a:spcAft>
+              <a:buClrTx/>
+              <a:buSzTx/>
+              <a:buFontTx/>
+              <a:buNone/>
+              <a:tabLst/>
+              <a:defRPr kumimoji="0" sz="2400" b="0" i="0" u="none" strike="noStrike" cap="none" spc="0" normalizeH="0" baseline="0">
+                <a:ln>
+                  <a:noFill/>
+                </a:ln>
+                <a:solidFill>
+                  <a:srgbClr val="000000"/>
+                </a:solidFill>
+                <a:effectLst/>
+                <a:uFillTx/>
+                <a:latin typeface="+mn-lt"/>
+                <a:ea typeface="+mn-ea"/>
+                <a:cs typeface="+mn-cs"/>
+                <a:sym typeface="Helvetica Neue"/>
+              </a:defRPr>
+            </a:lvl9pPr>
+          </a:lstStyle>
+          <a:p>
+            <a:fld id="{EE2556C5-CE8C-6547-B838-EA80C61A4AF7}" type="slidenum">
+              <a:rPr lang="en-US" sz="2000" dirty="0" smtClean="0">
+                <a:solidFill>
+                  <a:schemeClr val="bg1"/>
+                </a:solidFill>
+                <a:latin typeface="Intel Clear"/>
+                <a:cs typeface="Intel Clear"/>
+              </a:rPr>
+              <a:pPr/>
+              <a:t>12</a:t>
+            </a:fld>
+            <a:endParaRPr lang="en-US" sz="2000" dirty="0">
+              <a:solidFill>
+                <a:schemeClr val="bg1"/>
+              </a:solidFill>
+              <a:latin typeface="Intel Clear"/>
+              <a:cs typeface="Intel Clear"/>
+            </a:endParaRPr>
+          </a:p>
+        </p:txBody>
+      </p:sp>
+    </p:spTree>
+    <p:extLst>
+      <p:ext uri="{BB962C8B-B14F-4D97-AF65-F5344CB8AC3E}">
+        <p14:creationId xmlns:p14="http://schemas.microsoft.com/office/powerpoint/2010/main" val="568901942"/>
+      </p:ext>
+    </p:extLst>
+  </p:cSld>
+  <p:clrMapOvr>
+    <a:masterClrMapping/>
+  </p:clrMapOvr>
+</p:sld>
+</file>
+
+<file path=ppt/slides/slide13.xml><?xml version="1.0" encoding="utf-8"?>
+<p:sld xmlns:a="http://schemas.openxmlformats.org/drawingml/2006/main" xmlns:r="http://schemas.openxmlformats.org/officeDocument/2006/relationships" xmlns:p="http://schemas.openxmlformats.org/presentationml/2006/main">
+  <p:cSld>
+    <p:spTree>
+      <p:nvGrpSpPr>
+        <p:cNvPr id="1" name=""/>
+        <p:cNvGrpSpPr/>
+        <p:nvPr/>
+      </p:nvGrpSpPr>
+      <p:grpSpPr>
+        <a:xfrm>
+          <a:off x="0" y="0"/>
+          <a:ext cx="0" cy="0"/>
+          <a:chOff x="0" y="0"/>
+          <a:chExt cx="0" cy="0"/>
+        </a:xfrm>
+      </p:grpSpPr>
+      <p:sp>
+        <p:nvSpPr>
+          <p:cNvPr id="2" name="Title 1">
+            <a:extLst>
+              <a:ext uri="{FF2B5EF4-FFF2-40B4-BE49-F238E27FC236}">
                 <a16:creationId xmlns:a16="http://schemas.microsoft.com/office/drawing/2014/main" id="{99910EA7-9284-4B6C-9802-E973E20DA2A0}"/>
               </a:ext>
             </a:extLst>
@@ -22843,7 +27390,7 @@
                 <a:cs typeface="Intel Clear"/>
               </a:rPr>
               <a:pPr/>
-              <a:t>10</a:t>
+              <a:t>13</a:t>
             </a:fld>
             <a:endParaRPr lang="en-US" sz="1400" dirty="0">
               <a:solidFill>
@@ -25899,14 +30446,14 @@
           <p:nvPr>
             <p:extLst>
               <p:ext uri="{D42A27DB-BD31-4B8C-83A1-F6EECF244321}">
-                <p14:modId xmlns:p14="http://schemas.microsoft.com/office/powerpoint/2010/main" val="2412752991"/>
+                <p14:modId xmlns:p14="http://schemas.microsoft.com/office/powerpoint/2010/main" val="3894851072"/>
               </p:ext>
             </p:extLst>
           </p:nvPr>
         </p:nvGraphicFramePr>
         <p:xfrm>
           <a:off x="537335" y="646162"/>
-          <a:ext cx="10519969" cy="4906518"/>
+          <a:ext cx="10519969" cy="4790948"/>
         </p:xfrm>
         <a:graphic>
           <a:graphicData uri="http://schemas.openxmlformats.org/drawingml/2006/table">
@@ -25915,14 +30462,14 @@
                 <a:tableStyleId>{5940675A-B579-460E-94D1-54222C63F5DA}</a:tableStyleId>
               </a:tblPr>
               <a:tblGrid>
-                <a:gridCol w="2545263">
+                <a:gridCol w="2373645">
                   <a:extLst>
                     <a:ext uri="{9D8B030D-6E8A-4147-A177-3AD203B41FA5}">
                       <a16:colId xmlns:a16="http://schemas.microsoft.com/office/drawing/2014/main" val="3486151854"/>
                     </a:ext>
                   </a:extLst>
                 </a:gridCol>
-                <a:gridCol w="2723672">
+                <a:gridCol w="2895290">
                   <a:extLst>
                     <a:ext uri="{9D8B030D-6E8A-4147-A177-3AD203B41FA5}">
                       <a16:colId xmlns:a16="http://schemas.microsoft.com/office/drawing/2014/main" val="687044953"/>
@@ -27308,7 +31855,7 @@
                         </a:spcAft>
                       </a:pPr>
                       <a:r>
-                        <a:rPr lang="en-US" sz="1000" spc="0" baseline="0">
+                        <a:rPr lang="en-US" sz="1000" spc="0" baseline="0" dirty="0">
                           <a:solidFill>
                             <a:schemeClr val="bg1"/>
                           </a:solidFill>
@@ -27316,7 +31863,7 @@
                         </a:rPr>
                         <a:t>Kernel</a:t>
                       </a:r>
-                      <a:endParaRPr lang="en-US" sz="1000">
+                      <a:endParaRPr lang="en-US" sz="1000" dirty="0">
                         <a:solidFill>
                           <a:schemeClr val="bg1"/>
                         </a:solidFill>
@@ -39842,7 +44389,7 @@
         <p:spPr>
           <a:xfrm>
             <a:off x="7577208" y="3640822"/>
-            <a:ext cx="4140685" cy="2147502"/>
+            <a:ext cx="4007309" cy="2147502"/>
           </a:xfrm>
           <a:prstGeom prst="rect">
             <a:avLst/>
@@ -40102,22 +44649,13 @@
               <a:buChar char="q"/>
             </a:pPr>
             <a:r>
-              <a:rPr lang="en-US" altLang="zh-CN" sz="1200" dirty="0" err="1">
-                <a:solidFill>
-                  <a:srgbClr val="0071C5"/>
-                </a:solidFill>
-                <a:latin typeface="Intel Clear Light"/>
-              </a:rPr>
-              <a:t>Perfmance</a:t>
-            </a:r>
-            <a:r>
               <a:rPr lang="en-US" altLang="zh-CN" sz="1200" dirty="0">
                 <a:solidFill>
                   <a:srgbClr val="0071C5"/>
                 </a:solidFill>
                 <a:latin typeface="Intel Clear Light"/>
               </a:rPr>
-              <a:t> </a:t>
+              <a:t>Performance </a:t>
             </a:r>
             <a:r>
               <a:rPr lang="zh-CN" altLang="en-US" sz="1200" dirty="0">
@@ -40254,6 +44792,48 @@
               </a:rPr>
               <a:t>”, the performance of legacy VM is better than BM</a:t>
             </a:r>
+          </a:p>
+          <a:p>
+            <a:pPr>
+              <a:buFont typeface="Wingdings" panose="05000000000000000000" pitchFamily="2" charset="2"/>
+              <a:buChar char="q"/>
+            </a:pPr>
+            <a:r>
+              <a:rPr lang="zh-CN" altLang="en-US" sz="1200" dirty="0">
+                <a:latin typeface="Intel Clear Light"/>
+              </a:rPr>
+              <a:t>改小数位数</a:t>
+            </a:r>
+            <a:r>
+              <a:rPr lang="en-US" altLang="zh-CN" sz="1200" dirty="0">
+                <a:latin typeface="Intel Clear Light"/>
+              </a:rPr>
+              <a:t>3</a:t>
+            </a:r>
+            <a:r>
+              <a:rPr lang="zh-CN" altLang="en-US" sz="1200" dirty="0">
+                <a:latin typeface="Intel Clear Light"/>
+              </a:rPr>
+              <a:t>位，</a:t>
+            </a:r>
+            <a:r>
+              <a:rPr lang="en-US" altLang="zh-CN" sz="1200" dirty="0">
+                <a:latin typeface="Intel Clear Light"/>
+              </a:rPr>
+              <a:t>CV </a:t>
+            </a:r>
+            <a:r>
+              <a:rPr lang="zh-CN" altLang="en-US" sz="1200">
+                <a:latin typeface="Intel Clear Light"/>
+              </a:rPr>
+              <a:t>用百分号</a:t>
+            </a:r>
+            <a:endParaRPr lang="en-US" sz="1200" dirty="0">
+              <a:solidFill>
+                <a:srgbClr val="0071C5"/>
+              </a:solidFill>
+              <a:latin typeface="Intel Clear Light"/>
+            </a:endParaRPr>
           </a:p>
           <a:p>
             <a:pPr marL="0" indent="0">
@@ -43425,22 +48005,13 @@
               <a:buChar char="q"/>
             </a:pPr>
             <a:r>
-              <a:rPr lang="en-US" altLang="zh-CN" sz="1200" dirty="0" err="1">
-                <a:solidFill>
-                  <a:srgbClr val="0071C5"/>
-                </a:solidFill>
-                <a:latin typeface="Intel Clear Light"/>
-              </a:rPr>
-              <a:t>Perfmance</a:t>
-            </a:r>
-            <a:r>
               <a:rPr lang="en-US" altLang="zh-CN" sz="1200" dirty="0">
                 <a:solidFill>
                   <a:srgbClr val="0071C5"/>
                 </a:solidFill>
                 <a:latin typeface="Intel Clear Light"/>
               </a:rPr>
-              <a:t> </a:t>
+              <a:t>Performance </a:t>
             </a:r>
             <a:r>
               <a:rPr lang="zh-CN" altLang="en-US" sz="1200" dirty="0">
@@ -43503,18 +48074,9 @@
                 </a:solidFill>
                 <a:latin typeface="Intel Clear Light"/>
               </a:rPr>
-              <a:t>表示性能</a:t>
+              <a:t>表示性能更优</a:t>
             </a:r>
-            <a:r>
-              <a:rPr lang="zh-CN" altLang="en-US" sz="1200">
-                <a:solidFill>
-                  <a:srgbClr val="0071C5"/>
-                </a:solidFill>
-                <a:latin typeface="Intel Clear Light"/>
-              </a:rPr>
-              <a:t>更优</a:t>
-            </a:r>
-            <a:endParaRPr lang="en-US" sz="1200">
+            <a:endParaRPr lang="en-US" sz="1200" dirty="0">
               <a:solidFill>
                 <a:srgbClr val="0071C5"/>
               </a:solidFill>
@@ -43695,176 +48257,25 @@
             <p:ph type="title"/>
           </p:nvPr>
         </p:nvSpPr>
-        <p:spPr/>
+        <p:spPr>
+          <a:xfrm>
+            <a:off x="611717" y="252406"/>
+            <a:ext cx="10972800" cy="618862"/>
+          </a:xfrm>
+        </p:spPr>
         <p:txBody>
           <a:bodyPr/>
           <a:lstStyle/>
           <a:p>
-            <a:pPr>
-              <a:lnSpc>
-                <a:spcPct val="150000"/>
-              </a:lnSpc>
-              <a:spcBef>
-                <a:spcPts val="0"/>
-              </a:spcBef>
-            </a:pPr>
             <a:r>
-              <a:rPr lang="en-US" dirty="0"/>
-              <a:t>Conclusion </a:t>
+              <a:rPr lang="en-US" altLang="zh-CN" sz="4000" dirty="0"/>
+              <a:t>Performance Data: </a:t>
             </a:r>
             <a:r>
               <a:rPr lang="en-US" altLang="zh-CN" dirty="0"/>
-              <a:t>&amp; </a:t>
+              <a:t>Analysis 1</a:t>
             </a:r>
-            <a:r>
-              <a:rPr lang="en-US" dirty="0"/>
-              <a:t>Next Steps</a:t>
-            </a:r>
-          </a:p>
-        </p:txBody>
-      </p:sp>
-      <p:sp>
-        <p:nvSpPr>
-          <p:cNvPr id="3" name="Content Placeholder 2">
-            <a:extLst>
-              <a:ext uri="{FF2B5EF4-FFF2-40B4-BE49-F238E27FC236}">
-                <a16:creationId xmlns:a16="http://schemas.microsoft.com/office/drawing/2014/main" id="{22CA78A2-11A2-4E69-BC2F-0D9D4A952D53}"/>
-              </a:ext>
-            </a:extLst>
-          </p:cNvPr>
-          <p:cNvSpPr>
-            <a:spLocks noGrp="1"/>
-          </p:cNvSpPr>
-          <p:nvPr>
-            <p:ph sz="quarter" idx="13"/>
-          </p:nvPr>
-        </p:nvSpPr>
-        <p:spPr>
-          <a:xfrm>
-            <a:off x="468734" y="1796456"/>
-            <a:ext cx="10629901" cy="4266087"/>
-          </a:xfrm>
-        </p:spPr>
-        <p:txBody>
-          <a:bodyPr>
-            <a:normAutofit/>
-          </a:bodyPr>
-          <a:lstStyle/>
-          <a:p>
-            <a:pPr marL="514350" indent="-285750">
-              <a:lnSpc>
-                <a:spcPct val="150000"/>
-              </a:lnSpc>
-              <a:spcBef>
-                <a:spcPts val="100"/>
-              </a:spcBef>
-            </a:pPr>
-            <a:r>
-              <a:rPr lang="en-US" sz="1800" dirty="0">
-                <a:latin typeface="Intel Clear Light"/>
-              </a:rPr>
-              <a:t>Conclusion:</a:t>
-            </a:r>
-          </a:p>
-          <a:p>
-            <a:pPr marL="603250" lvl="1" indent="-171450">
-              <a:lnSpc>
-                <a:spcPct val="150000"/>
-              </a:lnSpc>
-              <a:spcBef>
-                <a:spcPts val="100"/>
-              </a:spcBef>
-            </a:pPr>
-            <a:r>
-              <a:rPr lang="en-US" sz="1600" dirty="0">
-                <a:solidFill>
-                  <a:srgbClr val="0071C5"/>
-                </a:solidFill>
-                <a:latin typeface="Intel Clear Light"/>
-              </a:rPr>
-              <a:t>Either compute-intensive or memory-intensive operations, TDVM has no significant performance drop compared to Legacy VM</a:t>
-            </a:r>
-          </a:p>
-          <a:p>
-            <a:pPr marL="603250" lvl="1" indent="-171450">
-              <a:lnSpc>
-                <a:spcPct val="150000"/>
-              </a:lnSpc>
-              <a:spcBef>
-                <a:spcPts val="100"/>
-              </a:spcBef>
-            </a:pPr>
-            <a:r>
-              <a:rPr lang="en-US" sz="1600" dirty="0">
-                <a:solidFill>
-                  <a:srgbClr val="0071C5"/>
-                </a:solidFill>
-                <a:latin typeface="Intel Clear Light"/>
-              </a:rPr>
-              <a:t>In multi-process switching scenarios, TDVM performance drops about 40%</a:t>
-            </a:r>
-          </a:p>
-          <a:p>
-            <a:pPr lvl="1" indent="0">
-              <a:lnSpc>
-                <a:spcPct val="150000"/>
-              </a:lnSpc>
-              <a:spcBef>
-                <a:spcPts val="100"/>
-              </a:spcBef>
-              <a:buNone/>
-            </a:pPr>
-            <a:endParaRPr lang="en-US" sz="1600" dirty="0">
-              <a:solidFill>
-                <a:srgbClr val="0071C5"/>
-              </a:solidFill>
-              <a:latin typeface="Intel Clear Light"/>
-            </a:endParaRPr>
-          </a:p>
-          <a:p>
-            <a:pPr marL="514350" indent="-285750">
-              <a:lnSpc>
-                <a:spcPct val="150000"/>
-              </a:lnSpc>
-              <a:spcBef>
-                <a:spcPts val="100"/>
-              </a:spcBef>
-            </a:pPr>
-            <a:r>
-              <a:rPr lang="en-US" sz="1800" dirty="0">
-                <a:latin typeface="Intel Clear Light"/>
-              </a:rPr>
-              <a:t>Next step: </a:t>
-            </a:r>
-          </a:p>
-          <a:p>
-            <a:pPr marL="717550" lvl="1" indent="-285750">
-              <a:lnSpc>
-                <a:spcPct val="150000"/>
-              </a:lnSpc>
-              <a:spcBef>
-                <a:spcPts val="100"/>
-              </a:spcBef>
-            </a:pPr>
-            <a:r>
-              <a:rPr lang="en-US" sz="1600" dirty="0">
-                <a:solidFill>
-                  <a:srgbClr val="0071C5"/>
-                </a:solidFill>
-                <a:latin typeface="Intel Clear Light"/>
-              </a:rPr>
-              <a:t>Research the root cause of the performance drop</a:t>
-            </a:r>
-          </a:p>
-          <a:p>
-            <a:pPr marL="228600" lvl="1" indent="0">
-              <a:buNone/>
-            </a:pPr>
-            <a:endParaRPr lang="en-US" altLang="zh-CN" dirty="0">
-              <a:solidFill>
-                <a:schemeClr val="bg2"/>
-              </a:solidFill>
-            </a:endParaRPr>
+            <a:endParaRPr lang="en-US" dirty="0"/>
           </a:p>
         </p:txBody>
       </p:sp>
@@ -44213,10 +48624,2291 @@
           </a:p>
         </p:txBody>
       </p:sp>
+      <p:graphicFrame>
+        <p:nvGraphicFramePr>
+          <p:cNvPr id="8" name="Table 7">
+            <a:extLst>
+              <a:ext uri="{FF2B5EF4-FFF2-40B4-BE49-F238E27FC236}">
+                <a16:creationId xmlns:a16="http://schemas.microsoft.com/office/drawing/2014/main" id="{9CB3283F-8804-4248-B467-7B716BE0F762}"/>
+              </a:ext>
+            </a:extLst>
+          </p:cNvPr>
+          <p:cNvGraphicFramePr>
+            <a:graphicFrameLocks noGrp="1"/>
+          </p:cNvGraphicFramePr>
+          <p:nvPr>
+            <p:extLst>
+              <p:ext uri="{D42A27DB-BD31-4B8C-83A1-F6EECF244321}">
+                <p14:modId xmlns:p14="http://schemas.microsoft.com/office/powerpoint/2010/main" val="2266025694"/>
+              </p:ext>
+            </p:extLst>
+          </p:nvPr>
+        </p:nvGraphicFramePr>
+        <p:xfrm>
+          <a:off x="172055" y="776189"/>
+          <a:ext cx="4495739" cy="2258800"/>
+        </p:xfrm>
+        <a:graphic>
+          <a:graphicData uri="http://schemas.openxmlformats.org/drawingml/2006/table">
+            <a:tbl>
+              <a:tblPr/>
+              <a:tblGrid>
+                <a:gridCol w="700340">
+                  <a:extLst>
+                    <a:ext uri="{9D8B030D-6E8A-4147-A177-3AD203B41FA5}">
+                      <a16:colId xmlns:a16="http://schemas.microsoft.com/office/drawing/2014/main" val="2004813658"/>
+                    </a:ext>
+                  </a:extLst>
+                </a:gridCol>
+                <a:gridCol w="881075">
+                  <a:extLst>
+                    <a:ext uri="{9D8B030D-6E8A-4147-A177-3AD203B41FA5}">
+                      <a16:colId xmlns:a16="http://schemas.microsoft.com/office/drawing/2014/main" val="1805104464"/>
+                    </a:ext>
+                  </a:extLst>
+                </a:gridCol>
+                <a:gridCol w="542200">
+                  <a:extLst>
+                    <a:ext uri="{9D8B030D-6E8A-4147-A177-3AD203B41FA5}">
+                      <a16:colId xmlns:a16="http://schemas.microsoft.com/office/drawing/2014/main" val="660432672"/>
+                    </a:ext>
+                  </a:extLst>
+                </a:gridCol>
+                <a:gridCol w="881075">
+                  <a:extLst>
+                    <a:ext uri="{9D8B030D-6E8A-4147-A177-3AD203B41FA5}">
+                      <a16:colId xmlns:a16="http://schemas.microsoft.com/office/drawing/2014/main" val="3585667297"/>
+                    </a:ext>
+                  </a:extLst>
+                </a:gridCol>
+                <a:gridCol w="542200">
+                  <a:extLst>
+                    <a:ext uri="{9D8B030D-6E8A-4147-A177-3AD203B41FA5}">
+                      <a16:colId xmlns:a16="http://schemas.microsoft.com/office/drawing/2014/main" val="1164886371"/>
+                    </a:ext>
+                  </a:extLst>
+                </a:gridCol>
+                <a:gridCol w="948849">
+                  <a:extLst>
+                    <a:ext uri="{9D8B030D-6E8A-4147-A177-3AD203B41FA5}">
+                      <a16:colId xmlns:a16="http://schemas.microsoft.com/office/drawing/2014/main" val="1021286991"/>
+                    </a:ext>
+                  </a:extLst>
+                </a:gridCol>
+              </a:tblGrid>
+              <a:tr h="277499">
+                <a:tc>
+                  <a:txBody>
+                    <a:bodyPr/>
+                    <a:lstStyle/>
+                    <a:p>
+                      <a:pPr algn="l" fontAlgn="b"/>
+                      <a:endParaRPr lang="en-US" sz="800" b="0" i="0" u="none" strike="noStrike" dirty="0">
+                        <a:solidFill>
+                          <a:srgbClr val="000000"/>
+                        </a:solidFill>
+                        <a:effectLst/>
+                        <a:latin typeface="Calibri" panose="020F0502020204030204" pitchFamily="34" charset="0"/>
+                      </a:endParaRPr>
+                    </a:p>
+                  </a:txBody>
+                  <a:tcPr marL="9525" marR="9525" marT="9525" marB="0" anchor="b">
+                    <a:lnL>
+                      <a:noFill/>
+                    </a:lnL>
+                    <a:lnR>
+                      <a:noFill/>
+                    </a:lnR>
+                    <a:lnT>
+                      <a:noFill/>
+                    </a:lnT>
+                    <a:lnB>
+                      <a:noFill/>
+                    </a:lnB>
+                  </a:tcPr>
+                </a:tc>
+                <a:tc>
+                  <a:txBody>
+                    <a:bodyPr/>
+                    <a:lstStyle/>
+                    <a:p>
+                      <a:pPr algn="l" fontAlgn="b"/>
+                      <a:r>
+                        <a:rPr lang="en-US" sz="800" b="0" i="0" u="none" strike="noStrike" dirty="0">
+                          <a:solidFill>
+                            <a:srgbClr val="000000"/>
+                          </a:solidFill>
+                          <a:effectLst/>
+                          <a:latin typeface="Calibri" panose="020F0502020204030204" pitchFamily="34" charset="0"/>
+                        </a:rPr>
+                        <a:t> </a:t>
+                      </a:r>
+                      <a:r>
+                        <a:rPr lang="en-US" sz="800" b="0" i="0" u="none" strike="noStrike" dirty="0" err="1">
+                          <a:solidFill>
+                            <a:srgbClr val="000000"/>
+                          </a:solidFill>
+                          <a:effectLst/>
+                          <a:latin typeface="Calibri" panose="020F0502020204030204" pitchFamily="34" charset="0"/>
+                        </a:rPr>
+                        <a:t>nof_bindcore</a:t>
+                      </a:r>
+                      <a:r>
+                        <a:rPr lang="en-US" sz="800" b="0" i="0" u="none" strike="noStrike" dirty="0">
+                          <a:solidFill>
+                            <a:srgbClr val="000000"/>
+                          </a:solidFill>
+                          <a:effectLst/>
+                          <a:latin typeface="Calibri" panose="020F0502020204030204" pitchFamily="34" charset="0"/>
+                        </a:rPr>
+                        <a:t>=1 </a:t>
+                      </a:r>
+                    </a:p>
+                  </a:txBody>
+                  <a:tcPr marL="9525" marR="9525" marT="9525" marB="0" anchor="b">
+                    <a:lnL>
+                      <a:noFill/>
+                    </a:lnL>
+                    <a:lnR>
+                      <a:noFill/>
+                    </a:lnR>
+                    <a:lnT>
+                      <a:noFill/>
+                    </a:lnT>
+                    <a:lnB>
+                      <a:noFill/>
+                    </a:lnB>
+                  </a:tcPr>
+                </a:tc>
+                <a:tc>
+                  <a:txBody>
+                    <a:bodyPr/>
+                    <a:lstStyle/>
+                    <a:p>
+                      <a:pPr algn="l" fontAlgn="b"/>
+                      <a:endParaRPr lang="en-US" sz="800" b="0" i="0" u="none" strike="noStrike">
+                        <a:solidFill>
+                          <a:srgbClr val="000000"/>
+                        </a:solidFill>
+                        <a:effectLst/>
+                        <a:latin typeface="Calibri" panose="020F0502020204030204" pitchFamily="34" charset="0"/>
+                      </a:endParaRPr>
+                    </a:p>
+                  </a:txBody>
+                  <a:tcPr marL="9525" marR="9525" marT="9525" marB="0" anchor="b">
+                    <a:lnL>
+                      <a:noFill/>
+                    </a:lnL>
+                    <a:lnR>
+                      <a:noFill/>
+                    </a:lnR>
+                    <a:lnT>
+                      <a:noFill/>
+                    </a:lnT>
+                    <a:lnB>
+                      <a:noFill/>
+                    </a:lnB>
+                  </a:tcPr>
+                </a:tc>
+                <a:tc>
+                  <a:txBody>
+                    <a:bodyPr/>
+                    <a:lstStyle/>
+                    <a:p>
+                      <a:pPr algn="l" fontAlgn="b"/>
+                      <a:r>
+                        <a:rPr lang="en-US" sz="800" b="0" i="0" u="none" strike="noStrike">
+                          <a:solidFill>
+                            <a:srgbClr val="000000"/>
+                          </a:solidFill>
+                          <a:effectLst/>
+                          <a:latin typeface="Calibri" panose="020F0502020204030204" pitchFamily="34" charset="0"/>
+                        </a:rPr>
+                        <a:t> nof_bindcore=4 </a:t>
+                      </a:r>
+                    </a:p>
+                  </a:txBody>
+                  <a:tcPr marL="9525" marR="9525" marT="9525" marB="0" anchor="b">
+                    <a:lnL>
+                      <a:noFill/>
+                    </a:lnL>
+                    <a:lnR>
+                      <a:noFill/>
+                    </a:lnR>
+                    <a:lnT>
+                      <a:noFill/>
+                    </a:lnT>
+                    <a:lnB>
+                      <a:noFill/>
+                    </a:lnB>
+                  </a:tcPr>
+                </a:tc>
+                <a:tc>
+                  <a:txBody>
+                    <a:bodyPr/>
+                    <a:lstStyle/>
+                    <a:p>
+                      <a:pPr algn="l" fontAlgn="b"/>
+                      <a:endParaRPr lang="en-US" sz="800" b="0" i="0" u="none" strike="noStrike">
+                        <a:solidFill>
+                          <a:srgbClr val="000000"/>
+                        </a:solidFill>
+                        <a:effectLst/>
+                        <a:latin typeface="Calibri" panose="020F0502020204030204" pitchFamily="34" charset="0"/>
+                      </a:endParaRPr>
+                    </a:p>
+                  </a:txBody>
+                  <a:tcPr marL="9525" marR="9525" marT="9525" marB="0" anchor="b">
+                    <a:lnL>
+                      <a:noFill/>
+                    </a:lnL>
+                    <a:lnR>
+                      <a:noFill/>
+                    </a:lnR>
+                    <a:lnT>
+                      <a:noFill/>
+                    </a:lnT>
+                    <a:lnB>
+                      <a:noFill/>
+                    </a:lnB>
+                  </a:tcPr>
+                </a:tc>
+                <a:tc>
+                  <a:txBody>
+                    <a:bodyPr/>
+                    <a:lstStyle/>
+                    <a:p>
+                      <a:pPr algn="l" fontAlgn="b"/>
+                      <a:r>
+                        <a:rPr lang="en-US" sz="800" b="0" i="0" u="none" strike="noStrike">
+                          <a:solidFill>
+                            <a:srgbClr val="000000"/>
+                          </a:solidFill>
+                          <a:effectLst/>
+                          <a:latin typeface="Calibri" panose="020F0502020204030204" pitchFamily="34" charset="0"/>
+                        </a:rPr>
+                        <a:t> nof_bindcore=8 </a:t>
+                      </a:r>
+                    </a:p>
+                  </a:txBody>
+                  <a:tcPr marL="9525" marR="9525" marT="9525" marB="0" anchor="b">
+                    <a:lnL>
+                      <a:noFill/>
+                    </a:lnL>
+                    <a:lnR>
+                      <a:noFill/>
+                    </a:lnR>
+                    <a:lnT>
+                      <a:noFill/>
+                    </a:lnT>
+                    <a:lnB>
+                      <a:noFill/>
+                    </a:lnB>
+                  </a:tcPr>
+                </a:tc>
+                <a:extLst>
+                  <a:ext uri="{0D108BD9-81ED-4DB2-BD59-A6C34878D82A}">
+                    <a16:rowId xmlns:a16="http://schemas.microsoft.com/office/drawing/2014/main" val="2617253875"/>
+                  </a:ext>
+                </a:extLst>
+              </a:tr>
+              <a:tr h="127039">
+                <a:tc>
+                  <a:txBody>
+                    <a:bodyPr/>
+                    <a:lstStyle/>
+                    <a:p>
+                      <a:pPr algn="l" fontAlgn="b"/>
+                      <a:r>
+                        <a:rPr lang="en-US" sz="800" b="0" i="0" u="none" strike="noStrike">
+                          <a:solidFill>
+                            <a:srgbClr val="000000"/>
+                          </a:solidFill>
+                          <a:effectLst/>
+                          <a:latin typeface="Calibri" panose="020F0502020204030204" pitchFamily="34" charset="0"/>
+                        </a:rPr>
+                        <a:t>nof_threads</a:t>
+                      </a:r>
+                    </a:p>
+                  </a:txBody>
+                  <a:tcPr marL="9525" marR="9525" marT="9525" marB="0" anchor="b">
+                    <a:lnL>
+                      <a:noFill/>
+                    </a:lnL>
+                    <a:lnR>
+                      <a:noFill/>
+                    </a:lnR>
+                    <a:lnT>
+                      <a:noFill/>
+                    </a:lnT>
+                    <a:lnB w="12700" cap="flat" cmpd="sng" algn="ctr">
+                      <a:solidFill>
+                        <a:srgbClr val="000000"/>
+                      </a:solidFill>
+                      <a:prstDash val="solid"/>
+                      <a:round/>
+                      <a:headEnd type="none" w="med" len="med"/>
+                      <a:tailEnd type="none" w="med" len="med"/>
+                    </a:lnB>
+                  </a:tcPr>
+                </a:tc>
+                <a:tc>
+                  <a:txBody>
+                    <a:bodyPr/>
+                    <a:lstStyle/>
+                    <a:p>
+                      <a:pPr algn="l" fontAlgn="b"/>
+                      <a:r>
+                        <a:rPr lang="en-US" sz="800" b="0" i="0" u="none" strike="noStrike" dirty="0">
+                          <a:solidFill>
+                            <a:srgbClr val="000000"/>
+                          </a:solidFill>
+                          <a:effectLst/>
+                          <a:latin typeface="Calibri" panose="020F0502020204030204" pitchFamily="34" charset="0"/>
+                        </a:rPr>
+                        <a:t> median </a:t>
+                      </a:r>
+                    </a:p>
+                  </a:txBody>
+                  <a:tcPr marL="9525" marR="9525" marT="9525" marB="0" anchor="b">
+                    <a:lnL>
+                      <a:noFill/>
+                    </a:lnL>
+                    <a:lnR>
+                      <a:noFill/>
+                    </a:lnR>
+                    <a:lnT>
+                      <a:noFill/>
+                    </a:lnT>
+                    <a:lnB w="12700" cap="flat" cmpd="sng" algn="ctr">
+                      <a:solidFill>
+                        <a:srgbClr val="000000"/>
+                      </a:solidFill>
+                      <a:prstDash val="solid"/>
+                      <a:round/>
+                      <a:headEnd type="none" w="med" len="med"/>
+                      <a:tailEnd type="none" w="med" len="med"/>
+                    </a:lnB>
+                  </a:tcPr>
+                </a:tc>
+                <a:tc>
+                  <a:txBody>
+                    <a:bodyPr/>
+                    <a:lstStyle/>
+                    <a:p>
+                      <a:pPr algn="l" fontAlgn="b"/>
+                      <a:endParaRPr lang="en-US" sz="800" b="0" i="0" u="none" strike="noStrike" dirty="0">
+                        <a:solidFill>
+                          <a:srgbClr val="000000"/>
+                        </a:solidFill>
+                        <a:effectLst/>
+                        <a:latin typeface="Calibri" panose="020F0502020204030204" pitchFamily="34" charset="0"/>
+                      </a:endParaRPr>
+                    </a:p>
+                  </a:txBody>
+                  <a:tcPr marL="9525" marR="9525" marT="9525" marB="0" anchor="b">
+                    <a:lnL>
+                      <a:noFill/>
+                    </a:lnL>
+                    <a:lnR>
+                      <a:noFill/>
+                    </a:lnR>
+                    <a:lnT>
+                      <a:noFill/>
+                    </a:lnT>
+                    <a:lnB w="12700" cap="flat" cmpd="sng" algn="ctr">
+                      <a:solidFill>
+                        <a:srgbClr val="000000"/>
+                      </a:solidFill>
+                      <a:prstDash val="solid"/>
+                      <a:round/>
+                      <a:headEnd type="none" w="med" len="med"/>
+                      <a:tailEnd type="none" w="med" len="med"/>
+                    </a:lnB>
+                  </a:tcPr>
+                </a:tc>
+                <a:tc>
+                  <a:txBody>
+                    <a:bodyPr/>
+                    <a:lstStyle/>
+                    <a:p>
+                      <a:pPr algn="l" fontAlgn="b"/>
+                      <a:r>
+                        <a:rPr lang="en-US" sz="800" b="0" i="0" u="none" strike="noStrike">
+                          <a:solidFill>
+                            <a:srgbClr val="000000"/>
+                          </a:solidFill>
+                          <a:effectLst/>
+                          <a:latin typeface="Calibri" panose="020F0502020204030204" pitchFamily="34" charset="0"/>
+                        </a:rPr>
+                        <a:t> median </a:t>
+                      </a:r>
+                    </a:p>
+                  </a:txBody>
+                  <a:tcPr marL="9525" marR="9525" marT="9525" marB="0" anchor="b">
+                    <a:lnL>
+                      <a:noFill/>
+                    </a:lnL>
+                    <a:lnR>
+                      <a:noFill/>
+                    </a:lnR>
+                    <a:lnT>
+                      <a:noFill/>
+                    </a:lnT>
+                    <a:lnB w="12700" cap="flat" cmpd="sng" algn="ctr">
+                      <a:solidFill>
+                        <a:srgbClr val="000000"/>
+                      </a:solidFill>
+                      <a:prstDash val="solid"/>
+                      <a:round/>
+                      <a:headEnd type="none" w="med" len="med"/>
+                      <a:tailEnd type="none" w="med" len="med"/>
+                    </a:lnB>
+                  </a:tcPr>
+                </a:tc>
+                <a:tc>
+                  <a:txBody>
+                    <a:bodyPr/>
+                    <a:lstStyle/>
+                    <a:p>
+                      <a:pPr algn="l" fontAlgn="b"/>
+                      <a:endParaRPr lang="en-US" sz="800" b="0" i="0" u="none" strike="noStrike">
+                        <a:solidFill>
+                          <a:srgbClr val="000000"/>
+                        </a:solidFill>
+                        <a:effectLst/>
+                        <a:latin typeface="Calibri" panose="020F0502020204030204" pitchFamily="34" charset="0"/>
+                      </a:endParaRPr>
+                    </a:p>
+                  </a:txBody>
+                  <a:tcPr marL="9525" marR="9525" marT="9525" marB="0" anchor="b">
+                    <a:lnL>
+                      <a:noFill/>
+                    </a:lnL>
+                    <a:lnR>
+                      <a:noFill/>
+                    </a:lnR>
+                    <a:lnT>
+                      <a:noFill/>
+                    </a:lnT>
+                    <a:lnB w="12700" cap="flat" cmpd="sng" algn="ctr">
+                      <a:solidFill>
+                        <a:srgbClr val="000000"/>
+                      </a:solidFill>
+                      <a:prstDash val="solid"/>
+                      <a:round/>
+                      <a:headEnd type="none" w="med" len="med"/>
+                      <a:tailEnd type="none" w="med" len="med"/>
+                    </a:lnB>
+                  </a:tcPr>
+                </a:tc>
+                <a:tc>
+                  <a:txBody>
+                    <a:bodyPr/>
+                    <a:lstStyle/>
+                    <a:p>
+                      <a:pPr algn="l" fontAlgn="b"/>
+                      <a:r>
+                        <a:rPr lang="en-US" sz="800" b="0" i="0" u="none" strike="noStrike">
+                          <a:solidFill>
+                            <a:srgbClr val="000000"/>
+                          </a:solidFill>
+                          <a:effectLst/>
+                          <a:latin typeface="Calibri" panose="020F0502020204030204" pitchFamily="34" charset="0"/>
+                        </a:rPr>
+                        <a:t> median </a:t>
+                      </a:r>
+                    </a:p>
+                  </a:txBody>
+                  <a:tcPr marL="9525" marR="9525" marT="9525" marB="0" anchor="b">
+                    <a:lnL>
+                      <a:noFill/>
+                    </a:lnL>
+                    <a:lnR>
+                      <a:noFill/>
+                    </a:lnR>
+                    <a:lnT>
+                      <a:noFill/>
+                    </a:lnT>
+                    <a:lnB w="12700" cap="flat" cmpd="sng" algn="ctr">
+                      <a:solidFill>
+                        <a:srgbClr val="000000"/>
+                      </a:solidFill>
+                      <a:prstDash val="solid"/>
+                      <a:round/>
+                      <a:headEnd type="none" w="med" len="med"/>
+                      <a:tailEnd type="none" w="med" len="med"/>
+                    </a:lnB>
+                  </a:tcPr>
+                </a:tc>
+                <a:extLst>
+                  <a:ext uri="{0D108BD9-81ED-4DB2-BD59-A6C34878D82A}">
+                    <a16:rowId xmlns:a16="http://schemas.microsoft.com/office/drawing/2014/main" val="1409038736"/>
+                  </a:ext>
+                </a:extLst>
+              </a:tr>
+              <a:tr h="231232">
+                <a:tc>
+                  <a:txBody>
+                    <a:bodyPr/>
+                    <a:lstStyle/>
+                    <a:p>
+                      <a:pPr algn="r" fontAlgn="b"/>
+                      <a:r>
+                        <a:rPr lang="en-US" sz="800" b="0" i="0" u="none" strike="noStrike" dirty="0">
+                          <a:solidFill>
+                            <a:srgbClr val="000000"/>
+                          </a:solidFill>
+                          <a:effectLst/>
+                          <a:latin typeface="Calibri" panose="020F0502020204030204" pitchFamily="34" charset="0"/>
+                        </a:rPr>
+                        <a:t>4</a:t>
+                      </a:r>
+                    </a:p>
+                  </a:txBody>
+                  <a:tcPr marL="9525" marR="9525" marT="9525" marB="0" anchor="b">
+                    <a:lnL>
+                      <a:noFill/>
+                    </a:lnL>
+                    <a:lnR>
+                      <a:noFill/>
+                    </a:lnR>
+                    <a:lnT w="12700" cap="flat" cmpd="sng" algn="ctr">
+                      <a:solidFill>
+                        <a:srgbClr val="000000"/>
+                      </a:solidFill>
+                      <a:prstDash val="solid"/>
+                      <a:round/>
+                      <a:headEnd type="none" w="med" len="med"/>
+                      <a:tailEnd type="none" w="med" len="med"/>
+                    </a:lnT>
+                    <a:lnB>
+                      <a:noFill/>
+                    </a:lnB>
+                  </a:tcPr>
+                </a:tc>
+                <a:tc>
+                  <a:txBody>
+                    <a:bodyPr/>
+                    <a:lstStyle/>
+                    <a:p>
+                      <a:pPr algn="l" fontAlgn="b"/>
+                      <a:r>
+                        <a:rPr lang="en-US" sz="800" b="0" i="0" u="none" strike="noStrike" dirty="0">
+                          <a:solidFill>
+                            <a:srgbClr val="000000"/>
+                          </a:solidFill>
+                          <a:effectLst/>
+                          <a:latin typeface="Calibri" panose="020F0502020204030204" pitchFamily="34" charset="0"/>
+                        </a:rPr>
+                        <a:t>             52,347.55 </a:t>
+                      </a:r>
+                    </a:p>
+                  </a:txBody>
+                  <a:tcPr marL="9525" marR="9525" marT="9525" marB="0" anchor="b">
+                    <a:lnL>
+                      <a:noFill/>
+                    </a:lnL>
+                    <a:lnR>
+                      <a:noFill/>
+                    </a:lnR>
+                    <a:lnT w="12700" cap="flat" cmpd="sng" algn="ctr">
+                      <a:solidFill>
+                        <a:srgbClr val="000000"/>
+                      </a:solidFill>
+                      <a:prstDash val="solid"/>
+                      <a:round/>
+                      <a:headEnd type="none" w="med" len="med"/>
+                      <a:tailEnd type="none" w="med" len="med"/>
+                    </a:lnT>
+                    <a:lnB>
+                      <a:noFill/>
+                    </a:lnB>
+                  </a:tcPr>
+                </a:tc>
+                <a:tc>
+                  <a:txBody>
+                    <a:bodyPr/>
+                    <a:lstStyle/>
+                    <a:p>
+                      <a:pPr algn="l" fontAlgn="b"/>
+                      <a:r>
+                        <a:rPr lang="en-US" sz="800" b="0" i="0" u="none" strike="noStrike" dirty="0">
+                          <a:solidFill>
+                            <a:srgbClr val="000000"/>
+                          </a:solidFill>
+                          <a:effectLst/>
+                          <a:latin typeface="Calibri" panose="020F0502020204030204" pitchFamily="34" charset="0"/>
+                        </a:rPr>
+                        <a:t> </a:t>
+                      </a:r>
+                    </a:p>
+                  </a:txBody>
+                  <a:tcPr marL="9525" marR="9525" marT="9525" marB="0" anchor="b">
+                    <a:lnL>
+                      <a:noFill/>
+                    </a:lnL>
+                    <a:lnR>
+                      <a:noFill/>
+                    </a:lnR>
+                    <a:lnT w="12700" cap="flat" cmpd="sng" algn="ctr">
+                      <a:solidFill>
+                        <a:srgbClr val="000000"/>
+                      </a:solidFill>
+                      <a:prstDash val="solid"/>
+                      <a:round/>
+                      <a:headEnd type="none" w="med" len="med"/>
+                      <a:tailEnd type="none" w="med" len="med"/>
+                    </a:lnT>
+                    <a:lnB>
+                      <a:noFill/>
+                    </a:lnB>
+                  </a:tcPr>
+                </a:tc>
+                <a:tc>
+                  <a:txBody>
+                    <a:bodyPr/>
+                    <a:lstStyle/>
+                    <a:p>
+                      <a:pPr algn="l" fontAlgn="b"/>
+                      <a:r>
+                        <a:rPr lang="en-US" sz="800" b="0" i="0" u="none" strike="noStrike" dirty="0">
+                          <a:solidFill>
+                            <a:srgbClr val="000000"/>
+                          </a:solidFill>
+                          <a:effectLst/>
+                          <a:latin typeface="Calibri" panose="020F0502020204030204" pitchFamily="34" charset="0"/>
+                        </a:rPr>
+                        <a:t>             99,032.05 </a:t>
+                      </a:r>
+                    </a:p>
+                  </a:txBody>
+                  <a:tcPr marL="9525" marR="9525" marT="9525" marB="0" anchor="b">
+                    <a:lnL>
+                      <a:noFill/>
+                    </a:lnL>
+                    <a:lnR>
+                      <a:noFill/>
+                    </a:lnR>
+                    <a:lnT w="12700" cap="flat" cmpd="sng" algn="ctr">
+                      <a:solidFill>
+                        <a:srgbClr val="000000"/>
+                      </a:solidFill>
+                      <a:prstDash val="solid"/>
+                      <a:round/>
+                      <a:headEnd type="none" w="med" len="med"/>
+                      <a:tailEnd type="none" w="med" len="med"/>
+                    </a:lnT>
+                    <a:lnB>
+                      <a:noFill/>
+                    </a:lnB>
+                  </a:tcPr>
+                </a:tc>
+                <a:tc>
+                  <a:txBody>
+                    <a:bodyPr/>
+                    <a:lstStyle/>
+                    <a:p>
+                      <a:pPr algn="l" fontAlgn="b"/>
+                      <a:r>
+                        <a:rPr lang="en-US" sz="800" b="0" i="0" u="none" strike="noStrike">
+                          <a:solidFill>
+                            <a:srgbClr val="000000"/>
+                          </a:solidFill>
+                          <a:effectLst/>
+                          <a:latin typeface="Calibri" panose="020F0502020204030204" pitchFamily="34" charset="0"/>
+                        </a:rPr>
+                        <a:t> </a:t>
+                      </a:r>
+                    </a:p>
+                  </a:txBody>
+                  <a:tcPr marL="9525" marR="9525" marT="9525" marB="0" anchor="b">
+                    <a:lnL>
+                      <a:noFill/>
+                    </a:lnL>
+                    <a:lnR>
+                      <a:noFill/>
+                    </a:lnR>
+                    <a:lnT w="12700" cap="flat" cmpd="sng" algn="ctr">
+                      <a:solidFill>
+                        <a:srgbClr val="000000"/>
+                      </a:solidFill>
+                      <a:prstDash val="solid"/>
+                      <a:round/>
+                      <a:headEnd type="none" w="med" len="med"/>
+                      <a:tailEnd type="none" w="med" len="med"/>
+                    </a:lnT>
+                    <a:lnB>
+                      <a:noFill/>
+                    </a:lnB>
+                  </a:tcPr>
+                </a:tc>
+                <a:tc>
+                  <a:txBody>
+                    <a:bodyPr/>
+                    <a:lstStyle/>
+                    <a:p>
+                      <a:pPr algn="l" fontAlgn="b"/>
+                      <a:r>
+                        <a:rPr lang="en-US" sz="800" b="0" i="0" u="none" strike="noStrike">
+                          <a:solidFill>
+                            <a:srgbClr val="000000"/>
+                          </a:solidFill>
+                          <a:effectLst/>
+                          <a:latin typeface="Calibri" panose="020F0502020204030204" pitchFamily="34" charset="0"/>
+                        </a:rPr>
+                        <a:t>             102,473.00 </a:t>
+                      </a:r>
+                    </a:p>
+                  </a:txBody>
+                  <a:tcPr marL="9525" marR="9525" marT="9525" marB="0" anchor="b">
+                    <a:lnL>
+                      <a:noFill/>
+                    </a:lnL>
+                    <a:lnR w="12700" cap="flat" cmpd="sng" algn="ctr">
+                      <a:solidFill>
+                        <a:srgbClr val="000000"/>
+                      </a:solidFill>
+                      <a:prstDash val="solid"/>
+                      <a:round/>
+                      <a:headEnd type="none" w="med" len="med"/>
+                      <a:tailEnd type="none" w="med" len="med"/>
+                    </a:lnR>
+                    <a:lnT w="12700" cap="flat" cmpd="sng" algn="ctr">
+                      <a:solidFill>
+                        <a:srgbClr val="000000"/>
+                      </a:solidFill>
+                      <a:prstDash val="solid"/>
+                      <a:round/>
+                      <a:headEnd type="none" w="med" len="med"/>
+                      <a:tailEnd type="none" w="med" len="med"/>
+                    </a:lnT>
+                    <a:lnB>
+                      <a:noFill/>
+                    </a:lnB>
+                  </a:tcPr>
+                </a:tc>
+                <a:extLst>
+                  <a:ext uri="{0D108BD9-81ED-4DB2-BD59-A6C34878D82A}">
+                    <a16:rowId xmlns:a16="http://schemas.microsoft.com/office/drawing/2014/main" val="1621376792"/>
+                  </a:ext>
+                </a:extLst>
+              </a:tr>
+              <a:tr h="231232">
+                <a:tc>
+                  <a:txBody>
+                    <a:bodyPr/>
+                    <a:lstStyle/>
+                    <a:p>
+                      <a:pPr algn="r" fontAlgn="b"/>
+                      <a:r>
+                        <a:rPr lang="en-US" sz="800" b="0" i="0" u="none" strike="noStrike">
+                          <a:solidFill>
+                            <a:srgbClr val="000000"/>
+                          </a:solidFill>
+                          <a:effectLst/>
+                          <a:latin typeface="Calibri" panose="020F0502020204030204" pitchFamily="34" charset="0"/>
+                        </a:rPr>
+                        <a:t>8</a:t>
+                      </a:r>
+                    </a:p>
+                  </a:txBody>
+                  <a:tcPr marL="9525" marR="9525" marT="9525" marB="0" anchor="b">
+                    <a:lnL>
+                      <a:noFill/>
+                    </a:lnL>
+                    <a:lnR>
+                      <a:noFill/>
+                    </a:lnR>
+                    <a:lnT>
+                      <a:noFill/>
+                    </a:lnT>
+                    <a:lnB>
+                      <a:noFill/>
+                    </a:lnB>
+                  </a:tcPr>
+                </a:tc>
+                <a:tc>
+                  <a:txBody>
+                    <a:bodyPr/>
+                    <a:lstStyle/>
+                    <a:p>
+                      <a:pPr algn="l" fontAlgn="b"/>
+                      <a:r>
+                        <a:rPr lang="en-US" sz="800" b="0" i="0" u="none" strike="noStrike">
+                          <a:solidFill>
+                            <a:srgbClr val="000000"/>
+                          </a:solidFill>
+                          <a:effectLst/>
+                          <a:latin typeface="Calibri" panose="020F0502020204030204" pitchFamily="34" charset="0"/>
+                        </a:rPr>
+                        <a:t>          138,584.00 </a:t>
+                      </a:r>
+                    </a:p>
+                  </a:txBody>
+                  <a:tcPr marL="9525" marR="9525" marT="9525" marB="0" anchor="b">
+                    <a:lnL>
+                      <a:noFill/>
+                    </a:lnL>
+                    <a:lnR>
+                      <a:noFill/>
+                    </a:lnR>
+                    <a:lnT>
+                      <a:noFill/>
+                    </a:lnT>
+                    <a:lnB>
+                      <a:noFill/>
+                    </a:lnB>
+                  </a:tcPr>
+                </a:tc>
+                <a:tc>
+                  <a:txBody>
+                    <a:bodyPr/>
+                    <a:lstStyle/>
+                    <a:p>
+                      <a:pPr algn="l" fontAlgn="b"/>
+                      <a:endParaRPr lang="en-US" sz="800" b="0" i="0" u="none" strike="noStrike">
+                        <a:solidFill>
+                          <a:srgbClr val="000000"/>
+                        </a:solidFill>
+                        <a:effectLst/>
+                        <a:latin typeface="Calibri" panose="020F0502020204030204" pitchFamily="34" charset="0"/>
+                      </a:endParaRPr>
+                    </a:p>
+                  </a:txBody>
+                  <a:tcPr marL="9525" marR="9525" marT="9525" marB="0" anchor="b">
+                    <a:lnL>
+                      <a:noFill/>
+                    </a:lnL>
+                    <a:lnR>
+                      <a:noFill/>
+                    </a:lnR>
+                    <a:lnT>
+                      <a:noFill/>
+                    </a:lnT>
+                    <a:lnB>
+                      <a:noFill/>
+                    </a:lnB>
+                  </a:tcPr>
+                </a:tc>
+                <a:tc>
+                  <a:txBody>
+                    <a:bodyPr/>
+                    <a:lstStyle/>
+                    <a:p>
+                      <a:pPr algn="l" fontAlgn="b"/>
+                      <a:r>
+                        <a:rPr lang="en-US" sz="800" b="0" i="0" u="none" strike="noStrike" dirty="0">
+                          <a:solidFill>
+                            <a:srgbClr val="000000"/>
+                          </a:solidFill>
+                          <a:effectLst/>
+                          <a:latin typeface="Calibri" panose="020F0502020204030204" pitchFamily="34" charset="0"/>
+                        </a:rPr>
+                        <a:t>          220,246.00 </a:t>
+                      </a:r>
+                    </a:p>
+                  </a:txBody>
+                  <a:tcPr marL="9525" marR="9525" marT="9525" marB="0" anchor="b">
+                    <a:lnL>
+                      <a:noFill/>
+                    </a:lnL>
+                    <a:lnR>
+                      <a:noFill/>
+                    </a:lnR>
+                    <a:lnT>
+                      <a:noFill/>
+                    </a:lnT>
+                    <a:lnB>
+                      <a:noFill/>
+                    </a:lnB>
+                  </a:tcPr>
+                </a:tc>
+                <a:tc>
+                  <a:txBody>
+                    <a:bodyPr/>
+                    <a:lstStyle/>
+                    <a:p>
+                      <a:pPr algn="l" fontAlgn="b"/>
+                      <a:endParaRPr lang="en-US" sz="800" b="0" i="0" u="none" strike="noStrike" dirty="0">
+                        <a:solidFill>
+                          <a:srgbClr val="000000"/>
+                        </a:solidFill>
+                        <a:effectLst/>
+                        <a:latin typeface="Calibri" panose="020F0502020204030204" pitchFamily="34" charset="0"/>
+                      </a:endParaRPr>
+                    </a:p>
+                  </a:txBody>
+                  <a:tcPr marL="9525" marR="9525" marT="9525" marB="0" anchor="b">
+                    <a:lnL>
+                      <a:noFill/>
+                    </a:lnL>
+                    <a:lnR>
+                      <a:noFill/>
+                    </a:lnR>
+                    <a:lnT>
+                      <a:noFill/>
+                    </a:lnT>
+                    <a:lnB>
+                      <a:noFill/>
+                    </a:lnB>
+                  </a:tcPr>
+                </a:tc>
+                <a:tc>
+                  <a:txBody>
+                    <a:bodyPr/>
+                    <a:lstStyle/>
+                    <a:p>
+                      <a:pPr algn="l" fontAlgn="b"/>
+                      <a:r>
+                        <a:rPr lang="en-US" sz="800" b="0" i="0" u="none" strike="noStrike" dirty="0">
+                          <a:solidFill>
+                            <a:srgbClr val="000000"/>
+                          </a:solidFill>
+                          <a:effectLst/>
+                          <a:latin typeface="Calibri" panose="020F0502020204030204" pitchFamily="34" charset="0"/>
+                        </a:rPr>
+                        <a:t>             232,641.00 </a:t>
+                      </a:r>
+                    </a:p>
+                  </a:txBody>
+                  <a:tcPr marL="9525" marR="9525" marT="9525" marB="0" anchor="b">
+                    <a:lnL>
+                      <a:noFill/>
+                    </a:lnL>
+                    <a:lnR w="12700" cap="flat" cmpd="sng" algn="ctr">
+                      <a:solidFill>
+                        <a:srgbClr val="000000"/>
+                      </a:solidFill>
+                      <a:prstDash val="solid"/>
+                      <a:round/>
+                      <a:headEnd type="none" w="med" len="med"/>
+                      <a:tailEnd type="none" w="med" len="med"/>
+                    </a:lnR>
+                    <a:lnT>
+                      <a:noFill/>
+                    </a:lnT>
+                    <a:lnB>
+                      <a:noFill/>
+                    </a:lnB>
+                  </a:tcPr>
+                </a:tc>
+                <a:extLst>
+                  <a:ext uri="{0D108BD9-81ED-4DB2-BD59-A6C34878D82A}">
+                    <a16:rowId xmlns:a16="http://schemas.microsoft.com/office/drawing/2014/main" val="3491458379"/>
+                  </a:ext>
+                </a:extLst>
+              </a:tr>
+              <a:tr h="231232">
+                <a:tc>
+                  <a:txBody>
+                    <a:bodyPr/>
+                    <a:lstStyle/>
+                    <a:p>
+                      <a:pPr algn="r" fontAlgn="b"/>
+                      <a:r>
+                        <a:rPr lang="en-US" sz="800" b="0" i="0" u="none" strike="noStrike">
+                          <a:solidFill>
+                            <a:srgbClr val="000000"/>
+                          </a:solidFill>
+                          <a:effectLst/>
+                          <a:latin typeface="Calibri" panose="020F0502020204030204" pitchFamily="34" charset="0"/>
+                        </a:rPr>
+                        <a:t>12</a:t>
+                      </a:r>
+                    </a:p>
+                  </a:txBody>
+                  <a:tcPr marL="9525" marR="9525" marT="9525" marB="0" anchor="b">
+                    <a:lnL>
+                      <a:noFill/>
+                    </a:lnL>
+                    <a:lnR>
+                      <a:noFill/>
+                    </a:lnR>
+                    <a:lnT>
+                      <a:noFill/>
+                    </a:lnT>
+                    <a:lnB>
+                      <a:noFill/>
+                    </a:lnB>
+                  </a:tcPr>
+                </a:tc>
+                <a:tc>
+                  <a:txBody>
+                    <a:bodyPr/>
+                    <a:lstStyle/>
+                    <a:p>
+                      <a:pPr algn="l" fontAlgn="b"/>
+                      <a:r>
+                        <a:rPr lang="en-US" sz="800" b="0" i="0" u="none" strike="noStrike">
+                          <a:solidFill>
+                            <a:srgbClr val="000000"/>
+                          </a:solidFill>
+                          <a:effectLst/>
+                          <a:latin typeface="Calibri" panose="020F0502020204030204" pitchFamily="34" charset="0"/>
+                        </a:rPr>
+                        <a:t>          226,708.50 </a:t>
+                      </a:r>
+                    </a:p>
+                  </a:txBody>
+                  <a:tcPr marL="9525" marR="9525" marT="9525" marB="0" anchor="b">
+                    <a:lnL>
+                      <a:noFill/>
+                    </a:lnL>
+                    <a:lnR>
+                      <a:noFill/>
+                    </a:lnR>
+                    <a:lnT>
+                      <a:noFill/>
+                    </a:lnT>
+                    <a:lnB>
+                      <a:noFill/>
+                    </a:lnB>
+                  </a:tcPr>
+                </a:tc>
+                <a:tc>
+                  <a:txBody>
+                    <a:bodyPr/>
+                    <a:lstStyle/>
+                    <a:p>
+                      <a:pPr algn="l" fontAlgn="b"/>
+                      <a:endParaRPr lang="en-US" sz="800" b="0" i="0" u="none" strike="noStrike">
+                        <a:solidFill>
+                          <a:srgbClr val="000000"/>
+                        </a:solidFill>
+                        <a:effectLst/>
+                        <a:latin typeface="Calibri" panose="020F0502020204030204" pitchFamily="34" charset="0"/>
+                      </a:endParaRPr>
+                    </a:p>
+                  </a:txBody>
+                  <a:tcPr marL="9525" marR="9525" marT="9525" marB="0" anchor="b">
+                    <a:lnL>
+                      <a:noFill/>
+                    </a:lnL>
+                    <a:lnR>
+                      <a:noFill/>
+                    </a:lnR>
+                    <a:lnT>
+                      <a:noFill/>
+                    </a:lnT>
+                    <a:lnB>
+                      <a:noFill/>
+                    </a:lnB>
+                  </a:tcPr>
+                </a:tc>
+                <a:tc>
+                  <a:txBody>
+                    <a:bodyPr/>
+                    <a:lstStyle/>
+                    <a:p>
+                      <a:pPr algn="l" fontAlgn="b"/>
+                      <a:r>
+                        <a:rPr lang="en-US" sz="800" b="0" i="0" u="none" strike="noStrike" dirty="0">
+                          <a:solidFill>
+                            <a:srgbClr val="000000"/>
+                          </a:solidFill>
+                          <a:effectLst/>
+                          <a:latin typeface="Calibri" panose="020F0502020204030204" pitchFamily="34" charset="0"/>
+                        </a:rPr>
+                        <a:t>          347,155.50 </a:t>
+                      </a:r>
+                    </a:p>
+                  </a:txBody>
+                  <a:tcPr marL="9525" marR="9525" marT="9525" marB="0" anchor="b">
+                    <a:lnL>
+                      <a:noFill/>
+                    </a:lnL>
+                    <a:lnR>
+                      <a:noFill/>
+                    </a:lnR>
+                    <a:lnT>
+                      <a:noFill/>
+                    </a:lnT>
+                    <a:lnB>
+                      <a:noFill/>
+                    </a:lnB>
+                  </a:tcPr>
+                </a:tc>
+                <a:tc>
+                  <a:txBody>
+                    <a:bodyPr/>
+                    <a:lstStyle/>
+                    <a:p>
+                      <a:pPr algn="l" fontAlgn="b"/>
+                      <a:endParaRPr lang="en-US" sz="800" b="0" i="0" u="none" strike="noStrike" dirty="0">
+                        <a:solidFill>
+                          <a:srgbClr val="000000"/>
+                        </a:solidFill>
+                        <a:effectLst/>
+                        <a:latin typeface="Calibri" panose="020F0502020204030204" pitchFamily="34" charset="0"/>
+                      </a:endParaRPr>
+                    </a:p>
+                  </a:txBody>
+                  <a:tcPr marL="9525" marR="9525" marT="9525" marB="0" anchor="b">
+                    <a:lnL>
+                      <a:noFill/>
+                    </a:lnL>
+                    <a:lnR>
+                      <a:noFill/>
+                    </a:lnR>
+                    <a:lnT>
+                      <a:noFill/>
+                    </a:lnT>
+                    <a:lnB>
+                      <a:noFill/>
+                    </a:lnB>
+                  </a:tcPr>
+                </a:tc>
+                <a:tc>
+                  <a:txBody>
+                    <a:bodyPr/>
+                    <a:lstStyle/>
+                    <a:p>
+                      <a:pPr algn="l" fontAlgn="b"/>
+                      <a:r>
+                        <a:rPr lang="en-US" sz="800" b="0" i="0" u="none" strike="noStrike" dirty="0">
+                          <a:solidFill>
+                            <a:srgbClr val="000000"/>
+                          </a:solidFill>
+                          <a:effectLst/>
+                          <a:latin typeface="Calibri" panose="020F0502020204030204" pitchFamily="34" charset="0"/>
+                        </a:rPr>
+                        <a:t>             360,995.00 </a:t>
+                      </a:r>
+                    </a:p>
+                  </a:txBody>
+                  <a:tcPr marL="9525" marR="9525" marT="9525" marB="0" anchor="b">
+                    <a:lnL>
+                      <a:noFill/>
+                    </a:lnL>
+                    <a:lnR w="12700" cap="flat" cmpd="sng" algn="ctr">
+                      <a:solidFill>
+                        <a:srgbClr val="000000"/>
+                      </a:solidFill>
+                      <a:prstDash val="solid"/>
+                      <a:round/>
+                      <a:headEnd type="none" w="med" len="med"/>
+                      <a:tailEnd type="none" w="med" len="med"/>
+                    </a:lnR>
+                    <a:lnT>
+                      <a:noFill/>
+                    </a:lnT>
+                    <a:lnB>
+                      <a:noFill/>
+                    </a:lnB>
+                  </a:tcPr>
+                </a:tc>
+                <a:extLst>
+                  <a:ext uri="{0D108BD9-81ED-4DB2-BD59-A6C34878D82A}">
+                    <a16:rowId xmlns:a16="http://schemas.microsoft.com/office/drawing/2014/main" val="2416977165"/>
+                  </a:ext>
+                </a:extLst>
+              </a:tr>
+              <a:tr h="231232">
+                <a:tc>
+                  <a:txBody>
+                    <a:bodyPr/>
+                    <a:lstStyle/>
+                    <a:p>
+                      <a:pPr algn="r" fontAlgn="b"/>
+                      <a:r>
+                        <a:rPr lang="en-US" sz="800" b="0" i="0" u="none" strike="noStrike">
+                          <a:solidFill>
+                            <a:srgbClr val="000000"/>
+                          </a:solidFill>
+                          <a:effectLst/>
+                          <a:latin typeface="Calibri" panose="020F0502020204030204" pitchFamily="34" charset="0"/>
+                        </a:rPr>
+                        <a:t>16</a:t>
+                      </a:r>
+                    </a:p>
+                  </a:txBody>
+                  <a:tcPr marL="9525" marR="9525" marT="9525" marB="0" anchor="b">
+                    <a:lnL>
+                      <a:noFill/>
+                    </a:lnL>
+                    <a:lnR>
+                      <a:noFill/>
+                    </a:lnR>
+                    <a:lnT>
+                      <a:noFill/>
+                    </a:lnT>
+                    <a:lnB>
+                      <a:noFill/>
+                    </a:lnB>
+                  </a:tcPr>
+                </a:tc>
+                <a:tc>
+                  <a:txBody>
+                    <a:bodyPr/>
+                    <a:lstStyle/>
+                    <a:p>
+                      <a:pPr algn="l" fontAlgn="b"/>
+                      <a:r>
+                        <a:rPr lang="en-US" sz="800" b="0" i="0" u="none" strike="noStrike">
+                          <a:solidFill>
+                            <a:srgbClr val="000000"/>
+                          </a:solidFill>
+                          <a:effectLst/>
+                          <a:latin typeface="Calibri" panose="020F0502020204030204" pitchFamily="34" charset="0"/>
+                        </a:rPr>
+                        <a:t>          314,668.50 </a:t>
+                      </a:r>
+                    </a:p>
+                  </a:txBody>
+                  <a:tcPr marL="9525" marR="9525" marT="9525" marB="0" anchor="b">
+                    <a:lnL>
+                      <a:noFill/>
+                    </a:lnL>
+                    <a:lnR>
+                      <a:noFill/>
+                    </a:lnR>
+                    <a:lnT>
+                      <a:noFill/>
+                    </a:lnT>
+                    <a:lnB>
+                      <a:noFill/>
+                    </a:lnB>
+                  </a:tcPr>
+                </a:tc>
+                <a:tc>
+                  <a:txBody>
+                    <a:bodyPr/>
+                    <a:lstStyle/>
+                    <a:p>
+                      <a:pPr algn="l" fontAlgn="b"/>
+                      <a:endParaRPr lang="en-US" sz="800" b="0" i="0" u="none" strike="noStrike">
+                        <a:solidFill>
+                          <a:srgbClr val="000000"/>
+                        </a:solidFill>
+                        <a:effectLst/>
+                        <a:latin typeface="Calibri" panose="020F0502020204030204" pitchFamily="34" charset="0"/>
+                      </a:endParaRPr>
+                    </a:p>
+                  </a:txBody>
+                  <a:tcPr marL="9525" marR="9525" marT="9525" marB="0" anchor="b">
+                    <a:lnL>
+                      <a:noFill/>
+                    </a:lnL>
+                    <a:lnR>
+                      <a:noFill/>
+                    </a:lnR>
+                    <a:lnT>
+                      <a:noFill/>
+                    </a:lnT>
+                    <a:lnB>
+                      <a:noFill/>
+                    </a:lnB>
+                  </a:tcPr>
+                </a:tc>
+                <a:tc>
+                  <a:txBody>
+                    <a:bodyPr/>
+                    <a:lstStyle/>
+                    <a:p>
+                      <a:pPr algn="l" fontAlgn="b"/>
+                      <a:r>
+                        <a:rPr lang="en-US" sz="800" b="0" i="0" u="none" strike="noStrike">
+                          <a:solidFill>
+                            <a:srgbClr val="000000"/>
+                          </a:solidFill>
+                          <a:effectLst/>
+                          <a:latin typeface="Calibri" panose="020F0502020204030204" pitchFamily="34" charset="0"/>
+                        </a:rPr>
+                        <a:t>          473,527.00 </a:t>
+                      </a:r>
+                    </a:p>
+                  </a:txBody>
+                  <a:tcPr marL="9525" marR="9525" marT="9525" marB="0" anchor="b">
+                    <a:lnL>
+                      <a:noFill/>
+                    </a:lnL>
+                    <a:lnR>
+                      <a:noFill/>
+                    </a:lnR>
+                    <a:lnT>
+                      <a:noFill/>
+                    </a:lnT>
+                    <a:lnB>
+                      <a:noFill/>
+                    </a:lnB>
+                  </a:tcPr>
+                </a:tc>
+                <a:tc>
+                  <a:txBody>
+                    <a:bodyPr/>
+                    <a:lstStyle/>
+                    <a:p>
+                      <a:pPr algn="l" fontAlgn="b"/>
+                      <a:endParaRPr lang="en-US" sz="800" b="0" i="0" u="none" strike="noStrike" dirty="0">
+                        <a:solidFill>
+                          <a:srgbClr val="000000"/>
+                        </a:solidFill>
+                        <a:effectLst/>
+                        <a:latin typeface="Calibri" panose="020F0502020204030204" pitchFamily="34" charset="0"/>
+                      </a:endParaRPr>
+                    </a:p>
+                  </a:txBody>
+                  <a:tcPr marL="9525" marR="9525" marT="9525" marB="0" anchor="b">
+                    <a:lnL>
+                      <a:noFill/>
+                    </a:lnL>
+                    <a:lnR>
+                      <a:noFill/>
+                    </a:lnR>
+                    <a:lnT>
+                      <a:noFill/>
+                    </a:lnT>
+                    <a:lnB>
+                      <a:noFill/>
+                    </a:lnB>
+                  </a:tcPr>
+                </a:tc>
+                <a:tc>
+                  <a:txBody>
+                    <a:bodyPr/>
+                    <a:lstStyle/>
+                    <a:p>
+                      <a:pPr algn="l" fontAlgn="b"/>
+                      <a:r>
+                        <a:rPr lang="en-US" sz="800" b="0" i="0" u="none" strike="noStrike" dirty="0">
+                          <a:solidFill>
+                            <a:srgbClr val="000000"/>
+                          </a:solidFill>
+                          <a:effectLst/>
+                          <a:latin typeface="Calibri" panose="020F0502020204030204" pitchFamily="34" charset="0"/>
+                        </a:rPr>
+                        <a:t>             489,675.50 </a:t>
+                      </a:r>
+                    </a:p>
+                  </a:txBody>
+                  <a:tcPr marL="9525" marR="9525" marT="9525" marB="0" anchor="b">
+                    <a:lnL>
+                      <a:noFill/>
+                    </a:lnL>
+                    <a:lnR w="12700" cap="flat" cmpd="sng" algn="ctr">
+                      <a:solidFill>
+                        <a:srgbClr val="000000"/>
+                      </a:solidFill>
+                      <a:prstDash val="solid"/>
+                      <a:round/>
+                      <a:headEnd type="none" w="med" len="med"/>
+                      <a:tailEnd type="none" w="med" len="med"/>
+                    </a:lnR>
+                    <a:lnT>
+                      <a:noFill/>
+                    </a:lnT>
+                    <a:lnB>
+                      <a:noFill/>
+                    </a:lnB>
+                  </a:tcPr>
+                </a:tc>
+                <a:extLst>
+                  <a:ext uri="{0D108BD9-81ED-4DB2-BD59-A6C34878D82A}">
+                    <a16:rowId xmlns:a16="http://schemas.microsoft.com/office/drawing/2014/main" val="3693426018"/>
+                  </a:ext>
+                </a:extLst>
+              </a:tr>
+              <a:tr h="231232">
+                <a:tc>
+                  <a:txBody>
+                    <a:bodyPr/>
+                    <a:lstStyle/>
+                    <a:p>
+                      <a:pPr algn="r" fontAlgn="b"/>
+                      <a:r>
+                        <a:rPr lang="en-US" sz="800" b="0" i="0" u="none" strike="noStrike">
+                          <a:solidFill>
+                            <a:srgbClr val="000000"/>
+                          </a:solidFill>
+                          <a:effectLst/>
+                          <a:latin typeface="Calibri" panose="020F0502020204030204" pitchFamily="34" charset="0"/>
+                        </a:rPr>
+                        <a:t>20</a:t>
+                      </a:r>
+                    </a:p>
+                  </a:txBody>
+                  <a:tcPr marL="9525" marR="9525" marT="9525" marB="0" anchor="b">
+                    <a:lnL>
+                      <a:noFill/>
+                    </a:lnL>
+                    <a:lnR>
+                      <a:noFill/>
+                    </a:lnR>
+                    <a:lnT>
+                      <a:noFill/>
+                    </a:lnT>
+                    <a:lnB>
+                      <a:noFill/>
+                    </a:lnB>
+                  </a:tcPr>
+                </a:tc>
+                <a:tc>
+                  <a:txBody>
+                    <a:bodyPr/>
+                    <a:lstStyle/>
+                    <a:p>
+                      <a:pPr algn="l" fontAlgn="b"/>
+                      <a:r>
+                        <a:rPr lang="en-US" sz="800" b="0" i="0" u="none" strike="noStrike">
+                          <a:solidFill>
+                            <a:srgbClr val="000000"/>
+                          </a:solidFill>
+                          <a:effectLst/>
+                          <a:latin typeface="Calibri" panose="020F0502020204030204" pitchFamily="34" charset="0"/>
+                        </a:rPr>
+                        <a:t>          406,371.50 </a:t>
+                      </a:r>
+                    </a:p>
+                  </a:txBody>
+                  <a:tcPr marL="9525" marR="9525" marT="9525" marB="0" anchor="b">
+                    <a:lnL>
+                      <a:noFill/>
+                    </a:lnL>
+                    <a:lnR>
+                      <a:noFill/>
+                    </a:lnR>
+                    <a:lnT>
+                      <a:noFill/>
+                    </a:lnT>
+                    <a:lnB>
+                      <a:noFill/>
+                    </a:lnB>
+                  </a:tcPr>
+                </a:tc>
+                <a:tc>
+                  <a:txBody>
+                    <a:bodyPr/>
+                    <a:lstStyle/>
+                    <a:p>
+                      <a:pPr algn="l" fontAlgn="b"/>
+                      <a:endParaRPr lang="en-US" sz="800" b="0" i="0" u="none" strike="noStrike" dirty="0">
+                        <a:solidFill>
+                          <a:srgbClr val="000000"/>
+                        </a:solidFill>
+                        <a:effectLst/>
+                        <a:latin typeface="Calibri" panose="020F0502020204030204" pitchFamily="34" charset="0"/>
+                      </a:endParaRPr>
+                    </a:p>
+                  </a:txBody>
+                  <a:tcPr marL="9525" marR="9525" marT="9525" marB="0" anchor="b">
+                    <a:lnL>
+                      <a:noFill/>
+                    </a:lnL>
+                    <a:lnR>
+                      <a:noFill/>
+                    </a:lnR>
+                    <a:lnT>
+                      <a:noFill/>
+                    </a:lnT>
+                    <a:lnB>
+                      <a:noFill/>
+                    </a:lnB>
+                  </a:tcPr>
+                </a:tc>
+                <a:tc>
+                  <a:txBody>
+                    <a:bodyPr/>
+                    <a:lstStyle/>
+                    <a:p>
+                      <a:pPr algn="l" fontAlgn="b"/>
+                      <a:r>
+                        <a:rPr lang="en-US" sz="800" b="0" i="0" u="none" strike="noStrike">
+                          <a:solidFill>
+                            <a:srgbClr val="000000"/>
+                          </a:solidFill>
+                          <a:effectLst/>
+                          <a:latin typeface="Calibri" panose="020F0502020204030204" pitchFamily="34" charset="0"/>
+                        </a:rPr>
+                        <a:t>          596,557.50 </a:t>
+                      </a:r>
+                    </a:p>
+                  </a:txBody>
+                  <a:tcPr marL="9525" marR="9525" marT="9525" marB="0" anchor="b">
+                    <a:lnL>
+                      <a:noFill/>
+                    </a:lnL>
+                    <a:lnR>
+                      <a:noFill/>
+                    </a:lnR>
+                    <a:lnT>
+                      <a:noFill/>
+                    </a:lnT>
+                    <a:lnB>
+                      <a:noFill/>
+                    </a:lnB>
+                  </a:tcPr>
+                </a:tc>
+                <a:tc>
+                  <a:txBody>
+                    <a:bodyPr/>
+                    <a:lstStyle/>
+                    <a:p>
+                      <a:pPr algn="l" fontAlgn="b"/>
+                      <a:endParaRPr lang="en-US" sz="800" b="0" i="0" u="none" strike="noStrike">
+                        <a:solidFill>
+                          <a:srgbClr val="000000"/>
+                        </a:solidFill>
+                        <a:effectLst/>
+                        <a:latin typeface="Calibri" panose="020F0502020204030204" pitchFamily="34" charset="0"/>
+                      </a:endParaRPr>
+                    </a:p>
+                  </a:txBody>
+                  <a:tcPr marL="9525" marR="9525" marT="9525" marB="0" anchor="b">
+                    <a:lnL>
+                      <a:noFill/>
+                    </a:lnL>
+                    <a:lnR>
+                      <a:noFill/>
+                    </a:lnR>
+                    <a:lnT>
+                      <a:noFill/>
+                    </a:lnT>
+                    <a:lnB>
+                      <a:noFill/>
+                    </a:lnB>
+                  </a:tcPr>
+                </a:tc>
+                <a:tc>
+                  <a:txBody>
+                    <a:bodyPr/>
+                    <a:lstStyle/>
+                    <a:p>
+                      <a:pPr algn="l" fontAlgn="b"/>
+                      <a:r>
+                        <a:rPr lang="en-US" sz="800" b="0" i="0" u="none" strike="noStrike" dirty="0">
+                          <a:solidFill>
+                            <a:srgbClr val="000000"/>
+                          </a:solidFill>
+                          <a:effectLst/>
+                          <a:latin typeface="Calibri" panose="020F0502020204030204" pitchFamily="34" charset="0"/>
+                        </a:rPr>
+                        <a:t>             616,779.50 </a:t>
+                      </a:r>
+                    </a:p>
+                  </a:txBody>
+                  <a:tcPr marL="9525" marR="9525" marT="9525" marB="0" anchor="b">
+                    <a:lnL>
+                      <a:noFill/>
+                    </a:lnL>
+                    <a:lnR w="12700" cap="flat" cmpd="sng" algn="ctr">
+                      <a:solidFill>
+                        <a:srgbClr val="000000"/>
+                      </a:solidFill>
+                      <a:prstDash val="solid"/>
+                      <a:round/>
+                      <a:headEnd type="none" w="med" len="med"/>
+                      <a:tailEnd type="none" w="med" len="med"/>
+                    </a:lnR>
+                    <a:lnT>
+                      <a:noFill/>
+                    </a:lnT>
+                    <a:lnB>
+                      <a:noFill/>
+                    </a:lnB>
+                  </a:tcPr>
+                </a:tc>
+                <a:extLst>
+                  <a:ext uri="{0D108BD9-81ED-4DB2-BD59-A6C34878D82A}">
+                    <a16:rowId xmlns:a16="http://schemas.microsoft.com/office/drawing/2014/main" val="1416961017"/>
+                  </a:ext>
+                </a:extLst>
+              </a:tr>
+              <a:tr h="231232">
+                <a:tc>
+                  <a:txBody>
+                    <a:bodyPr/>
+                    <a:lstStyle/>
+                    <a:p>
+                      <a:pPr algn="r" fontAlgn="b"/>
+                      <a:r>
+                        <a:rPr lang="en-US" sz="800" b="0" i="0" u="none" strike="noStrike">
+                          <a:solidFill>
+                            <a:srgbClr val="000000"/>
+                          </a:solidFill>
+                          <a:effectLst/>
+                          <a:latin typeface="Calibri" panose="020F0502020204030204" pitchFamily="34" charset="0"/>
+                        </a:rPr>
+                        <a:t>24</a:t>
+                      </a:r>
+                    </a:p>
+                  </a:txBody>
+                  <a:tcPr marL="9525" marR="9525" marT="9525" marB="0" anchor="b">
+                    <a:lnL>
+                      <a:noFill/>
+                    </a:lnL>
+                    <a:lnR>
+                      <a:noFill/>
+                    </a:lnR>
+                    <a:lnT>
+                      <a:noFill/>
+                    </a:lnT>
+                    <a:lnB>
+                      <a:noFill/>
+                    </a:lnB>
+                  </a:tcPr>
+                </a:tc>
+                <a:tc>
+                  <a:txBody>
+                    <a:bodyPr/>
+                    <a:lstStyle/>
+                    <a:p>
+                      <a:pPr algn="l" fontAlgn="b"/>
+                      <a:r>
+                        <a:rPr lang="en-US" sz="800" b="0" i="0" u="none" strike="noStrike">
+                          <a:solidFill>
+                            <a:srgbClr val="000000"/>
+                          </a:solidFill>
+                          <a:effectLst/>
+                          <a:latin typeface="Calibri" panose="020F0502020204030204" pitchFamily="34" charset="0"/>
+                        </a:rPr>
+                        <a:t>          498,563.50 </a:t>
+                      </a:r>
+                    </a:p>
+                  </a:txBody>
+                  <a:tcPr marL="9525" marR="9525" marT="9525" marB="0" anchor="b">
+                    <a:lnL>
+                      <a:noFill/>
+                    </a:lnL>
+                    <a:lnR>
+                      <a:noFill/>
+                    </a:lnR>
+                    <a:lnT>
+                      <a:noFill/>
+                    </a:lnT>
+                    <a:lnB>
+                      <a:noFill/>
+                    </a:lnB>
+                  </a:tcPr>
+                </a:tc>
+                <a:tc>
+                  <a:txBody>
+                    <a:bodyPr/>
+                    <a:lstStyle/>
+                    <a:p>
+                      <a:pPr algn="l" fontAlgn="b"/>
+                      <a:endParaRPr lang="en-US" sz="800" b="0" i="0" u="none" strike="noStrike">
+                        <a:solidFill>
+                          <a:srgbClr val="000000"/>
+                        </a:solidFill>
+                        <a:effectLst/>
+                        <a:latin typeface="Calibri" panose="020F0502020204030204" pitchFamily="34" charset="0"/>
+                      </a:endParaRPr>
+                    </a:p>
+                  </a:txBody>
+                  <a:tcPr marL="9525" marR="9525" marT="9525" marB="0" anchor="b">
+                    <a:lnL>
+                      <a:noFill/>
+                    </a:lnL>
+                    <a:lnR>
+                      <a:noFill/>
+                    </a:lnR>
+                    <a:lnT>
+                      <a:noFill/>
+                    </a:lnT>
+                    <a:lnB>
+                      <a:noFill/>
+                    </a:lnB>
+                  </a:tcPr>
+                </a:tc>
+                <a:tc>
+                  <a:txBody>
+                    <a:bodyPr/>
+                    <a:lstStyle/>
+                    <a:p>
+                      <a:pPr algn="l" fontAlgn="b"/>
+                      <a:r>
+                        <a:rPr lang="en-US" sz="800" b="0" i="0" u="none" strike="noStrike">
+                          <a:solidFill>
+                            <a:srgbClr val="000000"/>
+                          </a:solidFill>
+                          <a:effectLst/>
+                          <a:latin typeface="Calibri" panose="020F0502020204030204" pitchFamily="34" charset="0"/>
+                        </a:rPr>
+                        <a:t>          729,188.50 </a:t>
+                      </a:r>
+                    </a:p>
+                  </a:txBody>
+                  <a:tcPr marL="9525" marR="9525" marT="9525" marB="0" anchor="b">
+                    <a:lnL>
+                      <a:noFill/>
+                    </a:lnL>
+                    <a:lnR>
+                      <a:noFill/>
+                    </a:lnR>
+                    <a:lnT>
+                      <a:noFill/>
+                    </a:lnT>
+                    <a:lnB>
+                      <a:noFill/>
+                    </a:lnB>
+                  </a:tcPr>
+                </a:tc>
+                <a:tc>
+                  <a:txBody>
+                    <a:bodyPr/>
+                    <a:lstStyle/>
+                    <a:p>
+                      <a:pPr algn="l" fontAlgn="b"/>
+                      <a:endParaRPr lang="en-US" sz="800" b="0" i="0" u="none" strike="noStrike">
+                        <a:solidFill>
+                          <a:srgbClr val="000000"/>
+                        </a:solidFill>
+                        <a:effectLst/>
+                        <a:latin typeface="Calibri" panose="020F0502020204030204" pitchFamily="34" charset="0"/>
+                      </a:endParaRPr>
+                    </a:p>
+                  </a:txBody>
+                  <a:tcPr marL="9525" marR="9525" marT="9525" marB="0" anchor="b">
+                    <a:lnL>
+                      <a:noFill/>
+                    </a:lnL>
+                    <a:lnR>
+                      <a:noFill/>
+                    </a:lnR>
+                    <a:lnT>
+                      <a:noFill/>
+                    </a:lnT>
+                    <a:lnB>
+                      <a:noFill/>
+                    </a:lnB>
+                  </a:tcPr>
+                </a:tc>
+                <a:tc>
+                  <a:txBody>
+                    <a:bodyPr/>
+                    <a:lstStyle/>
+                    <a:p>
+                      <a:pPr algn="l" fontAlgn="b"/>
+                      <a:r>
+                        <a:rPr lang="en-US" sz="800" b="0" i="0" u="none" strike="noStrike" dirty="0">
+                          <a:solidFill>
+                            <a:srgbClr val="000000"/>
+                          </a:solidFill>
+                          <a:effectLst/>
+                          <a:latin typeface="Calibri" panose="020F0502020204030204" pitchFamily="34" charset="0"/>
+                        </a:rPr>
+                        <a:t>             735,166.50 </a:t>
+                      </a:r>
+                    </a:p>
+                  </a:txBody>
+                  <a:tcPr marL="9525" marR="9525" marT="9525" marB="0" anchor="b">
+                    <a:lnL>
+                      <a:noFill/>
+                    </a:lnL>
+                    <a:lnR w="12700" cap="flat" cmpd="sng" algn="ctr">
+                      <a:solidFill>
+                        <a:srgbClr val="000000"/>
+                      </a:solidFill>
+                      <a:prstDash val="solid"/>
+                      <a:round/>
+                      <a:headEnd type="none" w="med" len="med"/>
+                      <a:tailEnd type="none" w="med" len="med"/>
+                    </a:lnR>
+                    <a:lnT>
+                      <a:noFill/>
+                    </a:lnT>
+                    <a:lnB>
+                      <a:noFill/>
+                    </a:lnB>
+                  </a:tcPr>
+                </a:tc>
+                <a:extLst>
+                  <a:ext uri="{0D108BD9-81ED-4DB2-BD59-A6C34878D82A}">
+                    <a16:rowId xmlns:a16="http://schemas.microsoft.com/office/drawing/2014/main" val="4166849019"/>
+                  </a:ext>
+                </a:extLst>
+              </a:tr>
+              <a:tr h="231232">
+                <a:tc>
+                  <a:txBody>
+                    <a:bodyPr/>
+                    <a:lstStyle/>
+                    <a:p>
+                      <a:pPr algn="r" fontAlgn="b"/>
+                      <a:r>
+                        <a:rPr lang="en-US" sz="800" b="0" i="0" u="none" strike="noStrike">
+                          <a:solidFill>
+                            <a:srgbClr val="000000"/>
+                          </a:solidFill>
+                          <a:effectLst/>
+                          <a:latin typeface="Calibri" panose="020F0502020204030204" pitchFamily="34" charset="0"/>
+                        </a:rPr>
+                        <a:t>28</a:t>
+                      </a:r>
+                    </a:p>
+                  </a:txBody>
+                  <a:tcPr marL="9525" marR="9525" marT="9525" marB="0" anchor="b">
+                    <a:lnL>
+                      <a:noFill/>
+                    </a:lnL>
+                    <a:lnR>
+                      <a:noFill/>
+                    </a:lnR>
+                    <a:lnT>
+                      <a:noFill/>
+                    </a:lnT>
+                    <a:lnB>
+                      <a:noFill/>
+                    </a:lnB>
+                  </a:tcPr>
+                </a:tc>
+                <a:tc>
+                  <a:txBody>
+                    <a:bodyPr/>
+                    <a:lstStyle/>
+                    <a:p>
+                      <a:pPr algn="l" fontAlgn="b"/>
+                      <a:r>
+                        <a:rPr lang="en-US" sz="800" b="0" i="0" u="none" strike="noStrike">
+                          <a:solidFill>
+                            <a:srgbClr val="000000"/>
+                          </a:solidFill>
+                          <a:effectLst/>
+                          <a:latin typeface="Calibri" panose="020F0502020204030204" pitchFamily="34" charset="0"/>
+                        </a:rPr>
+                        <a:t>          597,434.00 </a:t>
+                      </a:r>
+                    </a:p>
+                  </a:txBody>
+                  <a:tcPr marL="9525" marR="9525" marT="9525" marB="0" anchor="b">
+                    <a:lnL>
+                      <a:noFill/>
+                    </a:lnL>
+                    <a:lnR>
+                      <a:noFill/>
+                    </a:lnR>
+                    <a:lnT>
+                      <a:noFill/>
+                    </a:lnT>
+                    <a:lnB>
+                      <a:noFill/>
+                    </a:lnB>
+                  </a:tcPr>
+                </a:tc>
+                <a:tc>
+                  <a:txBody>
+                    <a:bodyPr/>
+                    <a:lstStyle/>
+                    <a:p>
+                      <a:pPr algn="l" fontAlgn="b"/>
+                      <a:endParaRPr lang="en-US" sz="800" b="0" i="0" u="none" strike="noStrike">
+                        <a:solidFill>
+                          <a:srgbClr val="000000"/>
+                        </a:solidFill>
+                        <a:effectLst/>
+                        <a:latin typeface="Calibri" panose="020F0502020204030204" pitchFamily="34" charset="0"/>
+                      </a:endParaRPr>
+                    </a:p>
+                  </a:txBody>
+                  <a:tcPr marL="9525" marR="9525" marT="9525" marB="0" anchor="b">
+                    <a:lnL>
+                      <a:noFill/>
+                    </a:lnL>
+                    <a:lnR>
+                      <a:noFill/>
+                    </a:lnR>
+                    <a:lnT>
+                      <a:noFill/>
+                    </a:lnT>
+                    <a:lnB>
+                      <a:noFill/>
+                    </a:lnB>
+                  </a:tcPr>
+                </a:tc>
+                <a:tc>
+                  <a:txBody>
+                    <a:bodyPr/>
+                    <a:lstStyle/>
+                    <a:p>
+                      <a:pPr algn="l" fontAlgn="b"/>
+                      <a:r>
+                        <a:rPr lang="en-US" sz="800" b="0" i="0" u="none" strike="noStrike">
+                          <a:solidFill>
+                            <a:srgbClr val="000000"/>
+                          </a:solidFill>
+                          <a:effectLst/>
+                          <a:latin typeface="Calibri" panose="020F0502020204030204" pitchFamily="34" charset="0"/>
+                        </a:rPr>
+                        <a:t>          845,836.50 </a:t>
+                      </a:r>
+                    </a:p>
+                  </a:txBody>
+                  <a:tcPr marL="9525" marR="9525" marT="9525" marB="0" anchor="b">
+                    <a:lnL>
+                      <a:noFill/>
+                    </a:lnL>
+                    <a:lnR>
+                      <a:noFill/>
+                    </a:lnR>
+                    <a:lnT>
+                      <a:noFill/>
+                    </a:lnT>
+                    <a:lnB>
+                      <a:noFill/>
+                    </a:lnB>
+                  </a:tcPr>
+                </a:tc>
+                <a:tc>
+                  <a:txBody>
+                    <a:bodyPr/>
+                    <a:lstStyle/>
+                    <a:p>
+                      <a:pPr algn="l" fontAlgn="b"/>
+                      <a:endParaRPr lang="en-US" sz="800" b="0" i="0" u="none" strike="noStrike">
+                        <a:solidFill>
+                          <a:srgbClr val="000000"/>
+                        </a:solidFill>
+                        <a:effectLst/>
+                        <a:latin typeface="Calibri" panose="020F0502020204030204" pitchFamily="34" charset="0"/>
+                      </a:endParaRPr>
+                    </a:p>
+                  </a:txBody>
+                  <a:tcPr marL="9525" marR="9525" marT="9525" marB="0" anchor="b">
+                    <a:lnL>
+                      <a:noFill/>
+                    </a:lnL>
+                    <a:lnR>
+                      <a:noFill/>
+                    </a:lnR>
+                    <a:lnT>
+                      <a:noFill/>
+                    </a:lnT>
+                    <a:lnB>
+                      <a:noFill/>
+                    </a:lnB>
+                  </a:tcPr>
+                </a:tc>
+                <a:tc>
+                  <a:txBody>
+                    <a:bodyPr/>
+                    <a:lstStyle/>
+                    <a:p>
+                      <a:pPr algn="l" fontAlgn="b"/>
+                      <a:r>
+                        <a:rPr lang="en-US" sz="800" b="0" i="0" u="none" strike="noStrike" dirty="0">
+                          <a:solidFill>
+                            <a:srgbClr val="000000"/>
+                          </a:solidFill>
+                          <a:effectLst/>
+                          <a:latin typeface="Calibri" panose="020F0502020204030204" pitchFamily="34" charset="0"/>
+                        </a:rPr>
+                        <a:t>             876,417.50 </a:t>
+                      </a:r>
+                    </a:p>
+                  </a:txBody>
+                  <a:tcPr marL="9525" marR="9525" marT="9525" marB="0" anchor="b">
+                    <a:lnL>
+                      <a:noFill/>
+                    </a:lnL>
+                    <a:lnR w="12700" cap="flat" cmpd="sng" algn="ctr">
+                      <a:solidFill>
+                        <a:srgbClr val="000000"/>
+                      </a:solidFill>
+                      <a:prstDash val="solid"/>
+                      <a:round/>
+                      <a:headEnd type="none" w="med" len="med"/>
+                      <a:tailEnd type="none" w="med" len="med"/>
+                    </a:lnR>
+                    <a:lnT>
+                      <a:noFill/>
+                    </a:lnT>
+                    <a:lnB>
+                      <a:noFill/>
+                    </a:lnB>
+                  </a:tcPr>
+                </a:tc>
+                <a:extLst>
+                  <a:ext uri="{0D108BD9-81ED-4DB2-BD59-A6C34878D82A}">
+                    <a16:rowId xmlns:a16="http://schemas.microsoft.com/office/drawing/2014/main" val="480039424"/>
+                  </a:ext>
+                </a:extLst>
+              </a:tr>
+              <a:tr h="231232">
+                <a:tc>
+                  <a:txBody>
+                    <a:bodyPr/>
+                    <a:lstStyle/>
+                    <a:p>
+                      <a:pPr algn="r" fontAlgn="b"/>
+                      <a:r>
+                        <a:rPr lang="en-US" sz="800" b="0" i="0" u="none" strike="noStrike">
+                          <a:solidFill>
+                            <a:srgbClr val="000000"/>
+                          </a:solidFill>
+                          <a:effectLst/>
+                          <a:latin typeface="Calibri" panose="020F0502020204030204" pitchFamily="34" charset="0"/>
+                        </a:rPr>
+                        <a:t>32</a:t>
+                      </a:r>
+                    </a:p>
+                  </a:txBody>
+                  <a:tcPr marL="9525" marR="9525" marT="9525" marB="0" anchor="b">
+                    <a:lnL>
+                      <a:noFill/>
+                    </a:lnL>
+                    <a:lnR>
+                      <a:noFill/>
+                    </a:lnR>
+                    <a:lnT>
+                      <a:noFill/>
+                    </a:lnT>
+                    <a:lnB w="12700" cap="flat" cmpd="sng" algn="ctr">
+                      <a:solidFill>
+                        <a:srgbClr val="000000"/>
+                      </a:solidFill>
+                      <a:prstDash val="solid"/>
+                      <a:round/>
+                      <a:headEnd type="none" w="med" len="med"/>
+                      <a:tailEnd type="none" w="med" len="med"/>
+                    </a:lnB>
+                  </a:tcPr>
+                </a:tc>
+                <a:tc>
+                  <a:txBody>
+                    <a:bodyPr/>
+                    <a:lstStyle/>
+                    <a:p>
+                      <a:pPr algn="l" fontAlgn="b"/>
+                      <a:r>
+                        <a:rPr lang="en-US" sz="800" b="0" i="0" u="none" strike="noStrike">
+                          <a:solidFill>
+                            <a:srgbClr val="000000"/>
+                          </a:solidFill>
+                          <a:effectLst/>
+                          <a:latin typeface="Calibri" panose="020F0502020204030204" pitchFamily="34" charset="0"/>
+                        </a:rPr>
+                        <a:t>          695,308.00 </a:t>
+                      </a:r>
+                    </a:p>
+                  </a:txBody>
+                  <a:tcPr marL="9525" marR="9525" marT="9525" marB="0" anchor="b">
+                    <a:lnL>
+                      <a:noFill/>
+                    </a:lnL>
+                    <a:lnR>
+                      <a:noFill/>
+                    </a:lnR>
+                    <a:lnT>
+                      <a:noFill/>
+                    </a:lnT>
+                    <a:lnB w="12700" cap="flat" cmpd="sng" algn="ctr">
+                      <a:solidFill>
+                        <a:srgbClr val="000000"/>
+                      </a:solidFill>
+                      <a:prstDash val="solid"/>
+                      <a:round/>
+                      <a:headEnd type="none" w="med" len="med"/>
+                      <a:tailEnd type="none" w="med" len="med"/>
+                    </a:lnB>
+                  </a:tcPr>
+                </a:tc>
+                <a:tc>
+                  <a:txBody>
+                    <a:bodyPr/>
+                    <a:lstStyle/>
+                    <a:p>
+                      <a:pPr algn="l" fontAlgn="b"/>
+                      <a:r>
+                        <a:rPr lang="en-US" sz="800" b="0" i="0" u="none" strike="noStrike">
+                          <a:solidFill>
+                            <a:srgbClr val="000000"/>
+                          </a:solidFill>
+                          <a:effectLst/>
+                          <a:latin typeface="Calibri" panose="020F0502020204030204" pitchFamily="34" charset="0"/>
+                        </a:rPr>
+                        <a:t> </a:t>
+                      </a:r>
+                    </a:p>
+                  </a:txBody>
+                  <a:tcPr marL="9525" marR="9525" marT="9525" marB="0" anchor="b">
+                    <a:lnL>
+                      <a:noFill/>
+                    </a:lnL>
+                    <a:lnR>
+                      <a:noFill/>
+                    </a:lnR>
+                    <a:lnT>
+                      <a:noFill/>
+                    </a:lnT>
+                    <a:lnB w="12700" cap="flat" cmpd="sng" algn="ctr">
+                      <a:solidFill>
+                        <a:srgbClr val="000000"/>
+                      </a:solidFill>
+                      <a:prstDash val="solid"/>
+                      <a:round/>
+                      <a:headEnd type="none" w="med" len="med"/>
+                      <a:tailEnd type="none" w="med" len="med"/>
+                    </a:lnB>
+                  </a:tcPr>
+                </a:tc>
+                <a:tc>
+                  <a:txBody>
+                    <a:bodyPr/>
+                    <a:lstStyle/>
+                    <a:p>
+                      <a:pPr algn="l" fontAlgn="b"/>
+                      <a:r>
+                        <a:rPr lang="en-US" sz="800" b="0" i="0" u="none" strike="noStrike">
+                          <a:solidFill>
+                            <a:srgbClr val="000000"/>
+                          </a:solidFill>
+                          <a:effectLst/>
+                          <a:latin typeface="Calibri" panose="020F0502020204030204" pitchFamily="34" charset="0"/>
+                        </a:rPr>
+                        <a:t>          975,660.00 </a:t>
+                      </a:r>
+                    </a:p>
+                  </a:txBody>
+                  <a:tcPr marL="9525" marR="9525" marT="9525" marB="0" anchor="b">
+                    <a:lnL>
+                      <a:noFill/>
+                    </a:lnL>
+                    <a:lnR>
+                      <a:noFill/>
+                    </a:lnR>
+                    <a:lnT>
+                      <a:noFill/>
+                    </a:lnT>
+                    <a:lnB w="12700" cap="flat" cmpd="sng" algn="ctr">
+                      <a:solidFill>
+                        <a:srgbClr val="000000"/>
+                      </a:solidFill>
+                      <a:prstDash val="solid"/>
+                      <a:round/>
+                      <a:headEnd type="none" w="med" len="med"/>
+                      <a:tailEnd type="none" w="med" len="med"/>
+                    </a:lnB>
+                  </a:tcPr>
+                </a:tc>
+                <a:tc>
+                  <a:txBody>
+                    <a:bodyPr/>
+                    <a:lstStyle/>
+                    <a:p>
+                      <a:pPr algn="l" fontAlgn="b"/>
+                      <a:r>
+                        <a:rPr lang="en-US" sz="800" b="0" i="0" u="none" strike="noStrike">
+                          <a:solidFill>
+                            <a:srgbClr val="000000"/>
+                          </a:solidFill>
+                          <a:effectLst/>
+                          <a:latin typeface="Calibri" panose="020F0502020204030204" pitchFamily="34" charset="0"/>
+                        </a:rPr>
+                        <a:t> </a:t>
+                      </a:r>
+                    </a:p>
+                  </a:txBody>
+                  <a:tcPr marL="9525" marR="9525" marT="9525" marB="0" anchor="b">
+                    <a:lnL>
+                      <a:noFill/>
+                    </a:lnL>
+                    <a:lnR>
+                      <a:noFill/>
+                    </a:lnR>
+                    <a:lnT>
+                      <a:noFill/>
+                    </a:lnT>
+                    <a:lnB w="12700" cap="flat" cmpd="sng" algn="ctr">
+                      <a:solidFill>
+                        <a:srgbClr val="000000"/>
+                      </a:solidFill>
+                      <a:prstDash val="solid"/>
+                      <a:round/>
+                      <a:headEnd type="none" w="med" len="med"/>
+                      <a:tailEnd type="none" w="med" len="med"/>
+                    </a:lnB>
+                  </a:tcPr>
+                </a:tc>
+                <a:tc>
+                  <a:txBody>
+                    <a:bodyPr/>
+                    <a:lstStyle/>
+                    <a:p>
+                      <a:pPr algn="l" fontAlgn="b"/>
+                      <a:r>
+                        <a:rPr lang="en-US" sz="800" b="0" i="0" u="none" strike="noStrike" dirty="0">
+                          <a:solidFill>
+                            <a:srgbClr val="ED7D31"/>
+                          </a:solidFill>
+                          <a:effectLst/>
+                          <a:latin typeface="Calibri" panose="020F0502020204030204" pitchFamily="34" charset="0"/>
+                        </a:rPr>
+                        <a:t>         1,007,395.00 </a:t>
+                      </a:r>
+                    </a:p>
+                  </a:txBody>
+                  <a:tcPr marL="9525" marR="9525" marT="9525" marB="0" anchor="b">
+                    <a:lnL>
+                      <a:noFill/>
+                    </a:lnL>
+                    <a:lnR w="12700" cap="flat" cmpd="sng" algn="ctr">
+                      <a:solidFill>
+                        <a:srgbClr val="000000"/>
+                      </a:solidFill>
+                      <a:prstDash val="solid"/>
+                      <a:round/>
+                      <a:headEnd type="none" w="med" len="med"/>
+                      <a:tailEnd type="none" w="med" len="med"/>
+                    </a:lnR>
+                    <a:lnT>
+                      <a:noFill/>
+                    </a:lnT>
+                    <a:lnB w="12700" cap="flat" cmpd="sng" algn="ctr">
+                      <a:solidFill>
+                        <a:srgbClr val="000000"/>
+                      </a:solidFill>
+                      <a:prstDash val="solid"/>
+                      <a:round/>
+                      <a:headEnd type="none" w="med" len="med"/>
+                      <a:tailEnd type="none" w="med" len="med"/>
+                    </a:lnB>
+                  </a:tcPr>
+                </a:tc>
+                <a:extLst>
+                  <a:ext uri="{0D108BD9-81ED-4DB2-BD59-A6C34878D82A}">
+                    <a16:rowId xmlns:a16="http://schemas.microsoft.com/office/drawing/2014/main" val="4161579444"/>
+                  </a:ext>
+                </a:extLst>
+              </a:tr>
+            </a:tbl>
+          </a:graphicData>
+        </a:graphic>
+      </p:graphicFrame>
+      <p:pic>
+        <p:nvPicPr>
+          <p:cNvPr id="5" name="Picture 4">
+            <a:extLst>
+              <a:ext uri="{FF2B5EF4-FFF2-40B4-BE49-F238E27FC236}">
+                <a16:creationId xmlns:a16="http://schemas.microsoft.com/office/drawing/2014/main" id="{A1B3948C-851C-44B1-A146-71D8DF93EFD2}"/>
+              </a:ext>
+            </a:extLst>
+          </p:cNvPr>
+          <p:cNvPicPr>
+            <a:picLocks noChangeAspect="1"/>
+          </p:cNvPicPr>
+          <p:nvPr/>
+        </p:nvPicPr>
+        <p:blipFill>
+          <a:blip r:embed="rId2"/>
+          <a:stretch>
+            <a:fillRect/>
+          </a:stretch>
+        </p:blipFill>
+        <p:spPr>
+          <a:xfrm>
+            <a:off x="7442188" y="871268"/>
+            <a:ext cx="3765504" cy="2299779"/>
+          </a:xfrm>
+          <a:prstGeom prst="rect">
+            <a:avLst/>
+          </a:prstGeom>
+        </p:spPr>
+      </p:pic>
     </p:spTree>
     <p:extLst>
       <p:ext uri="{BB962C8B-B14F-4D97-AF65-F5344CB8AC3E}">
-        <p14:creationId xmlns:p14="http://schemas.microsoft.com/office/powerpoint/2010/main" val="568901942"/>
+        <p14:creationId xmlns:p14="http://schemas.microsoft.com/office/powerpoint/2010/main" val="2053056427"/>
       </p:ext>
     </p:extLst>
   </p:cSld>
